--- a/Documentation/Design Patterns.pptx
+++ b/Documentation/Design Patterns.pptx
@@ -5,7 +5,7 @@
     <p:sldMasterId id="2147483648" r:id="rId1"/>
   </p:sldMasterIdLst>
   <p:notesMasterIdLst>
-    <p:notesMasterId r:id="rId18"/>
+    <p:notesMasterId r:id="rId20"/>
   </p:notesMasterIdLst>
   <p:sldIdLst>
     <p:sldId id="256" r:id="rId2"/>
@@ -24,6 +24,8 @@
     <p:sldId id="272" r:id="rId15"/>
     <p:sldId id="270" r:id="rId16"/>
     <p:sldId id="267" r:id="rId17"/>
+    <p:sldId id="273" r:id="rId18"/>
+    <p:sldId id="274" r:id="rId19"/>
   </p:sldIdLst>
   <p:sldSz cx="12192000" cy="6858000"/>
   <p:notesSz cx="6858000" cy="9144000"/>
@@ -151,6 +153,8 @@
             <p14:sldId id="272"/>
             <p14:sldId id="270"/>
             <p14:sldId id="267"/>
+            <p14:sldId id="273"/>
+            <p14:sldId id="274"/>
           </p14:sldIdLst>
         </p14:section>
       </p14:sectionLst>
@@ -11151,6 +11155,7008 @@
 </p:sld>
 </file>
 
+<file path=ppt/slides/slide17.xml><?xml version="1.0" encoding="utf-8"?>
+<p:sld xmlns:a="http://schemas.openxmlformats.org/drawingml/2006/main" xmlns:r="http://schemas.openxmlformats.org/officeDocument/2006/relationships" xmlns:p="http://schemas.openxmlformats.org/presentationml/2006/main">
+  <p:cSld>
+    <p:spTree>
+      <p:nvGrpSpPr>
+        <p:cNvPr id="1" name=""/>
+        <p:cNvGrpSpPr/>
+        <p:nvPr/>
+      </p:nvGrpSpPr>
+      <p:grpSpPr>
+        <a:xfrm>
+          <a:off x="0" y="0"/>
+          <a:ext cx="0" cy="0"/>
+          <a:chOff x="0" y="0"/>
+          <a:chExt cx="0" cy="0"/>
+        </a:xfrm>
+      </p:grpSpPr>
+      <p:sp>
+        <p:nvSpPr>
+          <p:cNvPr id="2" name="Title 1">
+            <a:extLst>
+              <a:ext uri="{FF2B5EF4-FFF2-40B4-BE49-F238E27FC236}">
+                <a16:creationId xmlns:a16="http://schemas.microsoft.com/office/drawing/2014/main" id="{1C695ED3-BB51-4CF5-97CD-C8C5D61D635C}"/>
+              </a:ext>
+            </a:extLst>
+          </p:cNvPr>
+          <p:cNvSpPr>
+            <a:spLocks noGrp="1"/>
+          </p:cNvSpPr>
+          <p:nvPr>
+            <p:ph type="title"/>
+          </p:nvPr>
+        </p:nvSpPr>
+        <p:spPr>
+          <a:xfrm>
+            <a:off x="685800" y="350488"/>
+            <a:ext cx="10131427" cy="765218"/>
+          </a:xfrm>
+        </p:spPr>
+        <p:txBody>
+          <a:bodyPr/>
+          <a:lstStyle/>
+          <a:p>
+            <a:pPr algn="ctr"/>
+            <a:r>
+              <a:rPr lang="en-US" dirty="0"/>
+              <a:t>IMPLEMENTATIONS:</a:t>
+            </a:r>
+          </a:p>
+        </p:txBody>
+      </p:sp>
+      <p:sp>
+        <p:nvSpPr>
+          <p:cNvPr id="4" name="Text Placeholder 2">
+            <a:extLst>
+              <a:ext uri="{FF2B5EF4-FFF2-40B4-BE49-F238E27FC236}">
+                <a16:creationId xmlns:a16="http://schemas.microsoft.com/office/drawing/2014/main" id="{C68F30A6-1D09-470A-AB07-839D61C4B9C0}"/>
+              </a:ext>
+            </a:extLst>
+          </p:cNvPr>
+          <p:cNvSpPr txBox="1">
+            <a:spLocks/>
+          </p:cNvSpPr>
+          <p:nvPr/>
+        </p:nvSpPr>
+        <p:spPr>
+          <a:xfrm>
+            <a:off x="4340257" y="1115706"/>
+            <a:ext cx="2822511" cy="410440"/>
+          </a:xfrm>
+          <a:prstGeom prst="rect">
+            <a:avLst/>
+          </a:prstGeom>
+        </p:spPr>
+        <p:txBody>
+          <a:bodyPr vert="horz" lIns="91440" tIns="45720" rIns="91440" bIns="45720" rtlCol="0" anchor="t">
+            <a:normAutofit/>
+          </a:bodyPr>
+          <a:lstStyle>
+            <a:lvl1pPr marL="0" indent="0" algn="l" defTabSz="457200" rtl="0" eaLnBrk="1" latinLnBrk="0" hangingPunct="1">
+              <a:spcBef>
+                <a:spcPts val="0"/>
+              </a:spcBef>
+              <a:spcAft>
+                <a:spcPts val="1000"/>
+              </a:spcAft>
+              <a:buClr>
+                <a:schemeClr val="tx1"/>
+              </a:buClr>
+              <a:buSzPct val="100000"/>
+              <a:buFont typeface="Arial"/>
+              <a:buNone/>
+              <a:defRPr sz="2000" kern="1200" cap="all">
+                <a:solidFill>
+                  <a:schemeClr val="tx1"/>
+                </a:solidFill>
+                <a:effectLst/>
+                <a:latin typeface="+mn-lt"/>
+                <a:ea typeface="+mn-ea"/>
+                <a:cs typeface="+mn-cs"/>
+              </a:defRPr>
+            </a:lvl1pPr>
+            <a:lvl2pPr marL="457200" indent="0" algn="l" defTabSz="457200" rtl="0" eaLnBrk="1" latinLnBrk="0" hangingPunct="1">
+              <a:spcBef>
+                <a:spcPts val="0"/>
+              </a:spcBef>
+              <a:spcAft>
+                <a:spcPts val="1000"/>
+              </a:spcAft>
+              <a:buClr>
+                <a:schemeClr val="tx1"/>
+              </a:buClr>
+              <a:buSzPct val="100000"/>
+              <a:buFont typeface="Arial"/>
+              <a:buNone/>
+              <a:defRPr sz="1800" kern="1200" cap="none">
+                <a:solidFill>
+                  <a:schemeClr val="tx1">
+                    <a:tint val="75000"/>
+                  </a:schemeClr>
+                </a:solidFill>
+                <a:effectLst/>
+                <a:latin typeface="+mn-lt"/>
+                <a:ea typeface="+mn-ea"/>
+                <a:cs typeface="+mn-cs"/>
+              </a:defRPr>
+            </a:lvl2pPr>
+            <a:lvl3pPr marL="914400" indent="0" algn="l" defTabSz="457200" rtl="0" eaLnBrk="1" latinLnBrk="0" hangingPunct="1">
+              <a:spcBef>
+                <a:spcPts val="0"/>
+              </a:spcBef>
+              <a:spcAft>
+                <a:spcPts val="1000"/>
+              </a:spcAft>
+              <a:buClr>
+                <a:schemeClr val="tx1"/>
+              </a:buClr>
+              <a:buSzPct val="100000"/>
+              <a:buFont typeface="Arial"/>
+              <a:buNone/>
+              <a:defRPr sz="1600" kern="1200" cap="none">
+                <a:solidFill>
+                  <a:schemeClr val="tx1">
+                    <a:tint val="75000"/>
+                  </a:schemeClr>
+                </a:solidFill>
+                <a:effectLst/>
+                <a:latin typeface="+mn-lt"/>
+                <a:ea typeface="+mn-ea"/>
+                <a:cs typeface="+mn-cs"/>
+              </a:defRPr>
+            </a:lvl3pPr>
+            <a:lvl4pPr marL="1371600" indent="0" algn="l" defTabSz="457200" rtl="0" eaLnBrk="1" latinLnBrk="0" hangingPunct="1">
+              <a:spcBef>
+                <a:spcPts val="0"/>
+              </a:spcBef>
+              <a:spcAft>
+                <a:spcPts val="1000"/>
+              </a:spcAft>
+              <a:buClr>
+                <a:schemeClr val="tx1"/>
+              </a:buClr>
+              <a:buSzPct val="100000"/>
+              <a:buFont typeface="Arial"/>
+              <a:buNone/>
+              <a:defRPr sz="1400" kern="1200" cap="none">
+                <a:solidFill>
+                  <a:schemeClr val="tx1">
+                    <a:tint val="75000"/>
+                  </a:schemeClr>
+                </a:solidFill>
+                <a:effectLst/>
+                <a:latin typeface="+mn-lt"/>
+                <a:ea typeface="+mn-ea"/>
+                <a:cs typeface="+mn-cs"/>
+              </a:defRPr>
+            </a:lvl4pPr>
+            <a:lvl5pPr marL="1828800" indent="0" algn="l" defTabSz="457200" rtl="0" eaLnBrk="1" latinLnBrk="0" hangingPunct="1">
+              <a:spcBef>
+                <a:spcPts val="0"/>
+              </a:spcBef>
+              <a:spcAft>
+                <a:spcPts val="1000"/>
+              </a:spcAft>
+              <a:buClr>
+                <a:schemeClr val="tx1"/>
+              </a:buClr>
+              <a:buSzPct val="100000"/>
+              <a:buFont typeface="Arial"/>
+              <a:buNone/>
+              <a:defRPr sz="1400" kern="1200" cap="none">
+                <a:solidFill>
+                  <a:schemeClr val="tx1">
+                    <a:tint val="75000"/>
+                  </a:schemeClr>
+                </a:solidFill>
+                <a:effectLst/>
+                <a:latin typeface="+mn-lt"/>
+                <a:ea typeface="+mn-ea"/>
+                <a:cs typeface="+mn-cs"/>
+              </a:defRPr>
+            </a:lvl5pPr>
+            <a:lvl6pPr marL="2286000" indent="0" algn="l" defTabSz="457200" rtl="0" eaLnBrk="1" latinLnBrk="0" hangingPunct="1">
+              <a:spcBef>
+                <a:spcPts val="0"/>
+              </a:spcBef>
+              <a:spcAft>
+                <a:spcPts val="1000"/>
+              </a:spcAft>
+              <a:buClr>
+                <a:schemeClr val="tx1"/>
+              </a:buClr>
+              <a:buSzPct val="100000"/>
+              <a:buFont typeface="Arial"/>
+              <a:buNone/>
+              <a:defRPr sz="1400" kern="1200" cap="none">
+                <a:solidFill>
+                  <a:schemeClr val="tx1">
+                    <a:tint val="75000"/>
+                  </a:schemeClr>
+                </a:solidFill>
+                <a:effectLst/>
+                <a:latin typeface="+mn-lt"/>
+                <a:ea typeface="+mn-ea"/>
+                <a:cs typeface="+mn-cs"/>
+              </a:defRPr>
+            </a:lvl6pPr>
+            <a:lvl7pPr marL="2743200" indent="0" algn="l" defTabSz="457200" rtl="0" eaLnBrk="1" latinLnBrk="0" hangingPunct="1">
+              <a:spcBef>
+                <a:spcPts val="0"/>
+              </a:spcBef>
+              <a:spcAft>
+                <a:spcPts val="1000"/>
+              </a:spcAft>
+              <a:buClr>
+                <a:schemeClr val="tx1"/>
+              </a:buClr>
+              <a:buSzPct val="100000"/>
+              <a:buFont typeface="Arial"/>
+              <a:buNone/>
+              <a:defRPr sz="1400" kern="1200" cap="none">
+                <a:solidFill>
+                  <a:schemeClr val="tx1">
+                    <a:tint val="75000"/>
+                  </a:schemeClr>
+                </a:solidFill>
+                <a:effectLst/>
+                <a:latin typeface="+mn-lt"/>
+                <a:ea typeface="+mn-ea"/>
+                <a:cs typeface="+mn-cs"/>
+              </a:defRPr>
+            </a:lvl7pPr>
+            <a:lvl8pPr marL="3200400" indent="0" algn="l" defTabSz="457200" rtl="0" eaLnBrk="1" latinLnBrk="0" hangingPunct="1">
+              <a:spcBef>
+                <a:spcPts val="0"/>
+              </a:spcBef>
+              <a:spcAft>
+                <a:spcPts val="1000"/>
+              </a:spcAft>
+              <a:buClr>
+                <a:schemeClr val="tx1"/>
+              </a:buClr>
+              <a:buSzPct val="100000"/>
+              <a:buFont typeface="Arial"/>
+              <a:buNone/>
+              <a:defRPr sz="1400" kern="1200" cap="none">
+                <a:solidFill>
+                  <a:schemeClr val="tx1">
+                    <a:tint val="75000"/>
+                  </a:schemeClr>
+                </a:solidFill>
+                <a:effectLst/>
+                <a:latin typeface="+mn-lt"/>
+                <a:ea typeface="+mn-ea"/>
+                <a:cs typeface="+mn-cs"/>
+              </a:defRPr>
+            </a:lvl8pPr>
+            <a:lvl9pPr marL="3657600" indent="0" algn="l" defTabSz="457200" rtl="0" eaLnBrk="1" latinLnBrk="0" hangingPunct="1">
+              <a:spcBef>
+                <a:spcPts val="0"/>
+              </a:spcBef>
+              <a:spcAft>
+                <a:spcPts val="1000"/>
+              </a:spcAft>
+              <a:buClr>
+                <a:schemeClr val="tx1"/>
+              </a:buClr>
+              <a:buSzPct val="100000"/>
+              <a:buFont typeface="Arial"/>
+              <a:buNone/>
+              <a:defRPr sz="1400" kern="1200" cap="none">
+                <a:solidFill>
+                  <a:schemeClr val="tx1">
+                    <a:tint val="75000"/>
+                  </a:schemeClr>
+                </a:solidFill>
+                <a:effectLst/>
+                <a:latin typeface="+mn-lt"/>
+                <a:ea typeface="+mn-ea"/>
+                <a:cs typeface="+mn-cs"/>
+              </a:defRPr>
+            </a:lvl9pPr>
+          </a:lstStyle>
+          <a:p>
+            <a:pPr algn="ctr"/>
+            <a:r>
+              <a:rPr lang="en-US" dirty="0"/>
+              <a:t>Popular, switch-case:</a:t>
+            </a:r>
+          </a:p>
+        </p:txBody>
+      </p:sp>
+      <p:sp>
+        <p:nvSpPr>
+          <p:cNvPr id="6" name="Rectangle 2">
+            <a:extLst>
+              <a:ext uri="{FF2B5EF4-FFF2-40B4-BE49-F238E27FC236}">
+                <a16:creationId xmlns:a16="http://schemas.microsoft.com/office/drawing/2014/main" id="{3BBE5D3F-9D06-497A-B3E6-805B23FB4236}"/>
+              </a:ext>
+            </a:extLst>
+          </p:cNvPr>
+          <p:cNvSpPr>
+            <a:spLocks noGrp="1" noChangeArrowheads="1"/>
+          </p:cNvSpPr>
+          <p:nvPr>
+            <p:ph type="body" idx="1"/>
+          </p:nvPr>
+        </p:nvSpPr>
+        <p:spPr bwMode="auto">
+          <a:xfrm>
+            <a:off x="410441" y="438586"/>
+            <a:ext cx="2967669" cy="6201698"/>
+          </a:xfrm>
+          <a:prstGeom prst="rect">
+            <a:avLst/>
+          </a:prstGeom>
+          <a:noFill/>
+          <a:ln w="9525">
+            <a:solidFill>
+              <a:schemeClr val="tx1"/>
+            </a:solidFill>
+            <a:miter lim="800000"/>
+            <a:headEnd/>
+            <a:tailEnd/>
+          </a:ln>
+          <a:effectLst/>
+          <a:extLst>
+            <a:ext uri="{909E8E84-426E-40DD-AFC4-6F175D3DCCD1}">
+              <a14:hiddenFill xmlns:a14="http://schemas.microsoft.com/office/drawing/2010/main">
+                <a:solidFill>
+                  <a:schemeClr val="accent1"/>
+                </a:solidFill>
+              </a14:hiddenFill>
+            </a:ext>
+            <a:ext uri="{AF507438-7753-43E0-B8FC-AC1667EBCBE1}">
+              <a14:hiddenEffects xmlns:a14="http://schemas.microsoft.com/office/drawing/2010/main">
+                <a:effectLst>
+                  <a:outerShdw dist="35921" dir="2700000" algn="ctr" rotWithShape="0">
+                    <a:schemeClr val="bg2"/>
+                  </a:outerShdw>
+                </a:effectLst>
+              </a14:hiddenEffects>
+            </a:ext>
+          </a:extLst>
+        </p:spPr>
+        <p:txBody>
+          <a:bodyPr vert="horz" wrap="square" lIns="0" tIns="0" rIns="0" bIns="0" numCol="1" anchor="ctr" anchorCtr="0" compatLnSpc="1">
+            <a:prstTxWarp prst="textNoShape">
+              <a:avLst/>
+            </a:prstTxWarp>
+            <a:spAutoFit/>
+          </a:bodyPr>
+          <a:lstStyle/>
+          <a:p>
+            <a:pPr marL="0" marR="0" lvl="0" indent="0" algn="l" defTabSz="914400" rtl="0" eaLnBrk="0" fontAlgn="base" latinLnBrk="0" hangingPunct="0">
+              <a:lnSpc>
+                <a:spcPct val="100000"/>
+              </a:lnSpc>
+              <a:spcBef>
+                <a:spcPct val="0"/>
+              </a:spcBef>
+              <a:spcAft>
+                <a:spcPct val="0"/>
+              </a:spcAft>
+              <a:buClrTx/>
+              <a:buSzTx/>
+              <a:buFontTx/>
+              <a:buNone/>
+              <a:tabLst/>
+            </a:pPr>
+            <a:r>
+              <a:rPr kumimoji="0" lang="en-US" altLang="en-US" sz="1300" b="0" i="0" u="none" strike="noStrike" cap="none" normalizeH="0" baseline="0" dirty="0">
+                <a:ln>
+                  <a:noFill/>
+                </a:ln>
+                <a:solidFill>
+                  <a:schemeClr val="accent1">
+                    <a:lumMod val="40000"/>
+                    <a:lumOff val="60000"/>
+                  </a:schemeClr>
+                </a:solidFill>
+                <a:effectLst/>
+                <a:latin typeface="inherit"/>
+              </a:rPr>
+              <a:t>    class Program</a:t>
+            </a:r>
+          </a:p>
+          <a:p>
+            <a:pPr marL="0" marR="0" lvl="0" indent="0" algn="l" defTabSz="914400" rtl="0" eaLnBrk="0" fontAlgn="base" latinLnBrk="0" hangingPunct="0">
+              <a:lnSpc>
+                <a:spcPct val="100000"/>
+              </a:lnSpc>
+              <a:spcBef>
+                <a:spcPct val="0"/>
+              </a:spcBef>
+              <a:spcAft>
+                <a:spcPct val="0"/>
+              </a:spcAft>
+              <a:buClrTx/>
+              <a:buSzTx/>
+              <a:buFontTx/>
+              <a:buNone/>
+              <a:tabLst/>
+            </a:pPr>
+            <a:r>
+              <a:rPr kumimoji="0" lang="en-US" altLang="en-US" sz="1300" b="0" i="0" u="none" strike="noStrike" cap="none" normalizeH="0" baseline="0" dirty="0">
+                <a:ln>
+                  <a:noFill/>
+                </a:ln>
+                <a:solidFill>
+                  <a:schemeClr val="accent1">
+                    <a:lumMod val="40000"/>
+                    <a:lumOff val="60000"/>
+                  </a:schemeClr>
+                </a:solidFill>
+                <a:effectLst/>
+                <a:latin typeface="inherit"/>
+              </a:rPr>
+              <a:t>    {</a:t>
+            </a:r>
+          </a:p>
+          <a:p>
+            <a:pPr marL="0" marR="0" lvl="0" indent="0" algn="l" defTabSz="914400" rtl="0" eaLnBrk="0" fontAlgn="base" latinLnBrk="0" hangingPunct="0">
+              <a:lnSpc>
+                <a:spcPct val="100000"/>
+              </a:lnSpc>
+              <a:spcBef>
+                <a:spcPct val="0"/>
+              </a:spcBef>
+              <a:spcAft>
+                <a:spcPct val="0"/>
+              </a:spcAft>
+              <a:buClrTx/>
+              <a:buSzTx/>
+              <a:buFontTx/>
+              <a:buNone/>
+              <a:tabLst/>
+            </a:pPr>
+            <a:r>
+              <a:rPr kumimoji="0" lang="en-US" altLang="en-US" sz="1300" b="0" i="0" u="none" strike="noStrike" cap="none" normalizeH="0" baseline="0" dirty="0">
+                <a:ln>
+                  <a:noFill/>
+                </a:ln>
+                <a:solidFill>
+                  <a:schemeClr val="accent1">
+                    <a:lumMod val="40000"/>
+                    <a:lumOff val="60000"/>
+                  </a:schemeClr>
+                </a:solidFill>
+                <a:effectLst/>
+                <a:latin typeface="inherit"/>
+              </a:rPr>
+              <a:t>        abstract class Position</a:t>
+            </a:r>
+          </a:p>
+          <a:p>
+            <a:pPr marL="0" marR="0" lvl="0" indent="0" algn="l" defTabSz="914400" rtl="0" eaLnBrk="0" fontAlgn="base" latinLnBrk="0" hangingPunct="0">
+              <a:lnSpc>
+                <a:spcPct val="100000"/>
+              </a:lnSpc>
+              <a:spcBef>
+                <a:spcPct val="0"/>
+              </a:spcBef>
+              <a:spcAft>
+                <a:spcPct val="0"/>
+              </a:spcAft>
+              <a:buClrTx/>
+              <a:buSzTx/>
+              <a:buFontTx/>
+              <a:buNone/>
+              <a:tabLst/>
+            </a:pPr>
+            <a:r>
+              <a:rPr kumimoji="0" lang="en-US" altLang="en-US" sz="1300" b="0" i="0" u="none" strike="noStrike" cap="none" normalizeH="0" baseline="0" dirty="0">
+                <a:ln>
+                  <a:noFill/>
+                </a:ln>
+                <a:solidFill>
+                  <a:schemeClr val="accent1">
+                    <a:lumMod val="40000"/>
+                    <a:lumOff val="60000"/>
+                  </a:schemeClr>
+                </a:solidFill>
+                <a:effectLst/>
+                <a:latin typeface="inherit"/>
+              </a:rPr>
+              <a:t>        {</a:t>
+            </a:r>
+          </a:p>
+          <a:p>
+            <a:pPr marL="0" marR="0" lvl="0" indent="0" algn="l" defTabSz="914400" rtl="0" eaLnBrk="0" fontAlgn="base" latinLnBrk="0" hangingPunct="0">
+              <a:lnSpc>
+                <a:spcPct val="100000"/>
+              </a:lnSpc>
+              <a:spcBef>
+                <a:spcPct val="0"/>
+              </a:spcBef>
+              <a:spcAft>
+                <a:spcPct val="0"/>
+              </a:spcAft>
+              <a:buClrTx/>
+              <a:buSzTx/>
+              <a:buFontTx/>
+              <a:buNone/>
+              <a:tabLst/>
+            </a:pPr>
+            <a:r>
+              <a:rPr kumimoji="0" lang="en-US" altLang="en-US" sz="1300" b="0" i="0" u="none" strike="noStrike" cap="none" normalizeH="0" baseline="0" dirty="0">
+                <a:ln>
+                  <a:noFill/>
+                </a:ln>
+                <a:solidFill>
+                  <a:schemeClr val="accent1">
+                    <a:lumMod val="40000"/>
+                    <a:lumOff val="60000"/>
+                  </a:schemeClr>
+                </a:solidFill>
+                <a:effectLst/>
+                <a:latin typeface="inherit"/>
+              </a:rPr>
+              <a:t>            public abstract string Title { get; }</a:t>
+            </a:r>
+          </a:p>
+          <a:p>
+            <a:pPr marL="0" marR="0" lvl="0" indent="0" algn="l" defTabSz="914400" rtl="0" eaLnBrk="0" fontAlgn="base" latinLnBrk="0" hangingPunct="0">
+              <a:lnSpc>
+                <a:spcPct val="100000"/>
+              </a:lnSpc>
+              <a:spcBef>
+                <a:spcPct val="0"/>
+              </a:spcBef>
+              <a:spcAft>
+                <a:spcPct val="0"/>
+              </a:spcAft>
+              <a:buClrTx/>
+              <a:buSzTx/>
+              <a:buFontTx/>
+              <a:buNone/>
+              <a:tabLst/>
+            </a:pPr>
+            <a:r>
+              <a:rPr kumimoji="0" lang="en-US" altLang="en-US" sz="1300" b="0" i="0" u="none" strike="noStrike" cap="none" normalizeH="0" baseline="0" dirty="0">
+                <a:ln>
+                  <a:noFill/>
+                </a:ln>
+                <a:solidFill>
+                  <a:schemeClr val="accent1">
+                    <a:lumMod val="40000"/>
+                    <a:lumOff val="60000"/>
+                  </a:schemeClr>
+                </a:solidFill>
+                <a:effectLst/>
+                <a:latin typeface="inherit"/>
+              </a:rPr>
+              <a:t>        }</a:t>
+            </a:r>
+          </a:p>
+          <a:p>
+            <a:pPr marL="0" marR="0" lvl="0" indent="0" algn="l" defTabSz="914400" rtl="0" eaLnBrk="0" fontAlgn="base" latinLnBrk="0" hangingPunct="0">
+              <a:lnSpc>
+                <a:spcPct val="100000"/>
+              </a:lnSpc>
+              <a:spcBef>
+                <a:spcPct val="0"/>
+              </a:spcBef>
+              <a:spcAft>
+                <a:spcPct val="0"/>
+              </a:spcAft>
+              <a:buClrTx/>
+              <a:buSzTx/>
+              <a:buFontTx/>
+              <a:buNone/>
+              <a:tabLst/>
+            </a:pPr>
+            <a:endParaRPr kumimoji="0" lang="en-US" altLang="en-US" sz="1300" b="0" i="0" u="none" strike="noStrike" cap="none" normalizeH="0" baseline="0" dirty="0">
+              <a:ln>
+                <a:noFill/>
+              </a:ln>
+              <a:solidFill>
+                <a:schemeClr val="accent1">
+                  <a:lumMod val="40000"/>
+                  <a:lumOff val="60000"/>
+                </a:schemeClr>
+              </a:solidFill>
+              <a:effectLst/>
+              <a:latin typeface="inherit"/>
+            </a:endParaRPr>
+          </a:p>
+          <a:p>
+            <a:pPr marL="0" marR="0" lvl="0" indent="0" algn="l" defTabSz="914400" rtl="0" eaLnBrk="0" fontAlgn="base" latinLnBrk="0" hangingPunct="0">
+              <a:lnSpc>
+                <a:spcPct val="100000"/>
+              </a:lnSpc>
+              <a:spcBef>
+                <a:spcPct val="0"/>
+              </a:spcBef>
+              <a:spcAft>
+                <a:spcPct val="0"/>
+              </a:spcAft>
+              <a:buClrTx/>
+              <a:buSzTx/>
+              <a:buFontTx/>
+              <a:buNone/>
+              <a:tabLst/>
+            </a:pPr>
+            <a:r>
+              <a:rPr kumimoji="0" lang="en-US" altLang="en-US" sz="1300" b="0" i="0" u="none" strike="noStrike" cap="none" normalizeH="0" baseline="0" dirty="0">
+                <a:ln>
+                  <a:noFill/>
+                </a:ln>
+                <a:solidFill>
+                  <a:schemeClr val="accent1">
+                    <a:lumMod val="40000"/>
+                    <a:lumOff val="60000"/>
+                  </a:schemeClr>
+                </a:solidFill>
+                <a:effectLst/>
+                <a:latin typeface="inherit"/>
+              </a:rPr>
+              <a:t>        class Manager : Position</a:t>
+            </a:r>
+          </a:p>
+          <a:p>
+            <a:pPr marL="0" marR="0" lvl="0" indent="0" algn="l" defTabSz="914400" rtl="0" eaLnBrk="0" fontAlgn="base" latinLnBrk="0" hangingPunct="0">
+              <a:lnSpc>
+                <a:spcPct val="100000"/>
+              </a:lnSpc>
+              <a:spcBef>
+                <a:spcPct val="0"/>
+              </a:spcBef>
+              <a:spcAft>
+                <a:spcPct val="0"/>
+              </a:spcAft>
+              <a:buClrTx/>
+              <a:buSzTx/>
+              <a:buFontTx/>
+              <a:buNone/>
+              <a:tabLst/>
+            </a:pPr>
+            <a:r>
+              <a:rPr kumimoji="0" lang="en-US" altLang="en-US" sz="1300" b="0" i="0" u="none" strike="noStrike" cap="none" normalizeH="0" baseline="0" dirty="0">
+                <a:ln>
+                  <a:noFill/>
+                </a:ln>
+                <a:solidFill>
+                  <a:schemeClr val="accent1">
+                    <a:lumMod val="40000"/>
+                    <a:lumOff val="60000"/>
+                  </a:schemeClr>
+                </a:solidFill>
+                <a:effectLst/>
+                <a:latin typeface="inherit"/>
+              </a:rPr>
+              <a:t>        {</a:t>
+            </a:r>
+          </a:p>
+          <a:p>
+            <a:pPr marL="0" marR="0" lvl="0" indent="0" algn="l" defTabSz="914400" rtl="0" eaLnBrk="0" fontAlgn="base" latinLnBrk="0" hangingPunct="0">
+              <a:lnSpc>
+                <a:spcPct val="100000"/>
+              </a:lnSpc>
+              <a:spcBef>
+                <a:spcPct val="0"/>
+              </a:spcBef>
+              <a:spcAft>
+                <a:spcPct val="0"/>
+              </a:spcAft>
+              <a:buClrTx/>
+              <a:buSzTx/>
+              <a:buFontTx/>
+              <a:buNone/>
+              <a:tabLst/>
+            </a:pPr>
+            <a:r>
+              <a:rPr kumimoji="0" lang="en-US" altLang="en-US" sz="1300" b="0" i="0" u="none" strike="noStrike" cap="none" normalizeH="0" baseline="0" dirty="0">
+                <a:ln>
+                  <a:noFill/>
+                </a:ln>
+                <a:solidFill>
+                  <a:schemeClr val="accent1">
+                    <a:lumMod val="40000"/>
+                    <a:lumOff val="60000"/>
+                  </a:schemeClr>
+                </a:solidFill>
+                <a:effectLst/>
+                <a:latin typeface="inherit"/>
+              </a:rPr>
+              <a:t>            public override string Title</a:t>
+            </a:r>
+          </a:p>
+          <a:p>
+            <a:pPr marL="0" marR="0" lvl="0" indent="0" algn="l" defTabSz="914400" rtl="0" eaLnBrk="0" fontAlgn="base" latinLnBrk="0" hangingPunct="0">
+              <a:lnSpc>
+                <a:spcPct val="100000"/>
+              </a:lnSpc>
+              <a:spcBef>
+                <a:spcPct val="0"/>
+              </a:spcBef>
+              <a:spcAft>
+                <a:spcPct val="0"/>
+              </a:spcAft>
+              <a:buClrTx/>
+              <a:buSzTx/>
+              <a:buFontTx/>
+              <a:buNone/>
+              <a:tabLst/>
+            </a:pPr>
+            <a:r>
+              <a:rPr kumimoji="0" lang="en-US" altLang="en-US" sz="1300" b="0" i="0" u="none" strike="noStrike" cap="none" normalizeH="0" baseline="0" dirty="0">
+                <a:ln>
+                  <a:noFill/>
+                </a:ln>
+                <a:solidFill>
+                  <a:schemeClr val="accent1">
+                    <a:lumMod val="40000"/>
+                    <a:lumOff val="60000"/>
+                  </a:schemeClr>
+                </a:solidFill>
+                <a:effectLst/>
+                <a:latin typeface="inherit"/>
+              </a:rPr>
+              <a:t>            {</a:t>
+            </a:r>
+          </a:p>
+          <a:p>
+            <a:pPr marL="0" marR="0" lvl="0" indent="0" algn="l" defTabSz="914400" rtl="0" eaLnBrk="0" fontAlgn="base" latinLnBrk="0" hangingPunct="0">
+              <a:lnSpc>
+                <a:spcPct val="100000"/>
+              </a:lnSpc>
+              <a:spcBef>
+                <a:spcPct val="0"/>
+              </a:spcBef>
+              <a:spcAft>
+                <a:spcPct val="0"/>
+              </a:spcAft>
+              <a:buClrTx/>
+              <a:buSzTx/>
+              <a:buFontTx/>
+              <a:buNone/>
+              <a:tabLst/>
+            </a:pPr>
+            <a:r>
+              <a:rPr kumimoji="0" lang="en-US" altLang="en-US" sz="1300" b="0" i="0" u="none" strike="noStrike" cap="none" normalizeH="0" baseline="0" dirty="0">
+                <a:ln>
+                  <a:noFill/>
+                </a:ln>
+                <a:solidFill>
+                  <a:schemeClr val="accent1">
+                    <a:lumMod val="40000"/>
+                    <a:lumOff val="60000"/>
+                  </a:schemeClr>
+                </a:solidFill>
+                <a:effectLst/>
+                <a:latin typeface="inherit"/>
+              </a:rPr>
+              <a:t>                get { return "Manager"; }</a:t>
+            </a:r>
+          </a:p>
+          <a:p>
+            <a:pPr marL="0" marR="0" lvl="0" indent="0" algn="l" defTabSz="914400" rtl="0" eaLnBrk="0" fontAlgn="base" latinLnBrk="0" hangingPunct="0">
+              <a:lnSpc>
+                <a:spcPct val="100000"/>
+              </a:lnSpc>
+              <a:spcBef>
+                <a:spcPct val="0"/>
+              </a:spcBef>
+              <a:spcAft>
+                <a:spcPct val="0"/>
+              </a:spcAft>
+              <a:buClrTx/>
+              <a:buSzTx/>
+              <a:buFontTx/>
+              <a:buNone/>
+              <a:tabLst/>
+            </a:pPr>
+            <a:r>
+              <a:rPr kumimoji="0" lang="en-US" altLang="en-US" sz="1300" b="0" i="0" u="none" strike="noStrike" cap="none" normalizeH="0" baseline="0" dirty="0">
+                <a:ln>
+                  <a:noFill/>
+                </a:ln>
+                <a:solidFill>
+                  <a:schemeClr val="accent1">
+                    <a:lumMod val="40000"/>
+                    <a:lumOff val="60000"/>
+                  </a:schemeClr>
+                </a:solidFill>
+                <a:effectLst/>
+                <a:latin typeface="inherit"/>
+              </a:rPr>
+              <a:t>            }</a:t>
+            </a:r>
+          </a:p>
+          <a:p>
+            <a:pPr marL="0" marR="0" lvl="0" indent="0" algn="l" defTabSz="914400" rtl="0" eaLnBrk="0" fontAlgn="base" latinLnBrk="0" hangingPunct="0">
+              <a:lnSpc>
+                <a:spcPct val="100000"/>
+              </a:lnSpc>
+              <a:spcBef>
+                <a:spcPct val="0"/>
+              </a:spcBef>
+              <a:spcAft>
+                <a:spcPct val="0"/>
+              </a:spcAft>
+              <a:buClrTx/>
+              <a:buSzTx/>
+              <a:buFontTx/>
+              <a:buNone/>
+              <a:tabLst/>
+            </a:pPr>
+            <a:r>
+              <a:rPr kumimoji="0" lang="en-US" altLang="en-US" sz="1300" b="0" i="0" u="none" strike="noStrike" cap="none" normalizeH="0" baseline="0" dirty="0">
+                <a:ln>
+                  <a:noFill/>
+                </a:ln>
+                <a:solidFill>
+                  <a:schemeClr val="accent1">
+                    <a:lumMod val="40000"/>
+                    <a:lumOff val="60000"/>
+                  </a:schemeClr>
+                </a:solidFill>
+                <a:effectLst/>
+                <a:latin typeface="inherit"/>
+              </a:rPr>
+              <a:t>        }</a:t>
+            </a:r>
+          </a:p>
+          <a:p>
+            <a:pPr marL="0" marR="0" lvl="0" indent="0" algn="l" defTabSz="914400" rtl="0" eaLnBrk="0" fontAlgn="base" latinLnBrk="0" hangingPunct="0">
+              <a:lnSpc>
+                <a:spcPct val="100000"/>
+              </a:lnSpc>
+              <a:spcBef>
+                <a:spcPct val="0"/>
+              </a:spcBef>
+              <a:spcAft>
+                <a:spcPct val="0"/>
+              </a:spcAft>
+              <a:buClrTx/>
+              <a:buSzTx/>
+              <a:buFontTx/>
+              <a:buNone/>
+              <a:tabLst/>
+            </a:pPr>
+            <a:endParaRPr kumimoji="0" lang="en-US" altLang="en-US" sz="1300" b="0" i="0" u="none" strike="noStrike" cap="none" normalizeH="0" baseline="0" dirty="0">
+              <a:ln>
+                <a:noFill/>
+              </a:ln>
+              <a:solidFill>
+                <a:schemeClr val="accent1">
+                  <a:lumMod val="40000"/>
+                  <a:lumOff val="60000"/>
+                </a:schemeClr>
+              </a:solidFill>
+              <a:effectLst/>
+              <a:latin typeface="inherit"/>
+            </a:endParaRPr>
+          </a:p>
+          <a:p>
+            <a:pPr marL="0" marR="0" lvl="0" indent="0" algn="l" defTabSz="914400" rtl="0" eaLnBrk="0" fontAlgn="base" latinLnBrk="0" hangingPunct="0">
+              <a:lnSpc>
+                <a:spcPct val="100000"/>
+              </a:lnSpc>
+              <a:spcBef>
+                <a:spcPct val="0"/>
+              </a:spcBef>
+              <a:spcAft>
+                <a:spcPct val="0"/>
+              </a:spcAft>
+              <a:buClrTx/>
+              <a:buSzTx/>
+              <a:buFontTx/>
+              <a:buNone/>
+              <a:tabLst/>
+            </a:pPr>
+            <a:r>
+              <a:rPr kumimoji="0" lang="en-US" altLang="en-US" sz="1300" b="0" i="0" u="none" strike="noStrike" cap="none" normalizeH="0" baseline="0" dirty="0">
+                <a:ln>
+                  <a:noFill/>
+                </a:ln>
+                <a:solidFill>
+                  <a:schemeClr val="accent1">
+                    <a:lumMod val="40000"/>
+                    <a:lumOff val="60000"/>
+                  </a:schemeClr>
+                </a:solidFill>
+                <a:effectLst/>
+                <a:latin typeface="inherit"/>
+              </a:rPr>
+              <a:t>        class Clerk : Position</a:t>
+            </a:r>
+          </a:p>
+          <a:p>
+            <a:pPr marL="0" marR="0" lvl="0" indent="0" algn="l" defTabSz="914400" rtl="0" eaLnBrk="0" fontAlgn="base" latinLnBrk="0" hangingPunct="0">
+              <a:lnSpc>
+                <a:spcPct val="100000"/>
+              </a:lnSpc>
+              <a:spcBef>
+                <a:spcPct val="0"/>
+              </a:spcBef>
+              <a:spcAft>
+                <a:spcPct val="0"/>
+              </a:spcAft>
+              <a:buClrTx/>
+              <a:buSzTx/>
+              <a:buFontTx/>
+              <a:buNone/>
+              <a:tabLst/>
+            </a:pPr>
+            <a:r>
+              <a:rPr kumimoji="0" lang="en-US" altLang="en-US" sz="1300" b="0" i="0" u="none" strike="noStrike" cap="none" normalizeH="0" baseline="0" dirty="0">
+                <a:ln>
+                  <a:noFill/>
+                </a:ln>
+                <a:solidFill>
+                  <a:schemeClr val="accent1">
+                    <a:lumMod val="40000"/>
+                    <a:lumOff val="60000"/>
+                  </a:schemeClr>
+                </a:solidFill>
+                <a:effectLst/>
+                <a:latin typeface="inherit"/>
+              </a:rPr>
+              <a:t>        {</a:t>
+            </a:r>
+          </a:p>
+          <a:p>
+            <a:pPr marL="0" marR="0" lvl="0" indent="0" algn="l" defTabSz="914400" rtl="0" eaLnBrk="0" fontAlgn="base" latinLnBrk="0" hangingPunct="0">
+              <a:lnSpc>
+                <a:spcPct val="100000"/>
+              </a:lnSpc>
+              <a:spcBef>
+                <a:spcPct val="0"/>
+              </a:spcBef>
+              <a:spcAft>
+                <a:spcPct val="0"/>
+              </a:spcAft>
+              <a:buClrTx/>
+              <a:buSzTx/>
+              <a:buFontTx/>
+              <a:buNone/>
+              <a:tabLst/>
+            </a:pPr>
+            <a:r>
+              <a:rPr kumimoji="0" lang="en-US" altLang="en-US" sz="1300" b="0" i="0" u="none" strike="noStrike" cap="none" normalizeH="0" baseline="0" dirty="0">
+                <a:ln>
+                  <a:noFill/>
+                </a:ln>
+                <a:solidFill>
+                  <a:schemeClr val="accent1">
+                    <a:lumMod val="40000"/>
+                    <a:lumOff val="60000"/>
+                  </a:schemeClr>
+                </a:solidFill>
+                <a:effectLst/>
+                <a:latin typeface="inherit"/>
+              </a:rPr>
+              <a:t>            public override string Title</a:t>
+            </a:r>
+          </a:p>
+          <a:p>
+            <a:pPr marL="0" marR="0" lvl="0" indent="0" algn="l" defTabSz="914400" rtl="0" eaLnBrk="0" fontAlgn="base" latinLnBrk="0" hangingPunct="0">
+              <a:lnSpc>
+                <a:spcPct val="100000"/>
+              </a:lnSpc>
+              <a:spcBef>
+                <a:spcPct val="0"/>
+              </a:spcBef>
+              <a:spcAft>
+                <a:spcPct val="0"/>
+              </a:spcAft>
+              <a:buClrTx/>
+              <a:buSzTx/>
+              <a:buFontTx/>
+              <a:buNone/>
+              <a:tabLst/>
+            </a:pPr>
+            <a:r>
+              <a:rPr kumimoji="0" lang="en-US" altLang="en-US" sz="1300" b="0" i="0" u="none" strike="noStrike" cap="none" normalizeH="0" baseline="0" dirty="0">
+                <a:ln>
+                  <a:noFill/>
+                </a:ln>
+                <a:solidFill>
+                  <a:schemeClr val="accent1">
+                    <a:lumMod val="40000"/>
+                    <a:lumOff val="60000"/>
+                  </a:schemeClr>
+                </a:solidFill>
+                <a:effectLst/>
+                <a:latin typeface="inherit"/>
+              </a:rPr>
+              <a:t>            {</a:t>
+            </a:r>
+          </a:p>
+          <a:p>
+            <a:pPr marL="0" marR="0" lvl="0" indent="0" algn="l" defTabSz="914400" rtl="0" eaLnBrk="0" fontAlgn="base" latinLnBrk="0" hangingPunct="0">
+              <a:lnSpc>
+                <a:spcPct val="100000"/>
+              </a:lnSpc>
+              <a:spcBef>
+                <a:spcPct val="0"/>
+              </a:spcBef>
+              <a:spcAft>
+                <a:spcPct val="0"/>
+              </a:spcAft>
+              <a:buClrTx/>
+              <a:buSzTx/>
+              <a:buFontTx/>
+              <a:buNone/>
+              <a:tabLst/>
+            </a:pPr>
+            <a:r>
+              <a:rPr kumimoji="0" lang="en-US" altLang="en-US" sz="1300" b="0" i="0" u="none" strike="noStrike" cap="none" normalizeH="0" baseline="0" dirty="0">
+                <a:ln>
+                  <a:noFill/>
+                </a:ln>
+                <a:solidFill>
+                  <a:schemeClr val="accent1">
+                    <a:lumMod val="40000"/>
+                    <a:lumOff val="60000"/>
+                  </a:schemeClr>
+                </a:solidFill>
+                <a:effectLst/>
+                <a:latin typeface="inherit"/>
+              </a:rPr>
+              <a:t>                get { return "Clerk"; }</a:t>
+            </a:r>
+          </a:p>
+          <a:p>
+            <a:pPr marL="0" marR="0" lvl="0" indent="0" algn="l" defTabSz="914400" rtl="0" eaLnBrk="0" fontAlgn="base" latinLnBrk="0" hangingPunct="0">
+              <a:lnSpc>
+                <a:spcPct val="100000"/>
+              </a:lnSpc>
+              <a:spcBef>
+                <a:spcPct val="0"/>
+              </a:spcBef>
+              <a:spcAft>
+                <a:spcPct val="0"/>
+              </a:spcAft>
+              <a:buClrTx/>
+              <a:buSzTx/>
+              <a:buFontTx/>
+              <a:buNone/>
+              <a:tabLst/>
+            </a:pPr>
+            <a:r>
+              <a:rPr kumimoji="0" lang="en-US" altLang="en-US" sz="1300" b="0" i="0" u="none" strike="noStrike" cap="none" normalizeH="0" baseline="0" dirty="0">
+                <a:ln>
+                  <a:noFill/>
+                </a:ln>
+                <a:solidFill>
+                  <a:schemeClr val="accent1">
+                    <a:lumMod val="40000"/>
+                    <a:lumOff val="60000"/>
+                  </a:schemeClr>
+                </a:solidFill>
+                <a:effectLst/>
+                <a:latin typeface="inherit"/>
+              </a:rPr>
+              <a:t>            }</a:t>
+            </a:r>
+          </a:p>
+          <a:p>
+            <a:pPr marL="0" marR="0" lvl="0" indent="0" algn="l" defTabSz="914400" rtl="0" eaLnBrk="0" fontAlgn="base" latinLnBrk="0" hangingPunct="0">
+              <a:lnSpc>
+                <a:spcPct val="100000"/>
+              </a:lnSpc>
+              <a:spcBef>
+                <a:spcPct val="0"/>
+              </a:spcBef>
+              <a:spcAft>
+                <a:spcPct val="0"/>
+              </a:spcAft>
+              <a:buClrTx/>
+              <a:buSzTx/>
+              <a:buFontTx/>
+              <a:buNone/>
+              <a:tabLst/>
+            </a:pPr>
+            <a:r>
+              <a:rPr kumimoji="0" lang="en-US" altLang="en-US" sz="1300" b="0" i="0" u="none" strike="noStrike" cap="none" normalizeH="0" baseline="0" dirty="0">
+                <a:ln>
+                  <a:noFill/>
+                </a:ln>
+                <a:solidFill>
+                  <a:schemeClr val="accent1">
+                    <a:lumMod val="40000"/>
+                    <a:lumOff val="60000"/>
+                  </a:schemeClr>
+                </a:solidFill>
+                <a:effectLst/>
+                <a:latin typeface="inherit"/>
+              </a:rPr>
+              <a:t>        }</a:t>
+            </a:r>
+          </a:p>
+          <a:p>
+            <a:pPr marL="0" marR="0" lvl="0" indent="0" algn="l" defTabSz="914400" rtl="0" eaLnBrk="0" fontAlgn="base" latinLnBrk="0" hangingPunct="0">
+              <a:lnSpc>
+                <a:spcPct val="100000"/>
+              </a:lnSpc>
+              <a:spcBef>
+                <a:spcPct val="0"/>
+              </a:spcBef>
+              <a:spcAft>
+                <a:spcPct val="0"/>
+              </a:spcAft>
+              <a:buClrTx/>
+              <a:buSzTx/>
+              <a:buFontTx/>
+              <a:buNone/>
+              <a:tabLst/>
+            </a:pPr>
+            <a:endParaRPr kumimoji="0" lang="en-US" altLang="en-US" sz="1300" b="0" i="0" u="none" strike="noStrike" cap="none" normalizeH="0" baseline="0" dirty="0">
+              <a:ln>
+                <a:noFill/>
+              </a:ln>
+              <a:solidFill>
+                <a:schemeClr val="accent1">
+                  <a:lumMod val="40000"/>
+                  <a:lumOff val="60000"/>
+                </a:schemeClr>
+              </a:solidFill>
+              <a:effectLst/>
+              <a:latin typeface="inherit"/>
+            </a:endParaRPr>
+          </a:p>
+          <a:p>
+            <a:pPr marL="0" marR="0" lvl="0" indent="0" algn="l" defTabSz="914400" rtl="0" eaLnBrk="0" fontAlgn="base" latinLnBrk="0" hangingPunct="0">
+              <a:lnSpc>
+                <a:spcPct val="100000"/>
+              </a:lnSpc>
+              <a:spcBef>
+                <a:spcPct val="0"/>
+              </a:spcBef>
+              <a:spcAft>
+                <a:spcPct val="0"/>
+              </a:spcAft>
+              <a:buClrTx/>
+              <a:buSzTx/>
+              <a:buFontTx/>
+              <a:buNone/>
+              <a:tabLst/>
+            </a:pPr>
+            <a:r>
+              <a:rPr kumimoji="0" lang="en-US" altLang="en-US" sz="1300" b="0" i="0" u="none" strike="noStrike" cap="none" normalizeH="0" baseline="0" dirty="0">
+                <a:ln>
+                  <a:noFill/>
+                </a:ln>
+                <a:solidFill>
+                  <a:schemeClr val="accent1">
+                    <a:lumMod val="40000"/>
+                    <a:lumOff val="60000"/>
+                  </a:schemeClr>
+                </a:solidFill>
+                <a:effectLst/>
+                <a:latin typeface="inherit"/>
+              </a:rPr>
+              <a:t>        class Programmer : Position</a:t>
+            </a:r>
+          </a:p>
+          <a:p>
+            <a:pPr marL="0" marR="0" lvl="0" indent="0" algn="l" defTabSz="914400" rtl="0" eaLnBrk="0" fontAlgn="base" latinLnBrk="0" hangingPunct="0">
+              <a:lnSpc>
+                <a:spcPct val="100000"/>
+              </a:lnSpc>
+              <a:spcBef>
+                <a:spcPct val="0"/>
+              </a:spcBef>
+              <a:spcAft>
+                <a:spcPct val="0"/>
+              </a:spcAft>
+              <a:buClrTx/>
+              <a:buSzTx/>
+              <a:buFontTx/>
+              <a:buNone/>
+              <a:tabLst/>
+            </a:pPr>
+            <a:r>
+              <a:rPr kumimoji="0" lang="en-US" altLang="en-US" sz="1300" b="0" i="0" u="none" strike="noStrike" cap="none" normalizeH="0" baseline="0" dirty="0">
+                <a:ln>
+                  <a:noFill/>
+                </a:ln>
+                <a:solidFill>
+                  <a:schemeClr val="accent1">
+                    <a:lumMod val="40000"/>
+                    <a:lumOff val="60000"/>
+                  </a:schemeClr>
+                </a:solidFill>
+                <a:effectLst/>
+                <a:latin typeface="inherit"/>
+              </a:rPr>
+              <a:t>        {</a:t>
+            </a:r>
+          </a:p>
+          <a:p>
+            <a:pPr marL="0" marR="0" lvl="0" indent="0" algn="l" defTabSz="914400" rtl="0" eaLnBrk="0" fontAlgn="base" latinLnBrk="0" hangingPunct="0">
+              <a:lnSpc>
+                <a:spcPct val="100000"/>
+              </a:lnSpc>
+              <a:spcBef>
+                <a:spcPct val="0"/>
+              </a:spcBef>
+              <a:spcAft>
+                <a:spcPct val="0"/>
+              </a:spcAft>
+              <a:buClrTx/>
+              <a:buSzTx/>
+              <a:buFontTx/>
+              <a:buNone/>
+              <a:tabLst/>
+            </a:pPr>
+            <a:r>
+              <a:rPr kumimoji="0" lang="en-US" altLang="en-US" sz="1300" b="0" i="0" u="none" strike="noStrike" cap="none" normalizeH="0" baseline="0" dirty="0">
+                <a:ln>
+                  <a:noFill/>
+                </a:ln>
+                <a:solidFill>
+                  <a:schemeClr val="accent1">
+                    <a:lumMod val="40000"/>
+                    <a:lumOff val="60000"/>
+                  </a:schemeClr>
+                </a:solidFill>
+                <a:effectLst/>
+                <a:latin typeface="inherit"/>
+              </a:rPr>
+              <a:t>            public override string Title</a:t>
+            </a:r>
+          </a:p>
+          <a:p>
+            <a:pPr marL="0" marR="0" lvl="0" indent="0" algn="l" defTabSz="914400" rtl="0" eaLnBrk="0" fontAlgn="base" latinLnBrk="0" hangingPunct="0">
+              <a:lnSpc>
+                <a:spcPct val="100000"/>
+              </a:lnSpc>
+              <a:spcBef>
+                <a:spcPct val="0"/>
+              </a:spcBef>
+              <a:spcAft>
+                <a:spcPct val="0"/>
+              </a:spcAft>
+              <a:buClrTx/>
+              <a:buSzTx/>
+              <a:buFontTx/>
+              <a:buNone/>
+              <a:tabLst/>
+            </a:pPr>
+            <a:r>
+              <a:rPr kumimoji="0" lang="en-US" altLang="en-US" sz="1300" b="0" i="0" u="none" strike="noStrike" cap="none" normalizeH="0" baseline="0" dirty="0">
+                <a:ln>
+                  <a:noFill/>
+                </a:ln>
+                <a:solidFill>
+                  <a:schemeClr val="accent1">
+                    <a:lumMod val="40000"/>
+                    <a:lumOff val="60000"/>
+                  </a:schemeClr>
+                </a:solidFill>
+                <a:effectLst/>
+                <a:latin typeface="inherit"/>
+              </a:rPr>
+              <a:t>            {</a:t>
+            </a:r>
+          </a:p>
+          <a:p>
+            <a:pPr marL="0" marR="0" lvl="0" indent="0" algn="l" defTabSz="914400" rtl="0" eaLnBrk="0" fontAlgn="base" latinLnBrk="0" hangingPunct="0">
+              <a:lnSpc>
+                <a:spcPct val="100000"/>
+              </a:lnSpc>
+              <a:spcBef>
+                <a:spcPct val="0"/>
+              </a:spcBef>
+              <a:spcAft>
+                <a:spcPct val="0"/>
+              </a:spcAft>
+              <a:buClrTx/>
+              <a:buSzTx/>
+              <a:buFontTx/>
+              <a:buNone/>
+              <a:tabLst/>
+            </a:pPr>
+            <a:r>
+              <a:rPr kumimoji="0" lang="en-US" altLang="en-US" sz="1300" b="0" i="0" u="none" strike="noStrike" cap="none" normalizeH="0" baseline="0" dirty="0">
+                <a:ln>
+                  <a:noFill/>
+                </a:ln>
+                <a:solidFill>
+                  <a:schemeClr val="accent1">
+                    <a:lumMod val="40000"/>
+                    <a:lumOff val="60000"/>
+                  </a:schemeClr>
+                </a:solidFill>
+                <a:effectLst/>
+                <a:latin typeface="inherit"/>
+              </a:rPr>
+              <a:t>                get { return "Programmer"; }</a:t>
+            </a:r>
+          </a:p>
+          <a:p>
+            <a:pPr marL="0" marR="0" lvl="0" indent="0" algn="l" defTabSz="914400" rtl="0" eaLnBrk="0" fontAlgn="base" latinLnBrk="0" hangingPunct="0">
+              <a:lnSpc>
+                <a:spcPct val="100000"/>
+              </a:lnSpc>
+              <a:spcBef>
+                <a:spcPct val="0"/>
+              </a:spcBef>
+              <a:spcAft>
+                <a:spcPct val="0"/>
+              </a:spcAft>
+              <a:buClrTx/>
+              <a:buSzTx/>
+              <a:buFontTx/>
+              <a:buNone/>
+              <a:tabLst/>
+            </a:pPr>
+            <a:r>
+              <a:rPr kumimoji="0" lang="en-US" altLang="en-US" sz="1300" b="0" i="0" u="none" strike="noStrike" cap="none" normalizeH="0" baseline="0" dirty="0">
+                <a:ln>
+                  <a:noFill/>
+                </a:ln>
+                <a:solidFill>
+                  <a:schemeClr val="accent1">
+                    <a:lumMod val="40000"/>
+                    <a:lumOff val="60000"/>
+                  </a:schemeClr>
+                </a:solidFill>
+                <a:effectLst/>
+                <a:latin typeface="inherit"/>
+              </a:rPr>
+              <a:t>            }</a:t>
+            </a:r>
+          </a:p>
+          <a:p>
+            <a:pPr marL="0" marR="0" lvl="0" indent="0" algn="l" defTabSz="914400" rtl="0" eaLnBrk="0" fontAlgn="base" latinLnBrk="0" hangingPunct="0">
+              <a:lnSpc>
+                <a:spcPct val="100000"/>
+              </a:lnSpc>
+              <a:spcBef>
+                <a:spcPct val="0"/>
+              </a:spcBef>
+              <a:spcAft>
+                <a:spcPct val="0"/>
+              </a:spcAft>
+              <a:buClrTx/>
+              <a:buSzTx/>
+              <a:buFontTx/>
+              <a:buNone/>
+              <a:tabLst/>
+            </a:pPr>
+            <a:r>
+              <a:rPr kumimoji="0" lang="en-US" altLang="en-US" sz="1300" b="0" i="0" u="none" strike="noStrike" cap="none" normalizeH="0" baseline="0" dirty="0">
+                <a:ln>
+                  <a:noFill/>
+                </a:ln>
+                <a:solidFill>
+                  <a:schemeClr val="accent1">
+                    <a:lumMod val="40000"/>
+                    <a:lumOff val="60000"/>
+                  </a:schemeClr>
+                </a:solidFill>
+                <a:effectLst/>
+                <a:latin typeface="inherit"/>
+              </a:rPr>
+              <a:t>        }</a:t>
+            </a:r>
+          </a:p>
+          <a:p>
+            <a:pPr marL="0" marR="0" lvl="0" indent="0" algn="l" defTabSz="914400" rtl="0" eaLnBrk="0" fontAlgn="base" latinLnBrk="0" hangingPunct="0">
+              <a:lnSpc>
+                <a:spcPct val="100000"/>
+              </a:lnSpc>
+              <a:spcBef>
+                <a:spcPct val="0"/>
+              </a:spcBef>
+              <a:spcAft>
+                <a:spcPct val="0"/>
+              </a:spcAft>
+              <a:buClrTx/>
+              <a:buSzTx/>
+              <a:buFontTx/>
+              <a:buNone/>
+              <a:tabLst/>
+            </a:pPr>
+            <a:r>
+              <a:rPr lang="en-US" altLang="en-US" sz="1300" cap="none" dirty="0">
+                <a:solidFill>
+                  <a:schemeClr val="accent1">
+                    <a:lumMod val="40000"/>
+                    <a:lumOff val="60000"/>
+                  </a:schemeClr>
+                </a:solidFill>
+                <a:latin typeface="inherit"/>
+              </a:rPr>
+              <a:t>    }</a:t>
+            </a:r>
+            <a:endParaRPr kumimoji="0" lang="en-US" altLang="en-US" sz="1300" b="0" i="0" u="none" strike="noStrike" cap="none" normalizeH="0" baseline="0" dirty="0">
+              <a:ln>
+                <a:noFill/>
+              </a:ln>
+              <a:solidFill>
+                <a:schemeClr val="accent1">
+                  <a:lumMod val="40000"/>
+                  <a:lumOff val="60000"/>
+                </a:schemeClr>
+              </a:solidFill>
+              <a:effectLst/>
+              <a:latin typeface="inherit"/>
+            </a:endParaRPr>
+          </a:p>
+        </p:txBody>
+      </p:sp>
+      <p:sp>
+        <p:nvSpPr>
+          <p:cNvPr id="8" name="TextBox 7">
+            <a:extLst>
+              <a:ext uri="{FF2B5EF4-FFF2-40B4-BE49-F238E27FC236}">
+                <a16:creationId xmlns:a16="http://schemas.microsoft.com/office/drawing/2014/main" id="{7230395F-A070-407D-944E-ACA1D571F573}"/>
+              </a:ext>
+            </a:extLst>
+          </p:cNvPr>
+          <p:cNvSpPr txBox="1"/>
+          <p:nvPr/>
+        </p:nvSpPr>
+        <p:spPr>
+          <a:xfrm>
+            <a:off x="9076036" y="4282615"/>
+            <a:ext cx="2705523" cy="2123658"/>
+          </a:xfrm>
+          <a:prstGeom prst="rect">
+            <a:avLst/>
+          </a:prstGeom>
+          <a:noFill/>
+          <a:ln>
+            <a:solidFill>
+              <a:schemeClr val="tx1"/>
+            </a:solidFill>
+          </a:ln>
+        </p:spPr>
+        <p:txBody>
+          <a:bodyPr wrap="square">
+            <a:spAutoFit/>
+          </a:bodyPr>
+          <a:lstStyle/>
+          <a:p>
+            <a:pPr marL="0" marR="0" lvl="0" indent="0" algn="l" defTabSz="914400" rtl="0" eaLnBrk="0" fontAlgn="base" latinLnBrk="0" hangingPunct="0">
+              <a:lnSpc>
+                <a:spcPct val="100000"/>
+              </a:lnSpc>
+              <a:spcBef>
+                <a:spcPct val="0"/>
+              </a:spcBef>
+              <a:spcAft>
+                <a:spcPct val="0"/>
+              </a:spcAft>
+              <a:buClrTx/>
+              <a:buSzTx/>
+              <a:buFontTx/>
+              <a:buNone/>
+              <a:tabLst/>
+            </a:pPr>
+            <a:r>
+              <a:rPr kumimoji="0" lang="en-US" altLang="en-US" sz="1200" b="0" i="0" u="none" strike="noStrike" cap="none" normalizeH="0" baseline="0" dirty="0">
+                <a:ln>
+                  <a:noFill/>
+                </a:ln>
+                <a:solidFill>
+                  <a:schemeClr val="accent1">
+                    <a:lumMod val="40000"/>
+                    <a:lumOff val="60000"/>
+                  </a:schemeClr>
+                </a:solidFill>
+                <a:effectLst/>
+                <a:latin typeface="inherit"/>
+              </a:rPr>
+              <a:t>static void Main(string[] </a:t>
+            </a:r>
+            <a:r>
+              <a:rPr kumimoji="0" lang="en-US" altLang="en-US" sz="1200" b="0" i="0" u="none" strike="noStrike" cap="none" normalizeH="0" baseline="0" dirty="0" err="1">
+                <a:ln>
+                  <a:noFill/>
+                </a:ln>
+                <a:solidFill>
+                  <a:schemeClr val="accent1">
+                    <a:lumMod val="40000"/>
+                    <a:lumOff val="60000"/>
+                  </a:schemeClr>
+                </a:solidFill>
+                <a:effectLst/>
+                <a:latin typeface="inherit"/>
+              </a:rPr>
+              <a:t>args</a:t>
+            </a:r>
+            <a:r>
+              <a:rPr kumimoji="0" lang="en-US" altLang="en-US" sz="1200" b="0" i="0" u="none" strike="noStrike" cap="none" normalizeH="0" baseline="0" dirty="0">
+                <a:ln>
+                  <a:noFill/>
+                </a:ln>
+                <a:solidFill>
+                  <a:schemeClr val="accent1">
+                    <a:lumMod val="40000"/>
+                    <a:lumOff val="60000"/>
+                  </a:schemeClr>
+                </a:solidFill>
+                <a:effectLst/>
+                <a:latin typeface="inherit"/>
+              </a:rPr>
+              <a:t>)</a:t>
+            </a:r>
+          </a:p>
+          <a:p>
+            <a:pPr marL="0" marR="0" lvl="0" indent="0" algn="l" defTabSz="914400" rtl="0" eaLnBrk="0" fontAlgn="base" latinLnBrk="0" hangingPunct="0">
+              <a:lnSpc>
+                <a:spcPct val="100000"/>
+              </a:lnSpc>
+              <a:spcBef>
+                <a:spcPct val="0"/>
+              </a:spcBef>
+              <a:spcAft>
+                <a:spcPct val="0"/>
+              </a:spcAft>
+              <a:buClrTx/>
+              <a:buSzTx/>
+              <a:buFontTx/>
+              <a:buNone/>
+              <a:tabLst/>
+            </a:pPr>
+            <a:r>
+              <a:rPr kumimoji="0" lang="en-US" altLang="en-US" sz="1200" b="0" i="0" u="none" strike="noStrike" cap="none" normalizeH="0" baseline="0" dirty="0">
+                <a:ln>
+                  <a:noFill/>
+                </a:ln>
+                <a:solidFill>
+                  <a:schemeClr val="accent1">
+                    <a:lumMod val="40000"/>
+                    <a:lumOff val="60000"/>
+                  </a:schemeClr>
+                </a:solidFill>
+                <a:effectLst/>
+                <a:latin typeface="inherit"/>
+              </a:rPr>
+              <a:t>{</a:t>
+            </a:r>
+          </a:p>
+          <a:p>
+            <a:pPr marL="0" marR="0" lvl="0" indent="0" algn="l" defTabSz="914400" rtl="0" eaLnBrk="0" fontAlgn="base" latinLnBrk="0" hangingPunct="0">
+              <a:lnSpc>
+                <a:spcPct val="100000"/>
+              </a:lnSpc>
+              <a:spcBef>
+                <a:spcPct val="0"/>
+              </a:spcBef>
+              <a:spcAft>
+                <a:spcPct val="0"/>
+              </a:spcAft>
+              <a:buClrTx/>
+              <a:buSzTx/>
+              <a:buFontTx/>
+              <a:buNone/>
+              <a:tabLst/>
+            </a:pPr>
+            <a:r>
+              <a:rPr kumimoji="0" lang="en-US" altLang="en-US" sz="1200" b="0" i="0" u="none" strike="noStrike" cap="none" normalizeH="0" baseline="0" dirty="0">
+                <a:ln>
+                  <a:noFill/>
+                </a:ln>
+                <a:solidFill>
+                  <a:schemeClr val="accent1">
+                    <a:lumMod val="40000"/>
+                    <a:lumOff val="60000"/>
+                  </a:schemeClr>
+                </a:solidFill>
+                <a:effectLst/>
+                <a:latin typeface="inherit"/>
+              </a:rPr>
+              <a:t>    for (int </a:t>
+            </a:r>
+            <a:r>
+              <a:rPr kumimoji="0" lang="en-US" altLang="en-US" sz="1200" b="0" i="0" u="none" strike="noStrike" cap="none" normalizeH="0" baseline="0" dirty="0" err="1">
+                <a:ln>
+                  <a:noFill/>
+                </a:ln>
+                <a:solidFill>
+                  <a:schemeClr val="accent1">
+                    <a:lumMod val="40000"/>
+                    <a:lumOff val="60000"/>
+                  </a:schemeClr>
+                </a:solidFill>
+                <a:effectLst/>
+                <a:latin typeface="inherit"/>
+              </a:rPr>
+              <a:t>i</a:t>
+            </a:r>
+            <a:r>
+              <a:rPr kumimoji="0" lang="en-US" altLang="en-US" sz="1200" b="0" i="0" u="none" strike="noStrike" cap="none" normalizeH="0" baseline="0" dirty="0">
+                <a:ln>
+                  <a:noFill/>
+                </a:ln>
+                <a:solidFill>
+                  <a:schemeClr val="accent1">
+                    <a:lumMod val="40000"/>
+                    <a:lumOff val="60000"/>
+                  </a:schemeClr>
+                </a:solidFill>
+                <a:effectLst/>
+                <a:latin typeface="inherit"/>
+              </a:rPr>
+              <a:t> = 0; </a:t>
+            </a:r>
+            <a:r>
+              <a:rPr kumimoji="0" lang="en-US" altLang="en-US" sz="1200" b="0" i="0" u="none" strike="noStrike" cap="none" normalizeH="0" baseline="0" dirty="0" err="1">
+                <a:ln>
+                  <a:noFill/>
+                </a:ln>
+                <a:solidFill>
+                  <a:schemeClr val="accent1">
+                    <a:lumMod val="40000"/>
+                    <a:lumOff val="60000"/>
+                  </a:schemeClr>
+                </a:solidFill>
+                <a:effectLst/>
+                <a:latin typeface="inherit"/>
+              </a:rPr>
+              <a:t>i</a:t>
+            </a:r>
+            <a:r>
+              <a:rPr kumimoji="0" lang="en-US" altLang="en-US" sz="1200" b="0" i="0" u="none" strike="noStrike" cap="none" normalizeH="0" baseline="0" dirty="0">
+                <a:ln>
+                  <a:noFill/>
+                </a:ln>
+                <a:solidFill>
+                  <a:schemeClr val="accent1">
+                    <a:lumMod val="40000"/>
+                    <a:lumOff val="60000"/>
+                  </a:schemeClr>
+                </a:solidFill>
+                <a:effectLst/>
+                <a:latin typeface="inherit"/>
+              </a:rPr>
+              <a:t> &lt;= 2; </a:t>
+            </a:r>
+            <a:r>
+              <a:rPr kumimoji="0" lang="en-US" altLang="en-US" sz="1200" b="0" i="0" u="none" strike="noStrike" cap="none" normalizeH="0" baseline="0" dirty="0" err="1">
+                <a:ln>
+                  <a:noFill/>
+                </a:ln>
+                <a:solidFill>
+                  <a:schemeClr val="accent1">
+                    <a:lumMod val="40000"/>
+                    <a:lumOff val="60000"/>
+                  </a:schemeClr>
+                </a:solidFill>
+                <a:effectLst/>
+                <a:latin typeface="inherit"/>
+              </a:rPr>
+              <a:t>i</a:t>
+            </a:r>
+            <a:r>
+              <a:rPr kumimoji="0" lang="en-US" altLang="en-US" sz="1200" b="0" i="0" u="none" strike="noStrike" cap="none" normalizeH="0" baseline="0" dirty="0">
+                <a:ln>
+                  <a:noFill/>
+                </a:ln>
+                <a:solidFill>
+                  <a:schemeClr val="accent1">
+                    <a:lumMod val="40000"/>
+                    <a:lumOff val="60000"/>
+                  </a:schemeClr>
+                </a:solidFill>
+                <a:effectLst/>
+                <a:latin typeface="inherit"/>
+              </a:rPr>
+              <a:t>++)</a:t>
+            </a:r>
+          </a:p>
+          <a:p>
+            <a:pPr marL="0" marR="0" lvl="0" indent="0" algn="l" defTabSz="914400" rtl="0" eaLnBrk="0" fontAlgn="base" latinLnBrk="0" hangingPunct="0">
+              <a:lnSpc>
+                <a:spcPct val="100000"/>
+              </a:lnSpc>
+              <a:spcBef>
+                <a:spcPct val="0"/>
+              </a:spcBef>
+              <a:spcAft>
+                <a:spcPct val="0"/>
+              </a:spcAft>
+              <a:buClrTx/>
+              <a:buSzTx/>
+              <a:buFontTx/>
+              <a:buNone/>
+              <a:tabLst/>
+            </a:pPr>
+            <a:r>
+              <a:rPr kumimoji="0" lang="en-US" altLang="en-US" sz="1200" b="0" i="0" u="none" strike="noStrike" cap="none" normalizeH="0" baseline="0" dirty="0">
+                <a:ln>
+                  <a:noFill/>
+                </a:ln>
+                <a:solidFill>
+                  <a:schemeClr val="accent1">
+                    <a:lumMod val="40000"/>
+                    <a:lumOff val="60000"/>
+                  </a:schemeClr>
+                </a:solidFill>
+                <a:effectLst/>
+                <a:latin typeface="inherit"/>
+              </a:rPr>
+              <a:t>    {</a:t>
+            </a:r>
+          </a:p>
+          <a:p>
+            <a:pPr marL="0" marR="0" lvl="0" indent="0" algn="l" defTabSz="914400" rtl="0" eaLnBrk="0" fontAlgn="base" latinLnBrk="0" hangingPunct="0">
+              <a:lnSpc>
+                <a:spcPct val="100000"/>
+              </a:lnSpc>
+              <a:spcBef>
+                <a:spcPct val="0"/>
+              </a:spcBef>
+              <a:spcAft>
+                <a:spcPct val="0"/>
+              </a:spcAft>
+              <a:buClrTx/>
+              <a:buSzTx/>
+              <a:buFontTx/>
+              <a:buNone/>
+              <a:tabLst/>
+            </a:pPr>
+            <a:r>
+              <a:rPr kumimoji="0" lang="en-US" altLang="en-US" sz="1200" b="0" i="0" u="none" strike="noStrike" cap="none" normalizeH="0" baseline="0" dirty="0">
+                <a:ln>
+                  <a:noFill/>
+                </a:ln>
+                <a:solidFill>
+                  <a:schemeClr val="accent1">
+                    <a:lumMod val="40000"/>
+                    <a:lumOff val="60000"/>
+                  </a:schemeClr>
+                </a:solidFill>
+                <a:effectLst/>
+                <a:latin typeface="inherit"/>
+              </a:rPr>
+              <a:t>        var position = </a:t>
+            </a:r>
+            <a:r>
+              <a:rPr kumimoji="0" lang="en-US" altLang="en-US" sz="1200" b="0" i="0" u="none" strike="noStrike" cap="none" normalizeH="0" baseline="0" dirty="0" err="1">
+                <a:ln>
+                  <a:noFill/>
+                </a:ln>
+                <a:solidFill>
+                  <a:schemeClr val="accent1">
+                    <a:lumMod val="40000"/>
+                    <a:lumOff val="60000"/>
+                  </a:schemeClr>
+                </a:solidFill>
+                <a:effectLst/>
+                <a:latin typeface="inherit"/>
+              </a:rPr>
+              <a:t>Factory.Create</a:t>
+            </a:r>
+            <a:r>
+              <a:rPr kumimoji="0" lang="en-US" altLang="en-US" sz="1200" b="0" i="0" u="none" strike="noStrike" cap="none" normalizeH="0" baseline="0" dirty="0">
+                <a:ln>
+                  <a:noFill/>
+                </a:ln>
+                <a:solidFill>
+                  <a:schemeClr val="accent1">
+                    <a:lumMod val="40000"/>
+                    <a:lumOff val="60000"/>
+                  </a:schemeClr>
+                </a:solidFill>
+                <a:effectLst/>
+                <a:latin typeface="inherit"/>
+              </a:rPr>
+              <a:t>(</a:t>
+            </a:r>
+            <a:r>
+              <a:rPr kumimoji="0" lang="en-US" altLang="en-US" sz="1200" b="0" i="0" u="none" strike="noStrike" cap="none" normalizeH="0" baseline="0" dirty="0" err="1">
+                <a:ln>
+                  <a:noFill/>
+                </a:ln>
+                <a:solidFill>
+                  <a:schemeClr val="accent1">
+                    <a:lumMod val="40000"/>
+                    <a:lumOff val="60000"/>
+                  </a:schemeClr>
+                </a:solidFill>
+                <a:effectLst/>
+                <a:latin typeface="inherit"/>
+              </a:rPr>
+              <a:t>i</a:t>
+            </a:r>
+            <a:r>
+              <a:rPr kumimoji="0" lang="en-US" altLang="en-US" sz="1200" b="0" i="0" u="none" strike="noStrike" cap="none" normalizeH="0" baseline="0" dirty="0">
+                <a:ln>
+                  <a:noFill/>
+                </a:ln>
+                <a:solidFill>
+                  <a:schemeClr val="accent1">
+                    <a:lumMod val="40000"/>
+                    <a:lumOff val="60000"/>
+                  </a:schemeClr>
+                </a:solidFill>
+                <a:effectLst/>
+                <a:latin typeface="inherit"/>
+              </a:rPr>
+              <a:t>);</a:t>
+            </a:r>
+          </a:p>
+          <a:p>
+            <a:pPr marL="0" marR="0" lvl="0" indent="0" algn="l" defTabSz="914400" rtl="0" eaLnBrk="0" fontAlgn="base" latinLnBrk="0" hangingPunct="0">
+              <a:lnSpc>
+                <a:spcPct val="100000"/>
+              </a:lnSpc>
+              <a:spcBef>
+                <a:spcPct val="0"/>
+              </a:spcBef>
+              <a:spcAft>
+                <a:spcPct val="0"/>
+              </a:spcAft>
+              <a:buClrTx/>
+              <a:buSzTx/>
+              <a:buFontTx/>
+              <a:buNone/>
+              <a:tabLst/>
+            </a:pPr>
+            <a:r>
+              <a:rPr kumimoji="0" lang="en-US" altLang="en-US" sz="1200" b="0" i="0" u="none" strike="noStrike" cap="none" normalizeH="0" baseline="0" dirty="0">
+                <a:ln>
+                  <a:noFill/>
+                </a:ln>
+                <a:solidFill>
+                  <a:schemeClr val="accent1">
+                    <a:lumMod val="40000"/>
+                    <a:lumOff val="60000"/>
+                  </a:schemeClr>
+                </a:solidFill>
+                <a:effectLst/>
+                <a:latin typeface="inherit"/>
+              </a:rPr>
+              <a:t>        </a:t>
+            </a:r>
+            <a:r>
+              <a:rPr kumimoji="0" lang="en-US" altLang="en-US" sz="1200" b="0" i="0" u="none" strike="noStrike" cap="none" normalizeH="0" baseline="0" dirty="0" err="1">
+                <a:ln>
+                  <a:noFill/>
+                </a:ln>
+                <a:solidFill>
+                  <a:schemeClr val="accent1">
+                    <a:lumMod val="40000"/>
+                    <a:lumOff val="60000"/>
+                  </a:schemeClr>
+                </a:solidFill>
+                <a:effectLst/>
+                <a:latin typeface="inherit"/>
+              </a:rPr>
+              <a:t>Console.WriteLine</a:t>
+            </a:r>
+            <a:r>
+              <a:rPr kumimoji="0" lang="en-US" altLang="en-US" sz="1200" b="0" i="0" u="none" strike="noStrike" cap="none" normalizeH="0" baseline="0" dirty="0">
+                <a:ln>
+                  <a:noFill/>
+                </a:ln>
+                <a:solidFill>
+                  <a:schemeClr val="accent1">
+                    <a:lumMod val="40000"/>
+                    <a:lumOff val="60000"/>
+                  </a:schemeClr>
+                </a:solidFill>
+                <a:effectLst/>
+                <a:latin typeface="inherit"/>
+              </a:rPr>
+              <a:t>("Where id = {0}, position = {1} ",  </a:t>
+            </a:r>
+            <a:r>
+              <a:rPr kumimoji="0" lang="en-US" altLang="en-US" sz="1200" b="0" i="0" u="none" strike="noStrike" cap="none" normalizeH="0" baseline="0" dirty="0" err="1">
+                <a:ln>
+                  <a:noFill/>
+                </a:ln>
+                <a:solidFill>
+                  <a:schemeClr val="accent1">
+                    <a:lumMod val="40000"/>
+                    <a:lumOff val="60000"/>
+                  </a:schemeClr>
+                </a:solidFill>
+                <a:effectLst/>
+                <a:latin typeface="inherit"/>
+              </a:rPr>
+              <a:t>i</a:t>
+            </a:r>
+            <a:r>
+              <a:rPr kumimoji="0" lang="en-US" altLang="en-US" sz="1200" b="0" i="0" u="none" strike="noStrike" cap="none" normalizeH="0" baseline="0" dirty="0">
+                <a:ln>
+                  <a:noFill/>
+                </a:ln>
+                <a:solidFill>
+                  <a:schemeClr val="accent1">
+                    <a:lumMod val="40000"/>
+                    <a:lumOff val="60000"/>
+                  </a:schemeClr>
+                </a:solidFill>
+                <a:effectLst/>
+                <a:latin typeface="inherit"/>
+              </a:rPr>
+              <a:t>, </a:t>
+            </a:r>
+            <a:r>
+              <a:rPr kumimoji="0" lang="en-US" altLang="en-US" sz="1200" b="0" i="0" u="none" strike="noStrike" cap="none" normalizeH="0" baseline="0" dirty="0" err="1">
+                <a:ln>
+                  <a:noFill/>
+                </a:ln>
+                <a:solidFill>
+                  <a:schemeClr val="accent1">
+                    <a:lumMod val="40000"/>
+                    <a:lumOff val="60000"/>
+                  </a:schemeClr>
+                </a:solidFill>
+                <a:effectLst/>
+                <a:latin typeface="inherit"/>
+              </a:rPr>
+              <a:t>position.Title</a:t>
+            </a:r>
+            <a:r>
+              <a:rPr kumimoji="0" lang="en-US" altLang="en-US" sz="1200" b="0" i="0" u="none" strike="noStrike" cap="none" normalizeH="0" baseline="0" dirty="0">
+                <a:ln>
+                  <a:noFill/>
+                </a:ln>
+                <a:solidFill>
+                  <a:schemeClr val="accent1">
+                    <a:lumMod val="40000"/>
+                    <a:lumOff val="60000"/>
+                  </a:schemeClr>
+                </a:solidFill>
+                <a:effectLst/>
+                <a:latin typeface="inherit"/>
+              </a:rPr>
+              <a:t>);</a:t>
+            </a:r>
+          </a:p>
+          <a:p>
+            <a:pPr marL="0" marR="0" lvl="0" indent="0" algn="l" defTabSz="914400" rtl="0" eaLnBrk="0" fontAlgn="base" latinLnBrk="0" hangingPunct="0">
+              <a:lnSpc>
+                <a:spcPct val="100000"/>
+              </a:lnSpc>
+              <a:spcBef>
+                <a:spcPct val="0"/>
+              </a:spcBef>
+              <a:spcAft>
+                <a:spcPct val="0"/>
+              </a:spcAft>
+              <a:buClrTx/>
+              <a:buSzTx/>
+              <a:buFontTx/>
+              <a:buNone/>
+              <a:tabLst/>
+            </a:pPr>
+            <a:r>
+              <a:rPr kumimoji="0" lang="en-US" altLang="en-US" sz="1200" b="0" i="0" u="none" strike="noStrike" cap="none" normalizeH="0" baseline="0" dirty="0">
+                <a:ln>
+                  <a:noFill/>
+                </a:ln>
+                <a:solidFill>
+                  <a:schemeClr val="accent1">
+                    <a:lumMod val="40000"/>
+                    <a:lumOff val="60000"/>
+                  </a:schemeClr>
+                </a:solidFill>
+                <a:effectLst/>
+                <a:latin typeface="inherit"/>
+              </a:rPr>
+              <a:t>    }</a:t>
+            </a:r>
+          </a:p>
+          <a:p>
+            <a:pPr marL="0" marR="0" lvl="0" indent="0" algn="l" defTabSz="914400" rtl="0" eaLnBrk="0" fontAlgn="base" latinLnBrk="0" hangingPunct="0">
+              <a:lnSpc>
+                <a:spcPct val="100000"/>
+              </a:lnSpc>
+              <a:spcBef>
+                <a:spcPct val="0"/>
+              </a:spcBef>
+              <a:spcAft>
+                <a:spcPct val="0"/>
+              </a:spcAft>
+              <a:buClrTx/>
+              <a:buSzTx/>
+              <a:buFontTx/>
+              <a:buNone/>
+              <a:tabLst/>
+            </a:pPr>
+            <a:r>
+              <a:rPr kumimoji="0" lang="en-US" altLang="en-US" sz="1200" b="0" i="0" u="none" strike="noStrike" cap="none" normalizeH="0" baseline="0" dirty="0">
+                <a:ln>
+                  <a:noFill/>
+                </a:ln>
+                <a:solidFill>
+                  <a:schemeClr val="accent1">
+                    <a:lumMod val="40000"/>
+                    <a:lumOff val="60000"/>
+                  </a:schemeClr>
+                </a:solidFill>
+                <a:effectLst/>
+                <a:latin typeface="inherit"/>
+              </a:rPr>
+              <a:t>    </a:t>
+            </a:r>
+          </a:p>
+          <a:p>
+            <a:pPr marL="0" marR="0" lvl="0" indent="0" algn="l" defTabSz="914400" rtl="0" eaLnBrk="0" fontAlgn="base" latinLnBrk="0" hangingPunct="0">
+              <a:lnSpc>
+                <a:spcPct val="100000"/>
+              </a:lnSpc>
+              <a:spcBef>
+                <a:spcPct val="0"/>
+              </a:spcBef>
+              <a:spcAft>
+                <a:spcPct val="0"/>
+              </a:spcAft>
+              <a:buClrTx/>
+              <a:buSzTx/>
+              <a:buFontTx/>
+              <a:buNone/>
+              <a:tabLst/>
+            </a:pPr>
+            <a:r>
+              <a:rPr kumimoji="0" lang="en-US" altLang="en-US" sz="1200" b="0" i="0" u="none" strike="noStrike" cap="none" normalizeH="0" baseline="0" dirty="0">
+                <a:ln>
+                  <a:noFill/>
+                </a:ln>
+                <a:solidFill>
+                  <a:schemeClr val="accent1">
+                    <a:lumMod val="40000"/>
+                    <a:lumOff val="60000"/>
+                  </a:schemeClr>
+                </a:solidFill>
+                <a:effectLst/>
+                <a:latin typeface="inherit"/>
+              </a:rPr>
+              <a:t>    </a:t>
+            </a:r>
+            <a:r>
+              <a:rPr kumimoji="0" lang="en-US" altLang="en-US" sz="1200" b="0" i="0" u="none" strike="noStrike" cap="none" normalizeH="0" baseline="0" dirty="0" err="1">
+                <a:ln>
+                  <a:noFill/>
+                </a:ln>
+                <a:solidFill>
+                  <a:schemeClr val="accent1">
+                    <a:lumMod val="40000"/>
+                    <a:lumOff val="60000"/>
+                  </a:schemeClr>
+                </a:solidFill>
+                <a:effectLst/>
+                <a:latin typeface="inherit"/>
+              </a:rPr>
+              <a:t>Console.ReadLine</a:t>
+            </a:r>
+            <a:r>
+              <a:rPr kumimoji="0" lang="en-US" altLang="en-US" sz="1200" b="0" i="0" u="none" strike="noStrike" cap="none" normalizeH="0" baseline="0" dirty="0">
+                <a:ln>
+                  <a:noFill/>
+                </a:ln>
+                <a:solidFill>
+                  <a:schemeClr val="accent1">
+                    <a:lumMod val="40000"/>
+                    <a:lumOff val="60000"/>
+                  </a:schemeClr>
+                </a:solidFill>
+                <a:effectLst/>
+                <a:latin typeface="inherit"/>
+              </a:rPr>
+              <a:t>();</a:t>
+            </a:r>
+          </a:p>
+          <a:p>
+            <a:pPr marL="0" marR="0" lvl="0" indent="0" algn="l" defTabSz="914400" rtl="0" eaLnBrk="0" fontAlgn="base" latinLnBrk="0" hangingPunct="0">
+              <a:lnSpc>
+                <a:spcPct val="100000"/>
+              </a:lnSpc>
+              <a:spcBef>
+                <a:spcPct val="0"/>
+              </a:spcBef>
+              <a:spcAft>
+                <a:spcPct val="0"/>
+              </a:spcAft>
+              <a:buClrTx/>
+              <a:buSzTx/>
+              <a:buFontTx/>
+              <a:buNone/>
+              <a:tabLst/>
+            </a:pPr>
+            <a:r>
+              <a:rPr kumimoji="0" lang="en-US" altLang="en-US" sz="1200" b="0" i="0" u="none" strike="noStrike" cap="none" normalizeH="0" baseline="0" dirty="0">
+                <a:ln>
+                  <a:noFill/>
+                </a:ln>
+                <a:solidFill>
+                  <a:schemeClr val="accent1">
+                    <a:lumMod val="40000"/>
+                    <a:lumOff val="60000"/>
+                  </a:schemeClr>
+                </a:solidFill>
+                <a:effectLst/>
+                <a:latin typeface="inherit"/>
+              </a:rPr>
+              <a:t>}</a:t>
+            </a:r>
+            <a:endParaRPr lang="en-US" sz="1200" dirty="0">
+              <a:solidFill>
+                <a:schemeClr val="accent1">
+                  <a:lumMod val="40000"/>
+                  <a:lumOff val="60000"/>
+                </a:schemeClr>
+              </a:solidFill>
+            </a:endParaRPr>
+          </a:p>
+        </p:txBody>
+      </p:sp>
+      <p:sp>
+        <p:nvSpPr>
+          <p:cNvPr id="10" name="TextBox 9">
+            <a:extLst>
+              <a:ext uri="{FF2B5EF4-FFF2-40B4-BE49-F238E27FC236}">
+                <a16:creationId xmlns:a16="http://schemas.microsoft.com/office/drawing/2014/main" id="{ADB44CC0-D00D-42E3-9A18-C508C360298B}"/>
+              </a:ext>
+            </a:extLst>
+          </p:cNvPr>
+          <p:cNvSpPr txBox="1"/>
+          <p:nvPr/>
+        </p:nvSpPr>
+        <p:spPr>
+          <a:xfrm>
+            <a:off x="3970467" y="2128179"/>
+            <a:ext cx="3448633" cy="4278094"/>
+          </a:xfrm>
+          <a:prstGeom prst="rect">
+            <a:avLst/>
+          </a:prstGeom>
+          <a:noFill/>
+          <a:ln>
+            <a:solidFill>
+              <a:schemeClr val="tx1"/>
+            </a:solidFill>
+          </a:ln>
+        </p:spPr>
+        <p:txBody>
+          <a:bodyPr wrap="square">
+            <a:spAutoFit/>
+          </a:bodyPr>
+          <a:lstStyle/>
+          <a:p>
+            <a:pPr marL="0" marR="0" lvl="0" indent="0" algn="l" defTabSz="914400" rtl="0" eaLnBrk="0" fontAlgn="base" latinLnBrk="0" hangingPunct="0">
+              <a:lnSpc>
+                <a:spcPct val="100000"/>
+              </a:lnSpc>
+              <a:spcBef>
+                <a:spcPct val="0"/>
+              </a:spcBef>
+              <a:spcAft>
+                <a:spcPct val="0"/>
+              </a:spcAft>
+              <a:buClrTx/>
+              <a:buSzTx/>
+              <a:buFontTx/>
+              <a:buNone/>
+              <a:tabLst/>
+            </a:pPr>
+            <a:r>
+              <a:rPr kumimoji="0" lang="en-US" altLang="en-US" sz="1600" b="0" i="0" u="none" strike="noStrike" cap="none" normalizeH="0" baseline="0" dirty="0">
+                <a:ln>
+                  <a:noFill/>
+                </a:ln>
+                <a:solidFill>
+                  <a:schemeClr val="accent1">
+                    <a:lumMod val="40000"/>
+                    <a:lumOff val="60000"/>
+                  </a:schemeClr>
+                </a:solidFill>
+                <a:effectLst/>
+                <a:latin typeface="inherit"/>
+              </a:rPr>
+              <a:t>    static class Factory</a:t>
+            </a:r>
+          </a:p>
+          <a:p>
+            <a:pPr marL="0" marR="0" lvl="0" indent="0" algn="l" defTabSz="914400" rtl="0" eaLnBrk="0" fontAlgn="base" latinLnBrk="0" hangingPunct="0">
+              <a:lnSpc>
+                <a:spcPct val="100000"/>
+              </a:lnSpc>
+              <a:spcBef>
+                <a:spcPct val="0"/>
+              </a:spcBef>
+              <a:spcAft>
+                <a:spcPct val="0"/>
+              </a:spcAft>
+              <a:buClrTx/>
+              <a:buSzTx/>
+              <a:buFontTx/>
+              <a:buNone/>
+              <a:tabLst/>
+            </a:pPr>
+            <a:r>
+              <a:rPr kumimoji="0" lang="en-US" altLang="en-US" sz="1600" b="0" i="0" u="none" strike="noStrike" cap="none" normalizeH="0" baseline="0" dirty="0">
+                <a:ln>
+                  <a:noFill/>
+                </a:ln>
+                <a:solidFill>
+                  <a:schemeClr val="accent1">
+                    <a:lumMod val="40000"/>
+                    <a:lumOff val="60000"/>
+                  </a:schemeClr>
+                </a:solidFill>
+                <a:effectLst/>
+                <a:latin typeface="inherit"/>
+              </a:rPr>
+              <a:t>    {</a:t>
+            </a:r>
+          </a:p>
+          <a:p>
+            <a:pPr marL="0" marR="0" lvl="0" indent="0" algn="l" defTabSz="914400" rtl="0" eaLnBrk="0" fontAlgn="base" latinLnBrk="0" hangingPunct="0">
+              <a:lnSpc>
+                <a:spcPct val="100000"/>
+              </a:lnSpc>
+              <a:spcBef>
+                <a:spcPct val="0"/>
+              </a:spcBef>
+              <a:spcAft>
+                <a:spcPct val="0"/>
+              </a:spcAft>
+              <a:buClrTx/>
+              <a:buSzTx/>
+              <a:buFontTx/>
+              <a:buNone/>
+              <a:tabLst/>
+            </a:pPr>
+            <a:r>
+              <a:rPr kumimoji="0" lang="en-US" altLang="en-US" sz="1600" b="0" i="0" u="none" strike="noStrike" cap="none" normalizeH="0" baseline="0" dirty="0">
+                <a:ln>
+                  <a:noFill/>
+                </a:ln>
+                <a:solidFill>
+                  <a:schemeClr val="accent1">
+                    <a:lumMod val="40000"/>
+                    <a:lumOff val="60000"/>
+                  </a:schemeClr>
+                </a:solidFill>
+                <a:effectLst/>
+                <a:latin typeface="inherit"/>
+              </a:rPr>
+              <a:t>        public static Position Create(int id)</a:t>
+            </a:r>
+          </a:p>
+          <a:p>
+            <a:pPr marL="0" marR="0" lvl="0" indent="0" algn="l" defTabSz="914400" rtl="0" eaLnBrk="0" fontAlgn="base" latinLnBrk="0" hangingPunct="0">
+              <a:lnSpc>
+                <a:spcPct val="100000"/>
+              </a:lnSpc>
+              <a:spcBef>
+                <a:spcPct val="0"/>
+              </a:spcBef>
+              <a:spcAft>
+                <a:spcPct val="0"/>
+              </a:spcAft>
+              <a:buClrTx/>
+              <a:buSzTx/>
+              <a:buFontTx/>
+              <a:buNone/>
+              <a:tabLst/>
+            </a:pPr>
+            <a:r>
+              <a:rPr kumimoji="0" lang="en-US" altLang="en-US" sz="1600" b="0" i="0" u="none" strike="noStrike" cap="none" normalizeH="0" baseline="0" dirty="0">
+                <a:ln>
+                  <a:noFill/>
+                </a:ln>
+                <a:solidFill>
+                  <a:schemeClr val="accent1">
+                    <a:lumMod val="40000"/>
+                    <a:lumOff val="60000"/>
+                  </a:schemeClr>
+                </a:solidFill>
+                <a:effectLst/>
+                <a:latin typeface="inherit"/>
+              </a:rPr>
+              <a:t>        {</a:t>
+            </a:r>
+          </a:p>
+          <a:p>
+            <a:pPr marL="0" marR="0" lvl="0" indent="0" algn="l" defTabSz="914400" rtl="0" eaLnBrk="0" fontAlgn="base" latinLnBrk="0" hangingPunct="0">
+              <a:lnSpc>
+                <a:spcPct val="100000"/>
+              </a:lnSpc>
+              <a:spcBef>
+                <a:spcPct val="0"/>
+              </a:spcBef>
+              <a:spcAft>
+                <a:spcPct val="0"/>
+              </a:spcAft>
+              <a:buClrTx/>
+              <a:buSzTx/>
+              <a:buFontTx/>
+              <a:buNone/>
+              <a:tabLst/>
+            </a:pPr>
+            <a:r>
+              <a:rPr kumimoji="0" lang="en-US" altLang="en-US" sz="1600" b="0" i="0" u="none" strike="noStrike" cap="none" normalizeH="0" baseline="0" dirty="0">
+                <a:ln>
+                  <a:noFill/>
+                </a:ln>
+                <a:solidFill>
+                  <a:schemeClr val="accent1">
+                    <a:lumMod val="40000"/>
+                    <a:lumOff val="60000"/>
+                  </a:schemeClr>
+                </a:solidFill>
+                <a:effectLst/>
+                <a:latin typeface="inherit"/>
+              </a:rPr>
+              <a:t>            switch (id)</a:t>
+            </a:r>
+          </a:p>
+          <a:p>
+            <a:pPr marL="0" marR="0" lvl="0" indent="0" algn="l" defTabSz="914400" rtl="0" eaLnBrk="0" fontAlgn="base" latinLnBrk="0" hangingPunct="0">
+              <a:lnSpc>
+                <a:spcPct val="100000"/>
+              </a:lnSpc>
+              <a:spcBef>
+                <a:spcPct val="0"/>
+              </a:spcBef>
+              <a:spcAft>
+                <a:spcPct val="0"/>
+              </a:spcAft>
+              <a:buClrTx/>
+              <a:buSzTx/>
+              <a:buFontTx/>
+              <a:buNone/>
+              <a:tabLst/>
+            </a:pPr>
+            <a:r>
+              <a:rPr kumimoji="0" lang="en-US" altLang="en-US" sz="1600" b="0" i="0" u="none" strike="noStrike" cap="none" normalizeH="0" baseline="0" dirty="0">
+                <a:ln>
+                  <a:noFill/>
+                </a:ln>
+                <a:solidFill>
+                  <a:schemeClr val="accent1">
+                    <a:lumMod val="40000"/>
+                    <a:lumOff val="60000"/>
+                  </a:schemeClr>
+                </a:solidFill>
+                <a:effectLst/>
+                <a:latin typeface="inherit"/>
+              </a:rPr>
+              <a:t>            {</a:t>
+            </a:r>
+          </a:p>
+          <a:p>
+            <a:pPr marL="0" marR="0" lvl="0" indent="0" algn="l" defTabSz="914400" rtl="0" eaLnBrk="0" fontAlgn="base" latinLnBrk="0" hangingPunct="0">
+              <a:lnSpc>
+                <a:spcPct val="100000"/>
+              </a:lnSpc>
+              <a:spcBef>
+                <a:spcPct val="0"/>
+              </a:spcBef>
+              <a:spcAft>
+                <a:spcPct val="0"/>
+              </a:spcAft>
+              <a:buClrTx/>
+              <a:buSzTx/>
+              <a:buFontTx/>
+              <a:buNone/>
+              <a:tabLst/>
+            </a:pPr>
+            <a:r>
+              <a:rPr kumimoji="0" lang="en-US" altLang="en-US" sz="1600" b="0" i="0" u="none" strike="noStrike" cap="none" normalizeH="0" baseline="0" dirty="0">
+                <a:ln>
+                  <a:noFill/>
+                </a:ln>
+                <a:solidFill>
+                  <a:schemeClr val="accent1">
+                    <a:lumMod val="40000"/>
+                    <a:lumOff val="60000"/>
+                  </a:schemeClr>
+                </a:solidFill>
+                <a:effectLst/>
+                <a:latin typeface="inherit"/>
+              </a:rPr>
+              <a:t>                case 0:</a:t>
+            </a:r>
+            <a:br>
+              <a:rPr kumimoji="0" lang="en-US" altLang="en-US" sz="1600" b="0" i="0" u="none" strike="noStrike" cap="none" normalizeH="0" baseline="0" dirty="0">
+                <a:ln>
+                  <a:noFill/>
+                </a:ln>
+                <a:solidFill>
+                  <a:schemeClr val="accent1">
+                    <a:lumMod val="40000"/>
+                    <a:lumOff val="60000"/>
+                  </a:schemeClr>
+                </a:solidFill>
+                <a:effectLst/>
+                <a:latin typeface="inherit"/>
+              </a:rPr>
+            </a:br>
+            <a:r>
+              <a:rPr kumimoji="0" lang="en-US" altLang="en-US" sz="1600" b="0" i="0" u="none" strike="noStrike" cap="none" normalizeH="0" baseline="0" dirty="0">
+                <a:ln>
+                  <a:noFill/>
+                </a:ln>
+                <a:solidFill>
+                  <a:schemeClr val="accent1">
+                    <a:lumMod val="40000"/>
+                    <a:lumOff val="60000"/>
+                  </a:schemeClr>
+                </a:solidFill>
+                <a:effectLst/>
+                <a:latin typeface="inherit"/>
+              </a:rPr>
+              <a:t>	return new Manager();</a:t>
+            </a:r>
+          </a:p>
+          <a:p>
+            <a:pPr marL="0" marR="0" lvl="0" indent="0" algn="l" defTabSz="914400" rtl="0" eaLnBrk="0" fontAlgn="base" latinLnBrk="0" hangingPunct="0">
+              <a:lnSpc>
+                <a:spcPct val="100000"/>
+              </a:lnSpc>
+              <a:spcBef>
+                <a:spcPct val="0"/>
+              </a:spcBef>
+              <a:spcAft>
+                <a:spcPct val="0"/>
+              </a:spcAft>
+              <a:buClrTx/>
+              <a:buSzTx/>
+              <a:buFontTx/>
+              <a:buNone/>
+              <a:tabLst/>
+            </a:pPr>
+            <a:r>
+              <a:rPr kumimoji="0" lang="en-US" altLang="en-US" sz="1600" b="0" i="0" u="none" strike="noStrike" cap="none" normalizeH="0" baseline="0" dirty="0">
+                <a:ln>
+                  <a:noFill/>
+                </a:ln>
+                <a:solidFill>
+                  <a:schemeClr val="accent1">
+                    <a:lumMod val="40000"/>
+                    <a:lumOff val="60000"/>
+                  </a:schemeClr>
+                </a:solidFill>
+                <a:effectLst/>
+                <a:latin typeface="inherit"/>
+              </a:rPr>
+              <a:t>                case 1:</a:t>
+            </a:r>
+            <a:br>
+              <a:rPr kumimoji="0" lang="en-US" altLang="en-US" sz="1600" b="0" i="0" u="none" strike="noStrike" cap="none" normalizeH="0" baseline="0" dirty="0">
+                <a:ln>
+                  <a:noFill/>
+                </a:ln>
+                <a:solidFill>
+                  <a:schemeClr val="accent1">
+                    <a:lumMod val="40000"/>
+                    <a:lumOff val="60000"/>
+                  </a:schemeClr>
+                </a:solidFill>
+                <a:effectLst/>
+                <a:latin typeface="inherit"/>
+              </a:rPr>
+            </a:br>
+            <a:r>
+              <a:rPr kumimoji="0" lang="en-US" altLang="en-US" sz="1600" b="0" i="0" u="none" strike="noStrike" cap="none" normalizeH="0" baseline="0" dirty="0">
+                <a:ln>
+                  <a:noFill/>
+                </a:ln>
+                <a:solidFill>
+                  <a:schemeClr val="accent1">
+                    <a:lumMod val="40000"/>
+                    <a:lumOff val="60000"/>
+                  </a:schemeClr>
+                </a:solidFill>
+                <a:effectLst/>
+                <a:latin typeface="inherit"/>
+              </a:rPr>
+              <a:t>	return new Clerk();</a:t>
+            </a:r>
+          </a:p>
+          <a:p>
+            <a:pPr marL="0" marR="0" lvl="0" indent="0" algn="l" defTabSz="914400" rtl="0" eaLnBrk="0" fontAlgn="base" latinLnBrk="0" hangingPunct="0">
+              <a:lnSpc>
+                <a:spcPct val="100000"/>
+              </a:lnSpc>
+              <a:spcBef>
+                <a:spcPct val="0"/>
+              </a:spcBef>
+              <a:spcAft>
+                <a:spcPct val="0"/>
+              </a:spcAft>
+              <a:buClrTx/>
+              <a:buSzTx/>
+              <a:buFontTx/>
+              <a:buNone/>
+              <a:tabLst/>
+            </a:pPr>
+            <a:r>
+              <a:rPr kumimoji="0" lang="en-US" altLang="en-US" sz="1600" b="0" i="0" u="none" strike="noStrike" cap="none" normalizeH="0" baseline="0" dirty="0">
+                <a:ln>
+                  <a:noFill/>
+                </a:ln>
+                <a:solidFill>
+                  <a:schemeClr val="accent1">
+                    <a:lumMod val="40000"/>
+                    <a:lumOff val="60000"/>
+                  </a:schemeClr>
+                </a:solidFill>
+                <a:effectLst/>
+                <a:latin typeface="inherit"/>
+              </a:rPr>
+              <a:t>                case 2:</a:t>
+            </a:r>
+            <a:br>
+              <a:rPr kumimoji="0" lang="en-US" altLang="en-US" sz="1600" b="0" i="0" u="none" strike="noStrike" cap="none" normalizeH="0" baseline="0" dirty="0">
+                <a:ln>
+                  <a:noFill/>
+                </a:ln>
+                <a:solidFill>
+                  <a:schemeClr val="accent1">
+                    <a:lumMod val="40000"/>
+                    <a:lumOff val="60000"/>
+                  </a:schemeClr>
+                </a:solidFill>
+                <a:effectLst/>
+                <a:latin typeface="inherit"/>
+              </a:rPr>
+            </a:br>
+            <a:r>
+              <a:rPr kumimoji="0" lang="en-US" altLang="en-US" sz="1600" b="0" i="0" u="none" strike="noStrike" cap="none" normalizeH="0" baseline="0" dirty="0">
+                <a:ln>
+                  <a:noFill/>
+                </a:ln>
+                <a:solidFill>
+                  <a:schemeClr val="accent1">
+                    <a:lumMod val="40000"/>
+                    <a:lumOff val="60000"/>
+                  </a:schemeClr>
+                </a:solidFill>
+                <a:effectLst/>
+                <a:latin typeface="inherit"/>
+              </a:rPr>
+              <a:t>	return new Programmer();</a:t>
+            </a:r>
+          </a:p>
+          <a:p>
+            <a:pPr marL="0" marR="0" lvl="0" indent="0" algn="l" defTabSz="914400" rtl="0" eaLnBrk="0" fontAlgn="base" latinLnBrk="0" hangingPunct="0">
+              <a:lnSpc>
+                <a:spcPct val="100000"/>
+              </a:lnSpc>
+              <a:spcBef>
+                <a:spcPct val="0"/>
+              </a:spcBef>
+              <a:spcAft>
+                <a:spcPct val="0"/>
+              </a:spcAft>
+              <a:buClrTx/>
+              <a:buSzTx/>
+              <a:buFontTx/>
+              <a:buNone/>
+              <a:tabLst/>
+            </a:pPr>
+            <a:r>
+              <a:rPr kumimoji="0" lang="en-US" altLang="en-US" sz="1600" b="0" i="0" u="none" strike="noStrike" cap="none" normalizeH="0" baseline="0" dirty="0">
+                <a:ln>
+                  <a:noFill/>
+                </a:ln>
+                <a:solidFill>
+                  <a:schemeClr val="accent1">
+                    <a:lumMod val="40000"/>
+                    <a:lumOff val="60000"/>
+                  </a:schemeClr>
+                </a:solidFill>
+                <a:effectLst/>
+                <a:latin typeface="inherit"/>
+              </a:rPr>
+              <a:t>                default:</a:t>
+            </a:r>
+          </a:p>
+          <a:p>
+            <a:pPr marL="0" marR="0" lvl="0" indent="0" algn="l" defTabSz="914400" rtl="0" eaLnBrk="0" fontAlgn="base" latinLnBrk="0" hangingPunct="0">
+              <a:lnSpc>
+                <a:spcPct val="100000"/>
+              </a:lnSpc>
+              <a:spcBef>
+                <a:spcPct val="0"/>
+              </a:spcBef>
+              <a:spcAft>
+                <a:spcPct val="0"/>
+              </a:spcAft>
+              <a:buClrTx/>
+              <a:buSzTx/>
+              <a:buFontTx/>
+              <a:buNone/>
+              <a:tabLst/>
+            </a:pPr>
+            <a:r>
+              <a:rPr lang="en-US" altLang="en-US" sz="1600" dirty="0">
+                <a:solidFill>
+                  <a:schemeClr val="accent1">
+                    <a:lumMod val="40000"/>
+                    <a:lumOff val="60000"/>
+                  </a:schemeClr>
+                </a:solidFill>
+                <a:latin typeface="inherit"/>
+              </a:rPr>
+              <a:t>	</a:t>
+            </a:r>
+            <a:r>
+              <a:rPr kumimoji="0" lang="en-US" altLang="en-US" sz="1600" b="0" i="0" u="none" strike="noStrike" cap="none" normalizeH="0" baseline="0" dirty="0">
+                <a:ln>
+                  <a:noFill/>
+                </a:ln>
+                <a:solidFill>
+                  <a:schemeClr val="accent1">
+                    <a:lumMod val="40000"/>
+                    <a:lumOff val="60000"/>
+                  </a:schemeClr>
+                </a:solidFill>
+                <a:effectLst/>
+                <a:latin typeface="inherit"/>
+              </a:rPr>
+              <a:t>return new Programmer();</a:t>
+            </a:r>
+          </a:p>
+          <a:p>
+            <a:pPr marL="0" marR="0" lvl="0" indent="0" algn="l" defTabSz="914400" rtl="0" eaLnBrk="0" fontAlgn="base" latinLnBrk="0" hangingPunct="0">
+              <a:lnSpc>
+                <a:spcPct val="100000"/>
+              </a:lnSpc>
+              <a:spcBef>
+                <a:spcPct val="0"/>
+              </a:spcBef>
+              <a:spcAft>
+                <a:spcPct val="0"/>
+              </a:spcAft>
+              <a:buClrTx/>
+              <a:buSzTx/>
+              <a:buFontTx/>
+              <a:buNone/>
+              <a:tabLst/>
+            </a:pPr>
+            <a:r>
+              <a:rPr kumimoji="0" lang="en-US" altLang="en-US" sz="1600" b="0" i="0" u="none" strike="noStrike" cap="none" normalizeH="0" baseline="0" dirty="0">
+                <a:ln>
+                  <a:noFill/>
+                </a:ln>
+                <a:solidFill>
+                  <a:schemeClr val="accent1">
+                    <a:lumMod val="40000"/>
+                    <a:lumOff val="60000"/>
+                  </a:schemeClr>
+                </a:solidFill>
+                <a:effectLst/>
+                <a:latin typeface="inherit"/>
+              </a:rPr>
+              <a:t>            }</a:t>
+            </a:r>
+          </a:p>
+          <a:p>
+            <a:pPr marL="0" marR="0" lvl="0" indent="0" algn="l" defTabSz="914400" rtl="0" eaLnBrk="0" fontAlgn="base" latinLnBrk="0" hangingPunct="0">
+              <a:lnSpc>
+                <a:spcPct val="100000"/>
+              </a:lnSpc>
+              <a:spcBef>
+                <a:spcPct val="0"/>
+              </a:spcBef>
+              <a:spcAft>
+                <a:spcPct val="0"/>
+              </a:spcAft>
+              <a:buClrTx/>
+              <a:buSzTx/>
+              <a:buFontTx/>
+              <a:buNone/>
+              <a:tabLst/>
+            </a:pPr>
+            <a:r>
+              <a:rPr kumimoji="0" lang="en-US" altLang="en-US" sz="1600" b="0" i="0" u="none" strike="noStrike" cap="none" normalizeH="0" baseline="0" dirty="0">
+                <a:ln>
+                  <a:noFill/>
+                </a:ln>
+                <a:solidFill>
+                  <a:schemeClr val="accent1">
+                    <a:lumMod val="40000"/>
+                    <a:lumOff val="60000"/>
+                  </a:schemeClr>
+                </a:solidFill>
+                <a:effectLst/>
+                <a:latin typeface="inherit"/>
+              </a:rPr>
+              <a:t>        }</a:t>
+            </a:r>
+          </a:p>
+          <a:p>
+            <a:pPr marL="0" marR="0" lvl="0" indent="0" algn="l" defTabSz="914400" rtl="0" eaLnBrk="0" fontAlgn="base" latinLnBrk="0" hangingPunct="0">
+              <a:lnSpc>
+                <a:spcPct val="100000"/>
+              </a:lnSpc>
+              <a:spcBef>
+                <a:spcPct val="0"/>
+              </a:spcBef>
+              <a:spcAft>
+                <a:spcPct val="0"/>
+              </a:spcAft>
+              <a:buClrTx/>
+              <a:buSzTx/>
+              <a:buFontTx/>
+              <a:buNone/>
+              <a:tabLst/>
+            </a:pPr>
+            <a:r>
+              <a:rPr kumimoji="0" lang="en-US" altLang="en-US" sz="1600" b="0" i="0" u="none" strike="noStrike" cap="none" normalizeH="0" baseline="0" dirty="0">
+                <a:ln>
+                  <a:noFill/>
+                </a:ln>
+                <a:solidFill>
+                  <a:schemeClr val="accent1">
+                    <a:lumMod val="40000"/>
+                    <a:lumOff val="60000"/>
+                  </a:schemeClr>
+                </a:solidFill>
+                <a:effectLst/>
+                <a:latin typeface="inherit"/>
+              </a:rPr>
+              <a:t>    }</a:t>
+            </a:r>
+          </a:p>
+        </p:txBody>
+      </p:sp>
+      <p:sp>
+        <p:nvSpPr>
+          <p:cNvPr id="11" name="Text Placeholder 2">
+            <a:extLst>
+              <a:ext uri="{FF2B5EF4-FFF2-40B4-BE49-F238E27FC236}">
+                <a16:creationId xmlns:a16="http://schemas.microsoft.com/office/drawing/2014/main" id="{72014423-36D0-4B94-899D-3BEC37F03D4A}"/>
+              </a:ext>
+            </a:extLst>
+          </p:cNvPr>
+          <p:cNvSpPr txBox="1">
+            <a:spLocks/>
+          </p:cNvSpPr>
+          <p:nvPr/>
+        </p:nvSpPr>
+        <p:spPr>
+          <a:xfrm>
+            <a:off x="8780243" y="3814800"/>
+            <a:ext cx="2822511" cy="410440"/>
+          </a:xfrm>
+          <a:prstGeom prst="rect">
+            <a:avLst/>
+          </a:prstGeom>
+        </p:spPr>
+        <p:txBody>
+          <a:bodyPr vert="horz" lIns="91440" tIns="45720" rIns="91440" bIns="45720" rtlCol="0" anchor="t">
+            <a:normAutofit/>
+          </a:bodyPr>
+          <a:lstStyle>
+            <a:lvl1pPr marL="0" indent="0" algn="l" defTabSz="457200" rtl="0" eaLnBrk="1" latinLnBrk="0" hangingPunct="1">
+              <a:spcBef>
+                <a:spcPts val="0"/>
+              </a:spcBef>
+              <a:spcAft>
+                <a:spcPts val="1000"/>
+              </a:spcAft>
+              <a:buClr>
+                <a:schemeClr val="tx1"/>
+              </a:buClr>
+              <a:buSzPct val="100000"/>
+              <a:buFont typeface="Arial"/>
+              <a:buNone/>
+              <a:defRPr sz="2000" kern="1200" cap="all">
+                <a:solidFill>
+                  <a:schemeClr val="tx1"/>
+                </a:solidFill>
+                <a:effectLst/>
+                <a:latin typeface="+mn-lt"/>
+                <a:ea typeface="+mn-ea"/>
+                <a:cs typeface="+mn-cs"/>
+              </a:defRPr>
+            </a:lvl1pPr>
+            <a:lvl2pPr marL="457200" indent="0" algn="l" defTabSz="457200" rtl="0" eaLnBrk="1" latinLnBrk="0" hangingPunct="1">
+              <a:spcBef>
+                <a:spcPts val="0"/>
+              </a:spcBef>
+              <a:spcAft>
+                <a:spcPts val="1000"/>
+              </a:spcAft>
+              <a:buClr>
+                <a:schemeClr val="tx1"/>
+              </a:buClr>
+              <a:buSzPct val="100000"/>
+              <a:buFont typeface="Arial"/>
+              <a:buNone/>
+              <a:defRPr sz="1800" kern="1200" cap="none">
+                <a:solidFill>
+                  <a:schemeClr val="tx1">
+                    <a:tint val="75000"/>
+                  </a:schemeClr>
+                </a:solidFill>
+                <a:effectLst/>
+                <a:latin typeface="+mn-lt"/>
+                <a:ea typeface="+mn-ea"/>
+                <a:cs typeface="+mn-cs"/>
+              </a:defRPr>
+            </a:lvl2pPr>
+            <a:lvl3pPr marL="914400" indent="0" algn="l" defTabSz="457200" rtl="0" eaLnBrk="1" latinLnBrk="0" hangingPunct="1">
+              <a:spcBef>
+                <a:spcPts val="0"/>
+              </a:spcBef>
+              <a:spcAft>
+                <a:spcPts val="1000"/>
+              </a:spcAft>
+              <a:buClr>
+                <a:schemeClr val="tx1"/>
+              </a:buClr>
+              <a:buSzPct val="100000"/>
+              <a:buFont typeface="Arial"/>
+              <a:buNone/>
+              <a:defRPr sz="1600" kern="1200" cap="none">
+                <a:solidFill>
+                  <a:schemeClr val="tx1">
+                    <a:tint val="75000"/>
+                  </a:schemeClr>
+                </a:solidFill>
+                <a:effectLst/>
+                <a:latin typeface="+mn-lt"/>
+                <a:ea typeface="+mn-ea"/>
+                <a:cs typeface="+mn-cs"/>
+              </a:defRPr>
+            </a:lvl3pPr>
+            <a:lvl4pPr marL="1371600" indent="0" algn="l" defTabSz="457200" rtl="0" eaLnBrk="1" latinLnBrk="0" hangingPunct="1">
+              <a:spcBef>
+                <a:spcPts val="0"/>
+              </a:spcBef>
+              <a:spcAft>
+                <a:spcPts val="1000"/>
+              </a:spcAft>
+              <a:buClr>
+                <a:schemeClr val="tx1"/>
+              </a:buClr>
+              <a:buSzPct val="100000"/>
+              <a:buFont typeface="Arial"/>
+              <a:buNone/>
+              <a:defRPr sz="1400" kern="1200" cap="none">
+                <a:solidFill>
+                  <a:schemeClr val="tx1">
+                    <a:tint val="75000"/>
+                  </a:schemeClr>
+                </a:solidFill>
+                <a:effectLst/>
+                <a:latin typeface="+mn-lt"/>
+                <a:ea typeface="+mn-ea"/>
+                <a:cs typeface="+mn-cs"/>
+              </a:defRPr>
+            </a:lvl4pPr>
+            <a:lvl5pPr marL="1828800" indent="0" algn="l" defTabSz="457200" rtl="0" eaLnBrk="1" latinLnBrk="0" hangingPunct="1">
+              <a:spcBef>
+                <a:spcPts val="0"/>
+              </a:spcBef>
+              <a:spcAft>
+                <a:spcPts val="1000"/>
+              </a:spcAft>
+              <a:buClr>
+                <a:schemeClr val="tx1"/>
+              </a:buClr>
+              <a:buSzPct val="100000"/>
+              <a:buFont typeface="Arial"/>
+              <a:buNone/>
+              <a:defRPr sz="1400" kern="1200" cap="none">
+                <a:solidFill>
+                  <a:schemeClr val="tx1">
+                    <a:tint val="75000"/>
+                  </a:schemeClr>
+                </a:solidFill>
+                <a:effectLst/>
+                <a:latin typeface="+mn-lt"/>
+                <a:ea typeface="+mn-ea"/>
+                <a:cs typeface="+mn-cs"/>
+              </a:defRPr>
+            </a:lvl5pPr>
+            <a:lvl6pPr marL="2286000" indent="0" algn="l" defTabSz="457200" rtl="0" eaLnBrk="1" latinLnBrk="0" hangingPunct="1">
+              <a:spcBef>
+                <a:spcPts val="0"/>
+              </a:spcBef>
+              <a:spcAft>
+                <a:spcPts val="1000"/>
+              </a:spcAft>
+              <a:buClr>
+                <a:schemeClr val="tx1"/>
+              </a:buClr>
+              <a:buSzPct val="100000"/>
+              <a:buFont typeface="Arial"/>
+              <a:buNone/>
+              <a:defRPr sz="1400" kern="1200" cap="none">
+                <a:solidFill>
+                  <a:schemeClr val="tx1">
+                    <a:tint val="75000"/>
+                  </a:schemeClr>
+                </a:solidFill>
+                <a:effectLst/>
+                <a:latin typeface="+mn-lt"/>
+                <a:ea typeface="+mn-ea"/>
+                <a:cs typeface="+mn-cs"/>
+              </a:defRPr>
+            </a:lvl6pPr>
+            <a:lvl7pPr marL="2743200" indent="0" algn="l" defTabSz="457200" rtl="0" eaLnBrk="1" latinLnBrk="0" hangingPunct="1">
+              <a:spcBef>
+                <a:spcPts val="0"/>
+              </a:spcBef>
+              <a:spcAft>
+                <a:spcPts val="1000"/>
+              </a:spcAft>
+              <a:buClr>
+                <a:schemeClr val="tx1"/>
+              </a:buClr>
+              <a:buSzPct val="100000"/>
+              <a:buFont typeface="Arial"/>
+              <a:buNone/>
+              <a:defRPr sz="1400" kern="1200" cap="none">
+                <a:solidFill>
+                  <a:schemeClr val="tx1">
+                    <a:tint val="75000"/>
+                  </a:schemeClr>
+                </a:solidFill>
+                <a:effectLst/>
+                <a:latin typeface="+mn-lt"/>
+                <a:ea typeface="+mn-ea"/>
+                <a:cs typeface="+mn-cs"/>
+              </a:defRPr>
+            </a:lvl7pPr>
+            <a:lvl8pPr marL="3200400" indent="0" algn="l" defTabSz="457200" rtl="0" eaLnBrk="1" latinLnBrk="0" hangingPunct="1">
+              <a:spcBef>
+                <a:spcPts val="0"/>
+              </a:spcBef>
+              <a:spcAft>
+                <a:spcPts val="1000"/>
+              </a:spcAft>
+              <a:buClr>
+                <a:schemeClr val="tx1"/>
+              </a:buClr>
+              <a:buSzPct val="100000"/>
+              <a:buFont typeface="Arial"/>
+              <a:buNone/>
+              <a:defRPr sz="1400" kern="1200" cap="none">
+                <a:solidFill>
+                  <a:schemeClr val="tx1">
+                    <a:tint val="75000"/>
+                  </a:schemeClr>
+                </a:solidFill>
+                <a:effectLst/>
+                <a:latin typeface="+mn-lt"/>
+                <a:ea typeface="+mn-ea"/>
+                <a:cs typeface="+mn-cs"/>
+              </a:defRPr>
+            </a:lvl8pPr>
+            <a:lvl9pPr marL="3657600" indent="0" algn="l" defTabSz="457200" rtl="0" eaLnBrk="1" latinLnBrk="0" hangingPunct="1">
+              <a:spcBef>
+                <a:spcPts val="0"/>
+              </a:spcBef>
+              <a:spcAft>
+                <a:spcPts val="1000"/>
+              </a:spcAft>
+              <a:buClr>
+                <a:schemeClr val="tx1"/>
+              </a:buClr>
+              <a:buSzPct val="100000"/>
+              <a:buFont typeface="Arial"/>
+              <a:buNone/>
+              <a:defRPr sz="1400" kern="1200" cap="none">
+                <a:solidFill>
+                  <a:schemeClr val="tx1">
+                    <a:tint val="75000"/>
+                  </a:schemeClr>
+                </a:solidFill>
+                <a:effectLst/>
+                <a:latin typeface="+mn-lt"/>
+                <a:ea typeface="+mn-ea"/>
+                <a:cs typeface="+mn-cs"/>
+              </a:defRPr>
+            </a:lvl9pPr>
+          </a:lstStyle>
+          <a:p>
+            <a:pPr algn="ctr"/>
+            <a:r>
+              <a:rPr lang="en-US" dirty="0"/>
+              <a:t>Printing results:</a:t>
+            </a:r>
+          </a:p>
+        </p:txBody>
+      </p:sp>
+      <p:sp>
+        <p:nvSpPr>
+          <p:cNvPr id="12" name="Text Placeholder 2">
+            <a:extLst>
+              <a:ext uri="{FF2B5EF4-FFF2-40B4-BE49-F238E27FC236}">
+                <a16:creationId xmlns:a16="http://schemas.microsoft.com/office/drawing/2014/main" id="{49A2D756-EEFC-4C57-A5AC-B577C74EEBD1}"/>
+              </a:ext>
+            </a:extLst>
+          </p:cNvPr>
+          <p:cNvSpPr txBox="1">
+            <a:spLocks/>
+          </p:cNvSpPr>
+          <p:nvPr/>
+        </p:nvSpPr>
+        <p:spPr>
+          <a:xfrm rot="16200000">
+            <a:off x="-1206035" y="3334216"/>
+            <a:ext cx="2822511" cy="410440"/>
+          </a:xfrm>
+          <a:prstGeom prst="rect">
+            <a:avLst/>
+          </a:prstGeom>
+        </p:spPr>
+        <p:txBody>
+          <a:bodyPr vert="horz" lIns="91440" tIns="45720" rIns="91440" bIns="45720" rtlCol="0" anchor="t">
+            <a:normAutofit/>
+          </a:bodyPr>
+          <a:lstStyle>
+            <a:lvl1pPr marL="0" indent="0" algn="l" defTabSz="457200" rtl="0" eaLnBrk="1" latinLnBrk="0" hangingPunct="1">
+              <a:spcBef>
+                <a:spcPts val="0"/>
+              </a:spcBef>
+              <a:spcAft>
+                <a:spcPts val="1000"/>
+              </a:spcAft>
+              <a:buClr>
+                <a:schemeClr val="tx1"/>
+              </a:buClr>
+              <a:buSzPct val="100000"/>
+              <a:buFont typeface="Arial"/>
+              <a:buNone/>
+              <a:defRPr sz="2000" kern="1200" cap="all">
+                <a:solidFill>
+                  <a:schemeClr val="tx1"/>
+                </a:solidFill>
+                <a:effectLst/>
+                <a:latin typeface="+mn-lt"/>
+                <a:ea typeface="+mn-ea"/>
+                <a:cs typeface="+mn-cs"/>
+              </a:defRPr>
+            </a:lvl1pPr>
+            <a:lvl2pPr marL="457200" indent="0" algn="l" defTabSz="457200" rtl="0" eaLnBrk="1" latinLnBrk="0" hangingPunct="1">
+              <a:spcBef>
+                <a:spcPts val="0"/>
+              </a:spcBef>
+              <a:spcAft>
+                <a:spcPts val="1000"/>
+              </a:spcAft>
+              <a:buClr>
+                <a:schemeClr val="tx1"/>
+              </a:buClr>
+              <a:buSzPct val="100000"/>
+              <a:buFont typeface="Arial"/>
+              <a:buNone/>
+              <a:defRPr sz="1800" kern="1200" cap="none">
+                <a:solidFill>
+                  <a:schemeClr val="tx1">
+                    <a:tint val="75000"/>
+                  </a:schemeClr>
+                </a:solidFill>
+                <a:effectLst/>
+                <a:latin typeface="+mn-lt"/>
+                <a:ea typeface="+mn-ea"/>
+                <a:cs typeface="+mn-cs"/>
+              </a:defRPr>
+            </a:lvl2pPr>
+            <a:lvl3pPr marL="914400" indent="0" algn="l" defTabSz="457200" rtl="0" eaLnBrk="1" latinLnBrk="0" hangingPunct="1">
+              <a:spcBef>
+                <a:spcPts val="0"/>
+              </a:spcBef>
+              <a:spcAft>
+                <a:spcPts val="1000"/>
+              </a:spcAft>
+              <a:buClr>
+                <a:schemeClr val="tx1"/>
+              </a:buClr>
+              <a:buSzPct val="100000"/>
+              <a:buFont typeface="Arial"/>
+              <a:buNone/>
+              <a:defRPr sz="1600" kern="1200" cap="none">
+                <a:solidFill>
+                  <a:schemeClr val="tx1">
+                    <a:tint val="75000"/>
+                  </a:schemeClr>
+                </a:solidFill>
+                <a:effectLst/>
+                <a:latin typeface="+mn-lt"/>
+                <a:ea typeface="+mn-ea"/>
+                <a:cs typeface="+mn-cs"/>
+              </a:defRPr>
+            </a:lvl3pPr>
+            <a:lvl4pPr marL="1371600" indent="0" algn="l" defTabSz="457200" rtl="0" eaLnBrk="1" latinLnBrk="0" hangingPunct="1">
+              <a:spcBef>
+                <a:spcPts val="0"/>
+              </a:spcBef>
+              <a:spcAft>
+                <a:spcPts val="1000"/>
+              </a:spcAft>
+              <a:buClr>
+                <a:schemeClr val="tx1"/>
+              </a:buClr>
+              <a:buSzPct val="100000"/>
+              <a:buFont typeface="Arial"/>
+              <a:buNone/>
+              <a:defRPr sz="1400" kern="1200" cap="none">
+                <a:solidFill>
+                  <a:schemeClr val="tx1">
+                    <a:tint val="75000"/>
+                  </a:schemeClr>
+                </a:solidFill>
+                <a:effectLst/>
+                <a:latin typeface="+mn-lt"/>
+                <a:ea typeface="+mn-ea"/>
+                <a:cs typeface="+mn-cs"/>
+              </a:defRPr>
+            </a:lvl4pPr>
+            <a:lvl5pPr marL="1828800" indent="0" algn="l" defTabSz="457200" rtl="0" eaLnBrk="1" latinLnBrk="0" hangingPunct="1">
+              <a:spcBef>
+                <a:spcPts val="0"/>
+              </a:spcBef>
+              <a:spcAft>
+                <a:spcPts val="1000"/>
+              </a:spcAft>
+              <a:buClr>
+                <a:schemeClr val="tx1"/>
+              </a:buClr>
+              <a:buSzPct val="100000"/>
+              <a:buFont typeface="Arial"/>
+              <a:buNone/>
+              <a:defRPr sz="1400" kern="1200" cap="none">
+                <a:solidFill>
+                  <a:schemeClr val="tx1">
+                    <a:tint val="75000"/>
+                  </a:schemeClr>
+                </a:solidFill>
+                <a:effectLst/>
+                <a:latin typeface="+mn-lt"/>
+                <a:ea typeface="+mn-ea"/>
+                <a:cs typeface="+mn-cs"/>
+              </a:defRPr>
+            </a:lvl5pPr>
+            <a:lvl6pPr marL="2286000" indent="0" algn="l" defTabSz="457200" rtl="0" eaLnBrk="1" latinLnBrk="0" hangingPunct="1">
+              <a:spcBef>
+                <a:spcPts val="0"/>
+              </a:spcBef>
+              <a:spcAft>
+                <a:spcPts val="1000"/>
+              </a:spcAft>
+              <a:buClr>
+                <a:schemeClr val="tx1"/>
+              </a:buClr>
+              <a:buSzPct val="100000"/>
+              <a:buFont typeface="Arial"/>
+              <a:buNone/>
+              <a:defRPr sz="1400" kern="1200" cap="none">
+                <a:solidFill>
+                  <a:schemeClr val="tx1">
+                    <a:tint val="75000"/>
+                  </a:schemeClr>
+                </a:solidFill>
+                <a:effectLst/>
+                <a:latin typeface="+mn-lt"/>
+                <a:ea typeface="+mn-ea"/>
+                <a:cs typeface="+mn-cs"/>
+              </a:defRPr>
+            </a:lvl6pPr>
+            <a:lvl7pPr marL="2743200" indent="0" algn="l" defTabSz="457200" rtl="0" eaLnBrk="1" latinLnBrk="0" hangingPunct="1">
+              <a:spcBef>
+                <a:spcPts val="0"/>
+              </a:spcBef>
+              <a:spcAft>
+                <a:spcPts val="1000"/>
+              </a:spcAft>
+              <a:buClr>
+                <a:schemeClr val="tx1"/>
+              </a:buClr>
+              <a:buSzPct val="100000"/>
+              <a:buFont typeface="Arial"/>
+              <a:buNone/>
+              <a:defRPr sz="1400" kern="1200" cap="none">
+                <a:solidFill>
+                  <a:schemeClr val="tx1">
+                    <a:tint val="75000"/>
+                  </a:schemeClr>
+                </a:solidFill>
+                <a:effectLst/>
+                <a:latin typeface="+mn-lt"/>
+                <a:ea typeface="+mn-ea"/>
+                <a:cs typeface="+mn-cs"/>
+              </a:defRPr>
+            </a:lvl7pPr>
+            <a:lvl8pPr marL="3200400" indent="0" algn="l" defTabSz="457200" rtl="0" eaLnBrk="1" latinLnBrk="0" hangingPunct="1">
+              <a:spcBef>
+                <a:spcPts val="0"/>
+              </a:spcBef>
+              <a:spcAft>
+                <a:spcPts val="1000"/>
+              </a:spcAft>
+              <a:buClr>
+                <a:schemeClr val="tx1"/>
+              </a:buClr>
+              <a:buSzPct val="100000"/>
+              <a:buFont typeface="Arial"/>
+              <a:buNone/>
+              <a:defRPr sz="1400" kern="1200" cap="none">
+                <a:solidFill>
+                  <a:schemeClr val="tx1">
+                    <a:tint val="75000"/>
+                  </a:schemeClr>
+                </a:solidFill>
+                <a:effectLst/>
+                <a:latin typeface="+mn-lt"/>
+                <a:ea typeface="+mn-ea"/>
+                <a:cs typeface="+mn-cs"/>
+              </a:defRPr>
+            </a:lvl8pPr>
+            <a:lvl9pPr marL="3657600" indent="0" algn="l" defTabSz="457200" rtl="0" eaLnBrk="1" latinLnBrk="0" hangingPunct="1">
+              <a:spcBef>
+                <a:spcPts val="0"/>
+              </a:spcBef>
+              <a:spcAft>
+                <a:spcPts val="1000"/>
+              </a:spcAft>
+              <a:buClr>
+                <a:schemeClr val="tx1"/>
+              </a:buClr>
+              <a:buSzPct val="100000"/>
+              <a:buFont typeface="Arial"/>
+              <a:buNone/>
+              <a:defRPr sz="1400" kern="1200" cap="none">
+                <a:solidFill>
+                  <a:schemeClr val="tx1">
+                    <a:tint val="75000"/>
+                  </a:schemeClr>
+                </a:solidFill>
+                <a:effectLst/>
+                <a:latin typeface="+mn-lt"/>
+                <a:ea typeface="+mn-ea"/>
+                <a:cs typeface="+mn-cs"/>
+              </a:defRPr>
+            </a:lvl9pPr>
+          </a:lstStyle>
+          <a:p>
+            <a:pPr algn="ctr"/>
+            <a:r>
+              <a:rPr lang="en-US" dirty="0"/>
+              <a:t>Models:</a:t>
+            </a:r>
+          </a:p>
+        </p:txBody>
+      </p:sp>
+      <p:sp>
+        <p:nvSpPr>
+          <p:cNvPr id="13" name="Text Placeholder 2">
+            <a:extLst>
+              <a:ext uri="{FF2B5EF4-FFF2-40B4-BE49-F238E27FC236}">
+                <a16:creationId xmlns:a16="http://schemas.microsoft.com/office/drawing/2014/main" id="{B443D6FA-33C3-418B-8C32-1544D719D249}"/>
+              </a:ext>
+            </a:extLst>
+          </p:cNvPr>
+          <p:cNvSpPr txBox="1">
+            <a:spLocks/>
+          </p:cNvSpPr>
+          <p:nvPr/>
+        </p:nvSpPr>
+        <p:spPr>
+          <a:xfrm rot="16200000">
+            <a:off x="2353991" y="4020019"/>
+            <a:ext cx="2822511" cy="410440"/>
+          </a:xfrm>
+          <a:prstGeom prst="rect">
+            <a:avLst/>
+          </a:prstGeom>
+        </p:spPr>
+        <p:txBody>
+          <a:bodyPr vert="horz" lIns="91440" tIns="45720" rIns="91440" bIns="45720" rtlCol="0" anchor="t">
+            <a:normAutofit/>
+          </a:bodyPr>
+          <a:lstStyle>
+            <a:lvl1pPr marL="0" indent="0" algn="l" defTabSz="457200" rtl="0" eaLnBrk="1" latinLnBrk="0" hangingPunct="1">
+              <a:spcBef>
+                <a:spcPts val="0"/>
+              </a:spcBef>
+              <a:spcAft>
+                <a:spcPts val="1000"/>
+              </a:spcAft>
+              <a:buClr>
+                <a:schemeClr val="tx1"/>
+              </a:buClr>
+              <a:buSzPct val="100000"/>
+              <a:buFont typeface="Arial"/>
+              <a:buNone/>
+              <a:defRPr sz="2000" kern="1200" cap="all">
+                <a:solidFill>
+                  <a:schemeClr val="tx1"/>
+                </a:solidFill>
+                <a:effectLst/>
+                <a:latin typeface="+mn-lt"/>
+                <a:ea typeface="+mn-ea"/>
+                <a:cs typeface="+mn-cs"/>
+              </a:defRPr>
+            </a:lvl1pPr>
+            <a:lvl2pPr marL="457200" indent="0" algn="l" defTabSz="457200" rtl="0" eaLnBrk="1" latinLnBrk="0" hangingPunct="1">
+              <a:spcBef>
+                <a:spcPts val="0"/>
+              </a:spcBef>
+              <a:spcAft>
+                <a:spcPts val="1000"/>
+              </a:spcAft>
+              <a:buClr>
+                <a:schemeClr val="tx1"/>
+              </a:buClr>
+              <a:buSzPct val="100000"/>
+              <a:buFont typeface="Arial"/>
+              <a:buNone/>
+              <a:defRPr sz="1800" kern="1200" cap="none">
+                <a:solidFill>
+                  <a:schemeClr val="tx1">
+                    <a:tint val="75000"/>
+                  </a:schemeClr>
+                </a:solidFill>
+                <a:effectLst/>
+                <a:latin typeface="+mn-lt"/>
+                <a:ea typeface="+mn-ea"/>
+                <a:cs typeface="+mn-cs"/>
+              </a:defRPr>
+            </a:lvl2pPr>
+            <a:lvl3pPr marL="914400" indent="0" algn="l" defTabSz="457200" rtl="0" eaLnBrk="1" latinLnBrk="0" hangingPunct="1">
+              <a:spcBef>
+                <a:spcPts val="0"/>
+              </a:spcBef>
+              <a:spcAft>
+                <a:spcPts val="1000"/>
+              </a:spcAft>
+              <a:buClr>
+                <a:schemeClr val="tx1"/>
+              </a:buClr>
+              <a:buSzPct val="100000"/>
+              <a:buFont typeface="Arial"/>
+              <a:buNone/>
+              <a:defRPr sz="1600" kern="1200" cap="none">
+                <a:solidFill>
+                  <a:schemeClr val="tx1">
+                    <a:tint val="75000"/>
+                  </a:schemeClr>
+                </a:solidFill>
+                <a:effectLst/>
+                <a:latin typeface="+mn-lt"/>
+                <a:ea typeface="+mn-ea"/>
+                <a:cs typeface="+mn-cs"/>
+              </a:defRPr>
+            </a:lvl3pPr>
+            <a:lvl4pPr marL="1371600" indent="0" algn="l" defTabSz="457200" rtl="0" eaLnBrk="1" latinLnBrk="0" hangingPunct="1">
+              <a:spcBef>
+                <a:spcPts val="0"/>
+              </a:spcBef>
+              <a:spcAft>
+                <a:spcPts val="1000"/>
+              </a:spcAft>
+              <a:buClr>
+                <a:schemeClr val="tx1"/>
+              </a:buClr>
+              <a:buSzPct val="100000"/>
+              <a:buFont typeface="Arial"/>
+              <a:buNone/>
+              <a:defRPr sz="1400" kern="1200" cap="none">
+                <a:solidFill>
+                  <a:schemeClr val="tx1">
+                    <a:tint val="75000"/>
+                  </a:schemeClr>
+                </a:solidFill>
+                <a:effectLst/>
+                <a:latin typeface="+mn-lt"/>
+                <a:ea typeface="+mn-ea"/>
+                <a:cs typeface="+mn-cs"/>
+              </a:defRPr>
+            </a:lvl4pPr>
+            <a:lvl5pPr marL="1828800" indent="0" algn="l" defTabSz="457200" rtl="0" eaLnBrk="1" latinLnBrk="0" hangingPunct="1">
+              <a:spcBef>
+                <a:spcPts val="0"/>
+              </a:spcBef>
+              <a:spcAft>
+                <a:spcPts val="1000"/>
+              </a:spcAft>
+              <a:buClr>
+                <a:schemeClr val="tx1"/>
+              </a:buClr>
+              <a:buSzPct val="100000"/>
+              <a:buFont typeface="Arial"/>
+              <a:buNone/>
+              <a:defRPr sz="1400" kern="1200" cap="none">
+                <a:solidFill>
+                  <a:schemeClr val="tx1">
+                    <a:tint val="75000"/>
+                  </a:schemeClr>
+                </a:solidFill>
+                <a:effectLst/>
+                <a:latin typeface="+mn-lt"/>
+                <a:ea typeface="+mn-ea"/>
+                <a:cs typeface="+mn-cs"/>
+              </a:defRPr>
+            </a:lvl5pPr>
+            <a:lvl6pPr marL="2286000" indent="0" algn="l" defTabSz="457200" rtl="0" eaLnBrk="1" latinLnBrk="0" hangingPunct="1">
+              <a:spcBef>
+                <a:spcPts val="0"/>
+              </a:spcBef>
+              <a:spcAft>
+                <a:spcPts val="1000"/>
+              </a:spcAft>
+              <a:buClr>
+                <a:schemeClr val="tx1"/>
+              </a:buClr>
+              <a:buSzPct val="100000"/>
+              <a:buFont typeface="Arial"/>
+              <a:buNone/>
+              <a:defRPr sz="1400" kern="1200" cap="none">
+                <a:solidFill>
+                  <a:schemeClr val="tx1">
+                    <a:tint val="75000"/>
+                  </a:schemeClr>
+                </a:solidFill>
+                <a:effectLst/>
+                <a:latin typeface="+mn-lt"/>
+                <a:ea typeface="+mn-ea"/>
+                <a:cs typeface="+mn-cs"/>
+              </a:defRPr>
+            </a:lvl6pPr>
+            <a:lvl7pPr marL="2743200" indent="0" algn="l" defTabSz="457200" rtl="0" eaLnBrk="1" latinLnBrk="0" hangingPunct="1">
+              <a:spcBef>
+                <a:spcPts val="0"/>
+              </a:spcBef>
+              <a:spcAft>
+                <a:spcPts val="1000"/>
+              </a:spcAft>
+              <a:buClr>
+                <a:schemeClr val="tx1"/>
+              </a:buClr>
+              <a:buSzPct val="100000"/>
+              <a:buFont typeface="Arial"/>
+              <a:buNone/>
+              <a:defRPr sz="1400" kern="1200" cap="none">
+                <a:solidFill>
+                  <a:schemeClr val="tx1">
+                    <a:tint val="75000"/>
+                  </a:schemeClr>
+                </a:solidFill>
+                <a:effectLst/>
+                <a:latin typeface="+mn-lt"/>
+                <a:ea typeface="+mn-ea"/>
+                <a:cs typeface="+mn-cs"/>
+              </a:defRPr>
+            </a:lvl7pPr>
+            <a:lvl8pPr marL="3200400" indent="0" algn="l" defTabSz="457200" rtl="0" eaLnBrk="1" latinLnBrk="0" hangingPunct="1">
+              <a:spcBef>
+                <a:spcPts val="0"/>
+              </a:spcBef>
+              <a:spcAft>
+                <a:spcPts val="1000"/>
+              </a:spcAft>
+              <a:buClr>
+                <a:schemeClr val="tx1"/>
+              </a:buClr>
+              <a:buSzPct val="100000"/>
+              <a:buFont typeface="Arial"/>
+              <a:buNone/>
+              <a:defRPr sz="1400" kern="1200" cap="none">
+                <a:solidFill>
+                  <a:schemeClr val="tx1">
+                    <a:tint val="75000"/>
+                  </a:schemeClr>
+                </a:solidFill>
+                <a:effectLst/>
+                <a:latin typeface="+mn-lt"/>
+                <a:ea typeface="+mn-ea"/>
+                <a:cs typeface="+mn-cs"/>
+              </a:defRPr>
+            </a:lvl8pPr>
+            <a:lvl9pPr marL="3657600" indent="0" algn="l" defTabSz="457200" rtl="0" eaLnBrk="1" latinLnBrk="0" hangingPunct="1">
+              <a:spcBef>
+                <a:spcPts val="0"/>
+              </a:spcBef>
+              <a:spcAft>
+                <a:spcPts val="1000"/>
+              </a:spcAft>
+              <a:buClr>
+                <a:schemeClr val="tx1"/>
+              </a:buClr>
+              <a:buSzPct val="100000"/>
+              <a:buFont typeface="Arial"/>
+              <a:buNone/>
+              <a:defRPr sz="1400" kern="1200" cap="none">
+                <a:solidFill>
+                  <a:schemeClr val="tx1">
+                    <a:tint val="75000"/>
+                  </a:schemeClr>
+                </a:solidFill>
+                <a:effectLst/>
+                <a:latin typeface="+mn-lt"/>
+                <a:ea typeface="+mn-ea"/>
+                <a:cs typeface="+mn-cs"/>
+              </a:defRPr>
+            </a:lvl9pPr>
+          </a:lstStyle>
+          <a:p>
+            <a:pPr algn="ctr"/>
+            <a:r>
+              <a:rPr lang="en-US" dirty="0"/>
+              <a:t>Factory:</a:t>
+            </a:r>
+          </a:p>
+        </p:txBody>
+      </p:sp>
+    </p:spTree>
+    <p:extLst>
+      <p:ext uri="{BB962C8B-B14F-4D97-AF65-F5344CB8AC3E}">
+        <p14:creationId xmlns:p14="http://schemas.microsoft.com/office/powerpoint/2010/main" val="782327978"/>
+      </p:ext>
+    </p:extLst>
+  </p:cSld>
+  <p:clrMapOvr>
+    <a:masterClrMapping/>
+  </p:clrMapOvr>
+</p:sld>
+</file>
+
+<file path=ppt/slides/slide18.xml><?xml version="1.0" encoding="utf-8"?>
+<p:sld xmlns:a="http://schemas.openxmlformats.org/drawingml/2006/main" xmlns:r="http://schemas.openxmlformats.org/officeDocument/2006/relationships" xmlns:p="http://schemas.openxmlformats.org/presentationml/2006/main">
+  <p:cSld>
+    <p:spTree>
+      <p:nvGrpSpPr>
+        <p:cNvPr id="1" name=""/>
+        <p:cNvGrpSpPr/>
+        <p:nvPr/>
+      </p:nvGrpSpPr>
+      <p:grpSpPr>
+        <a:xfrm>
+          <a:off x="0" y="0"/>
+          <a:ext cx="0" cy="0"/>
+          <a:chOff x="0" y="0"/>
+          <a:chExt cx="0" cy="0"/>
+        </a:xfrm>
+      </p:grpSpPr>
+      <p:sp>
+        <p:nvSpPr>
+          <p:cNvPr id="2" name="Title 1">
+            <a:extLst>
+              <a:ext uri="{FF2B5EF4-FFF2-40B4-BE49-F238E27FC236}">
+                <a16:creationId xmlns:a16="http://schemas.microsoft.com/office/drawing/2014/main" id="{1C695ED3-BB51-4CF5-97CD-C8C5D61D635C}"/>
+              </a:ext>
+            </a:extLst>
+          </p:cNvPr>
+          <p:cNvSpPr>
+            <a:spLocks noGrp="1"/>
+          </p:cNvSpPr>
+          <p:nvPr>
+            <p:ph type="title"/>
+          </p:nvPr>
+        </p:nvSpPr>
+        <p:spPr>
+          <a:xfrm>
+            <a:off x="685800" y="350488"/>
+            <a:ext cx="10131427" cy="765218"/>
+          </a:xfrm>
+        </p:spPr>
+        <p:txBody>
+          <a:bodyPr/>
+          <a:lstStyle/>
+          <a:p>
+            <a:pPr algn="ctr"/>
+            <a:r>
+              <a:rPr lang="en-US" dirty="0"/>
+              <a:t>IMPLEMENTATIONS:</a:t>
+            </a:r>
+          </a:p>
+        </p:txBody>
+      </p:sp>
+      <p:sp>
+        <p:nvSpPr>
+          <p:cNvPr id="4" name="Text Placeholder 2">
+            <a:extLst>
+              <a:ext uri="{FF2B5EF4-FFF2-40B4-BE49-F238E27FC236}">
+                <a16:creationId xmlns:a16="http://schemas.microsoft.com/office/drawing/2014/main" id="{C68F30A6-1D09-470A-AB07-839D61C4B9C0}"/>
+              </a:ext>
+            </a:extLst>
+          </p:cNvPr>
+          <p:cNvSpPr txBox="1">
+            <a:spLocks/>
+          </p:cNvSpPr>
+          <p:nvPr/>
+        </p:nvSpPr>
+        <p:spPr>
+          <a:xfrm>
+            <a:off x="4340257" y="1115706"/>
+            <a:ext cx="2822511" cy="410440"/>
+          </a:xfrm>
+          <a:prstGeom prst="rect">
+            <a:avLst/>
+          </a:prstGeom>
+        </p:spPr>
+        <p:txBody>
+          <a:bodyPr vert="horz" lIns="91440" tIns="45720" rIns="91440" bIns="45720" rtlCol="0" anchor="t">
+            <a:normAutofit/>
+          </a:bodyPr>
+          <a:lstStyle>
+            <a:lvl1pPr marL="0" indent="0" algn="l" defTabSz="457200" rtl="0" eaLnBrk="1" latinLnBrk="0" hangingPunct="1">
+              <a:spcBef>
+                <a:spcPts val="0"/>
+              </a:spcBef>
+              <a:spcAft>
+                <a:spcPts val="1000"/>
+              </a:spcAft>
+              <a:buClr>
+                <a:schemeClr val="tx1"/>
+              </a:buClr>
+              <a:buSzPct val="100000"/>
+              <a:buFont typeface="Arial"/>
+              <a:buNone/>
+              <a:defRPr sz="2000" kern="1200" cap="all">
+                <a:solidFill>
+                  <a:schemeClr val="tx1"/>
+                </a:solidFill>
+                <a:effectLst/>
+                <a:latin typeface="+mn-lt"/>
+                <a:ea typeface="+mn-ea"/>
+                <a:cs typeface="+mn-cs"/>
+              </a:defRPr>
+            </a:lvl1pPr>
+            <a:lvl2pPr marL="457200" indent="0" algn="l" defTabSz="457200" rtl="0" eaLnBrk="1" latinLnBrk="0" hangingPunct="1">
+              <a:spcBef>
+                <a:spcPts val="0"/>
+              </a:spcBef>
+              <a:spcAft>
+                <a:spcPts val="1000"/>
+              </a:spcAft>
+              <a:buClr>
+                <a:schemeClr val="tx1"/>
+              </a:buClr>
+              <a:buSzPct val="100000"/>
+              <a:buFont typeface="Arial"/>
+              <a:buNone/>
+              <a:defRPr sz="1800" kern="1200" cap="none">
+                <a:solidFill>
+                  <a:schemeClr val="tx1">
+                    <a:tint val="75000"/>
+                  </a:schemeClr>
+                </a:solidFill>
+                <a:effectLst/>
+                <a:latin typeface="+mn-lt"/>
+                <a:ea typeface="+mn-ea"/>
+                <a:cs typeface="+mn-cs"/>
+              </a:defRPr>
+            </a:lvl2pPr>
+            <a:lvl3pPr marL="914400" indent="0" algn="l" defTabSz="457200" rtl="0" eaLnBrk="1" latinLnBrk="0" hangingPunct="1">
+              <a:spcBef>
+                <a:spcPts val="0"/>
+              </a:spcBef>
+              <a:spcAft>
+                <a:spcPts val="1000"/>
+              </a:spcAft>
+              <a:buClr>
+                <a:schemeClr val="tx1"/>
+              </a:buClr>
+              <a:buSzPct val="100000"/>
+              <a:buFont typeface="Arial"/>
+              <a:buNone/>
+              <a:defRPr sz="1600" kern="1200" cap="none">
+                <a:solidFill>
+                  <a:schemeClr val="tx1">
+                    <a:tint val="75000"/>
+                  </a:schemeClr>
+                </a:solidFill>
+                <a:effectLst/>
+                <a:latin typeface="+mn-lt"/>
+                <a:ea typeface="+mn-ea"/>
+                <a:cs typeface="+mn-cs"/>
+              </a:defRPr>
+            </a:lvl3pPr>
+            <a:lvl4pPr marL="1371600" indent="0" algn="l" defTabSz="457200" rtl="0" eaLnBrk="1" latinLnBrk="0" hangingPunct="1">
+              <a:spcBef>
+                <a:spcPts val="0"/>
+              </a:spcBef>
+              <a:spcAft>
+                <a:spcPts val="1000"/>
+              </a:spcAft>
+              <a:buClr>
+                <a:schemeClr val="tx1"/>
+              </a:buClr>
+              <a:buSzPct val="100000"/>
+              <a:buFont typeface="Arial"/>
+              <a:buNone/>
+              <a:defRPr sz="1400" kern="1200" cap="none">
+                <a:solidFill>
+                  <a:schemeClr val="tx1">
+                    <a:tint val="75000"/>
+                  </a:schemeClr>
+                </a:solidFill>
+                <a:effectLst/>
+                <a:latin typeface="+mn-lt"/>
+                <a:ea typeface="+mn-ea"/>
+                <a:cs typeface="+mn-cs"/>
+              </a:defRPr>
+            </a:lvl4pPr>
+            <a:lvl5pPr marL="1828800" indent="0" algn="l" defTabSz="457200" rtl="0" eaLnBrk="1" latinLnBrk="0" hangingPunct="1">
+              <a:spcBef>
+                <a:spcPts val="0"/>
+              </a:spcBef>
+              <a:spcAft>
+                <a:spcPts val="1000"/>
+              </a:spcAft>
+              <a:buClr>
+                <a:schemeClr val="tx1"/>
+              </a:buClr>
+              <a:buSzPct val="100000"/>
+              <a:buFont typeface="Arial"/>
+              <a:buNone/>
+              <a:defRPr sz="1400" kern="1200" cap="none">
+                <a:solidFill>
+                  <a:schemeClr val="tx1">
+                    <a:tint val="75000"/>
+                  </a:schemeClr>
+                </a:solidFill>
+                <a:effectLst/>
+                <a:latin typeface="+mn-lt"/>
+                <a:ea typeface="+mn-ea"/>
+                <a:cs typeface="+mn-cs"/>
+              </a:defRPr>
+            </a:lvl5pPr>
+            <a:lvl6pPr marL="2286000" indent="0" algn="l" defTabSz="457200" rtl="0" eaLnBrk="1" latinLnBrk="0" hangingPunct="1">
+              <a:spcBef>
+                <a:spcPts val="0"/>
+              </a:spcBef>
+              <a:spcAft>
+                <a:spcPts val="1000"/>
+              </a:spcAft>
+              <a:buClr>
+                <a:schemeClr val="tx1"/>
+              </a:buClr>
+              <a:buSzPct val="100000"/>
+              <a:buFont typeface="Arial"/>
+              <a:buNone/>
+              <a:defRPr sz="1400" kern="1200" cap="none">
+                <a:solidFill>
+                  <a:schemeClr val="tx1">
+                    <a:tint val="75000"/>
+                  </a:schemeClr>
+                </a:solidFill>
+                <a:effectLst/>
+                <a:latin typeface="+mn-lt"/>
+                <a:ea typeface="+mn-ea"/>
+                <a:cs typeface="+mn-cs"/>
+              </a:defRPr>
+            </a:lvl6pPr>
+            <a:lvl7pPr marL="2743200" indent="0" algn="l" defTabSz="457200" rtl="0" eaLnBrk="1" latinLnBrk="0" hangingPunct="1">
+              <a:spcBef>
+                <a:spcPts val="0"/>
+              </a:spcBef>
+              <a:spcAft>
+                <a:spcPts val="1000"/>
+              </a:spcAft>
+              <a:buClr>
+                <a:schemeClr val="tx1"/>
+              </a:buClr>
+              <a:buSzPct val="100000"/>
+              <a:buFont typeface="Arial"/>
+              <a:buNone/>
+              <a:defRPr sz="1400" kern="1200" cap="none">
+                <a:solidFill>
+                  <a:schemeClr val="tx1">
+                    <a:tint val="75000"/>
+                  </a:schemeClr>
+                </a:solidFill>
+                <a:effectLst/>
+                <a:latin typeface="+mn-lt"/>
+                <a:ea typeface="+mn-ea"/>
+                <a:cs typeface="+mn-cs"/>
+              </a:defRPr>
+            </a:lvl7pPr>
+            <a:lvl8pPr marL="3200400" indent="0" algn="l" defTabSz="457200" rtl="0" eaLnBrk="1" latinLnBrk="0" hangingPunct="1">
+              <a:spcBef>
+                <a:spcPts val="0"/>
+              </a:spcBef>
+              <a:spcAft>
+                <a:spcPts val="1000"/>
+              </a:spcAft>
+              <a:buClr>
+                <a:schemeClr val="tx1"/>
+              </a:buClr>
+              <a:buSzPct val="100000"/>
+              <a:buFont typeface="Arial"/>
+              <a:buNone/>
+              <a:defRPr sz="1400" kern="1200" cap="none">
+                <a:solidFill>
+                  <a:schemeClr val="tx1">
+                    <a:tint val="75000"/>
+                  </a:schemeClr>
+                </a:solidFill>
+                <a:effectLst/>
+                <a:latin typeface="+mn-lt"/>
+                <a:ea typeface="+mn-ea"/>
+                <a:cs typeface="+mn-cs"/>
+              </a:defRPr>
+            </a:lvl8pPr>
+            <a:lvl9pPr marL="3657600" indent="0" algn="l" defTabSz="457200" rtl="0" eaLnBrk="1" latinLnBrk="0" hangingPunct="1">
+              <a:spcBef>
+                <a:spcPts val="0"/>
+              </a:spcBef>
+              <a:spcAft>
+                <a:spcPts val="1000"/>
+              </a:spcAft>
+              <a:buClr>
+                <a:schemeClr val="tx1"/>
+              </a:buClr>
+              <a:buSzPct val="100000"/>
+              <a:buFont typeface="Arial"/>
+              <a:buNone/>
+              <a:defRPr sz="1400" kern="1200" cap="none">
+                <a:solidFill>
+                  <a:schemeClr val="tx1">
+                    <a:tint val="75000"/>
+                  </a:schemeClr>
+                </a:solidFill>
+                <a:effectLst/>
+                <a:latin typeface="+mn-lt"/>
+                <a:ea typeface="+mn-ea"/>
+                <a:cs typeface="+mn-cs"/>
+              </a:defRPr>
+            </a:lvl9pPr>
+          </a:lstStyle>
+          <a:p>
+            <a:pPr algn="ctr"/>
+            <a:r>
+              <a:rPr lang="en-US" dirty="0"/>
+              <a:t>Smart, generic:</a:t>
+            </a:r>
+          </a:p>
+        </p:txBody>
+      </p:sp>
+      <p:sp>
+        <p:nvSpPr>
+          <p:cNvPr id="6" name="Rectangle 2">
+            <a:extLst>
+              <a:ext uri="{FF2B5EF4-FFF2-40B4-BE49-F238E27FC236}">
+                <a16:creationId xmlns:a16="http://schemas.microsoft.com/office/drawing/2014/main" id="{3BBE5D3F-9D06-497A-B3E6-805B23FB4236}"/>
+              </a:ext>
+            </a:extLst>
+          </p:cNvPr>
+          <p:cNvSpPr>
+            <a:spLocks noGrp="1" noChangeArrowheads="1"/>
+          </p:cNvSpPr>
+          <p:nvPr>
+            <p:ph type="body" idx="1"/>
+          </p:nvPr>
+        </p:nvSpPr>
+        <p:spPr bwMode="auto">
+          <a:xfrm>
+            <a:off x="410441" y="438586"/>
+            <a:ext cx="2967669" cy="6201698"/>
+          </a:xfrm>
+          <a:prstGeom prst="rect">
+            <a:avLst/>
+          </a:prstGeom>
+          <a:noFill/>
+          <a:ln w="9525">
+            <a:solidFill>
+              <a:schemeClr val="tx1"/>
+            </a:solidFill>
+            <a:miter lim="800000"/>
+            <a:headEnd/>
+            <a:tailEnd/>
+          </a:ln>
+          <a:effectLst/>
+          <a:extLst>
+            <a:ext uri="{909E8E84-426E-40DD-AFC4-6F175D3DCCD1}">
+              <a14:hiddenFill xmlns:a14="http://schemas.microsoft.com/office/drawing/2010/main">
+                <a:solidFill>
+                  <a:schemeClr val="accent1"/>
+                </a:solidFill>
+              </a14:hiddenFill>
+            </a:ext>
+            <a:ext uri="{AF507438-7753-43E0-B8FC-AC1667EBCBE1}">
+              <a14:hiddenEffects xmlns:a14="http://schemas.microsoft.com/office/drawing/2010/main">
+                <a:effectLst>
+                  <a:outerShdw dist="35921" dir="2700000" algn="ctr" rotWithShape="0">
+                    <a:schemeClr val="bg2"/>
+                  </a:outerShdw>
+                </a:effectLst>
+              </a14:hiddenEffects>
+            </a:ext>
+          </a:extLst>
+        </p:spPr>
+        <p:txBody>
+          <a:bodyPr vert="horz" wrap="square" lIns="0" tIns="0" rIns="0" bIns="0" numCol="1" anchor="ctr" anchorCtr="0" compatLnSpc="1">
+            <a:prstTxWarp prst="textNoShape">
+              <a:avLst/>
+            </a:prstTxWarp>
+            <a:spAutoFit/>
+          </a:bodyPr>
+          <a:lstStyle/>
+          <a:p>
+            <a:pPr marL="0" marR="0" lvl="0" indent="0" algn="l" defTabSz="914400" rtl="0" eaLnBrk="0" fontAlgn="base" latinLnBrk="0" hangingPunct="0">
+              <a:lnSpc>
+                <a:spcPct val="100000"/>
+              </a:lnSpc>
+              <a:spcBef>
+                <a:spcPct val="0"/>
+              </a:spcBef>
+              <a:spcAft>
+                <a:spcPct val="0"/>
+              </a:spcAft>
+              <a:buClrTx/>
+              <a:buSzTx/>
+              <a:buFontTx/>
+              <a:buNone/>
+              <a:tabLst/>
+            </a:pPr>
+            <a:r>
+              <a:rPr kumimoji="0" lang="en-US" altLang="en-US" sz="1300" b="0" i="0" u="none" strike="noStrike" cap="none" normalizeH="0" baseline="0" dirty="0">
+                <a:ln>
+                  <a:noFill/>
+                </a:ln>
+                <a:solidFill>
+                  <a:schemeClr val="accent1">
+                    <a:lumMod val="40000"/>
+                    <a:lumOff val="60000"/>
+                  </a:schemeClr>
+                </a:solidFill>
+                <a:effectLst/>
+                <a:latin typeface="inherit"/>
+              </a:rPr>
+              <a:t>    class Program</a:t>
+            </a:r>
+          </a:p>
+          <a:p>
+            <a:pPr marL="0" marR="0" lvl="0" indent="0" algn="l" defTabSz="914400" rtl="0" eaLnBrk="0" fontAlgn="base" latinLnBrk="0" hangingPunct="0">
+              <a:lnSpc>
+                <a:spcPct val="100000"/>
+              </a:lnSpc>
+              <a:spcBef>
+                <a:spcPct val="0"/>
+              </a:spcBef>
+              <a:spcAft>
+                <a:spcPct val="0"/>
+              </a:spcAft>
+              <a:buClrTx/>
+              <a:buSzTx/>
+              <a:buFontTx/>
+              <a:buNone/>
+              <a:tabLst/>
+            </a:pPr>
+            <a:r>
+              <a:rPr kumimoji="0" lang="en-US" altLang="en-US" sz="1300" b="0" i="0" u="none" strike="noStrike" cap="none" normalizeH="0" baseline="0" dirty="0">
+                <a:ln>
+                  <a:noFill/>
+                </a:ln>
+                <a:solidFill>
+                  <a:schemeClr val="accent1">
+                    <a:lumMod val="40000"/>
+                    <a:lumOff val="60000"/>
+                  </a:schemeClr>
+                </a:solidFill>
+                <a:effectLst/>
+                <a:latin typeface="inherit"/>
+              </a:rPr>
+              <a:t>    {</a:t>
+            </a:r>
+          </a:p>
+          <a:p>
+            <a:pPr marL="0" marR="0" lvl="0" indent="0" algn="l" defTabSz="914400" rtl="0" eaLnBrk="0" fontAlgn="base" latinLnBrk="0" hangingPunct="0">
+              <a:lnSpc>
+                <a:spcPct val="100000"/>
+              </a:lnSpc>
+              <a:spcBef>
+                <a:spcPct val="0"/>
+              </a:spcBef>
+              <a:spcAft>
+                <a:spcPct val="0"/>
+              </a:spcAft>
+              <a:buClrTx/>
+              <a:buSzTx/>
+              <a:buFontTx/>
+              <a:buNone/>
+              <a:tabLst/>
+            </a:pPr>
+            <a:r>
+              <a:rPr kumimoji="0" lang="en-US" altLang="en-US" sz="1300" b="0" i="0" u="none" strike="noStrike" cap="none" normalizeH="0" baseline="0" dirty="0">
+                <a:ln>
+                  <a:noFill/>
+                </a:ln>
+                <a:solidFill>
+                  <a:schemeClr val="accent1">
+                    <a:lumMod val="40000"/>
+                    <a:lumOff val="60000"/>
+                  </a:schemeClr>
+                </a:solidFill>
+                <a:effectLst/>
+                <a:latin typeface="inherit"/>
+              </a:rPr>
+              <a:t>        public interface </a:t>
+            </a:r>
+            <a:r>
+              <a:rPr kumimoji="0" lang="en-US" altLang="en-US" sz="1300" b="0" i="0" u="none" strike="noStrike" cap="none" normalizeH="0" baseline="0" dirty="0" err="1">
+                <a:ln>
+                  <a:noFill/>
+                </a:ln>
+                <a:solidFill>
+                  <a:schemeClr val="accent1">
+                    <a:lumMod val="40000"/>
+                    <a:lumOff val="60000"/>
+                  </a:schemeClr>
+                </a:solidFill>
+                <a:effectLst/>
+                <a:latin typeface="inherit"/>
+              </a:rPr>
+              <a:t>IPosition</a:t>
+            </a:r>
+            <a:endParaRPr kumimoji="0" lang="en-US" altLang="en-US" sz="1300" b="0" i="0" u="none" strike="noStrike" cap="none" normalizeH="0" baseline="0" dirty="0">
+              <a:ln>
+                <a:noFill/>
+              </a:ln>
+              <a:solidFill>
+                <a:schemeClr val="accent1">
+                  <a:lumMod val="40000"/>
+                  <a:lumOff val="60000"/>
+                </a:schemeClr>
+              </a:solidFill>
+              <a:effectLst/>
+              <a:latin typeface="inherit"/>
+            </a:endParaRPr>
+          </a:p>
+          <a:p>
+            <a:pPr marL="0" marR="0" lvl="0" indent="0" algn="l" defTabSz="914400" rtl="0" eaLnBrk="0" fontAlgn="base" latinLnBrk="0" hangingPunct="0">
+              <a:lnSpc>
+                <a:spcPct val="100000"/>
+              </a:lnSpc>
+              <a:spcBef>
+                <a:spcPct val="0"/>
+              </a:spcBef>
+              <a:spcAft>
+                <a:spcPct val="0"/>
+              </a:spcAft>
+              <a:buClrTx/>
+              <a:buSzTx/>
+              <a:buFontTx/>
+              <a:buNone/>
+              <a:tabLst/>
+            </a:pPr>
+            <a:r>
+              <a:rPr kumimoji="0" lang="en-US" altLang="en-US" sz="1300" b="0" i="0" u="none" strike="noStrike" cap="none" normalizeH="0" baseline="0" dirty="0">
+                <a:ln>
+                  <a:noFill/>
+                </a:ln>
+                <a:solidFill>
+                  <a:schemeClr val="accent1">
+                    <a:lumMod val="40000"/>
+                    <a:lumOff val="60000"/>
+                  </a:schemeClr>
+                </a:solidFill>
+                <a:effectLst/>
+                <a:latin typeface="inherit"/>
+              </a:rPr>
+              <a:t>        {</a:t>
+            </a:r>
+          </a:p>
+          <a:p>
+            <a:pPr marL="0" marR="0" lvl="0" indent="0" algn="l" defTabSz="914400" rtl="0" eaLnBrk="0" fontAlgn="base" latinLnBrk="0" hangingPunct="0">
+              <a:lnSpc>
+                <a:spcPct val="100000"/>
+              </a:lnSpc>
+              <a:spcBef>
+                <a:spcPct val="0"/>
+              </a:spcBef>
+              <a:spcAft>
+                <a:spcPct val="0"/>
+              </a:spcAft>
+              <a:buClrTx/>
+              <a:buSzTx/>
+              <a:buFontTx/>
+              <a:buNone/>
+              <a:tabLst/>
+            </a:pPr>
+            <a:r>
+              <a:rPr kumimoji="0" lang="en-US" altLang="en-US" sz="1300" b="0" i="0" u="none" strike="noStrike" cap="none" normalizeH="0" baseline="0" dirty="0">
+                <a:ln>
+                  <a:noFill/>
+                </a:ln>
+                <a:solidFill>
+                  <a:schemeClr val="accent1">
+                    <a:lumMod val="40000"/>
+                    <a:lumOff val="60000"/>
+                  </a:schemeClr>
+                </a:solidFill>
+                <a:effectLst/>
+                <a:latin typeface="inherit"/>
+              </a:rPr>
+              <a:t>            string Title { get; }</a:t>
+            </a:r>
+          </a:p>
+          <a:p>
+            <a:pPr marL="0" marR="0" lvl="0" indent="0" algn="l" defTabSz="914400" rtl="0" eaLnBrk="0" fontAlgn="base" latinLnBrk="0" hangingPunct="0">
+              <a:lnSpc>
+                <a:spcPct val="100000"/>
+              </a:lnSpc>
+              <a:spcBef>
+                <a:spcPct val="0"/>
+              </a:spcBef>
+              <a:spcAft>
+                <a:spcPct val="0"/>
+              </a:spcAft>
+              <a:buClrTx/>
+              <a:buSzTx/>
+              <a:buFontTx/>
+              <a:buNone/>
+              <a:tabLst/>
+            </a:pPr>
+            <a:r>
+              <a:rPr kumimoji="0" lang="en-US" altLang="en-US" sz="1300" b="0" i="0" u="none" strike="noStrike" cap="none" normalizeH="0" baseline="0" dirty="0">
+                <a:ln>
+                  <a:noFill/>
+                </a:ln>
+                <a:solidFill>
+                  <a:schemeClr val="accent1">
+                    <a:lumMod val="40000"/>
+                    <a:lumOff val="60000"/>
+                  </a:schemeClr>
+                </a:solidFill>
+                <a:effectLst/>
+                <a:latin typeface="inherit"/>
+              </a:rPr>
+              <a:t>        }</a:t>
+            </a:r>
+          </a:p>
+          <a:p>
+            <a:pPr marL="0" marR="0" lvl="0" indent="0" algn="l" defTabSz="914400" rtl="0" eaLnBrk="0" fontAlgn="base" latinLnBrk="0" hangingPunct="0">
+              <a:lnSpc>
+                <a:spcPct val="100000"/>
+              </a:lnSpc>
+              <a:spcBef>
+                <a:spcPct val="0"/>
+              </a:spcBef>
+              <a:spcAft>
+                <a:spcPct val="0"/>
+              </a:spcAft>
+              <a:buClrTx/>
+              <a:buSzTx/>
+              <a:buFontTx/>
+              <a:buNone/>
+              <a:tabLst/>
+            </a:pPr>
+            <a:endParaRPr kumimoji="0" lang="en-US" altLang="en-US" sz="1300" b="0" i="0" u="none" strike="noStrike" cap="none" normalizeH="0" baseline="0" dirty="0">
+              <a:ln>
+                <a:noFill/>
+              </a:ln>
+              <a:solidFill>
+                <a:schemeClr val="accent1">
+                  <a:lumMod val="40000"/>
+                  <a:lumOff val="60000"/>
+                </a:schemeClr>
+              </a:solidFill>
+              <a:effectLst/>
+              <a:latin typeface="inherit"/>
+            </a:endParaRPr>
+          </a:p>
+          <a:p>
+            <a:pPr marL="0" marR="0" lvl="0" indent="0" algn="l" defTabSz="914400" rtl="0" eaLnBrk="0" fontAlgn="base" latinLnBrk="0" hangingPunct="0">
+              <a:lnSpc>
+                <a:spcPct val="100000"/>
+              </a:lnSpc>
+              <a:spcBef>
+                <a:spcPct val="0"/>
+              </a:spcBef>
+              <a:spcAft>
+                <a:spcPct val="0"/>
+              </a:spcAft>
+              <a:buClrTx/>
+              <a:buSzTx/>
+              <a:buFontTx/>
+              <a:buNone/>
+              <a:tabLst/>
+            </a:pPr>
+            <a:r>
+              <a:rPr kumimoji="0" lang="en-US" altLang="en-US" sz="1300" b="0" i="0" u="none" strike="noStrike" cap="none" normalizeH="0" baseline="0" dirty="0">
+                <a:ln>
+                  <a:noFill/>
+                </a:ln>
+                <a:solidFill>
+                  <a:schemeClr val="accent1">
+                    <a:lumMod val="40000"/>
+                    <a:lumOff val="60000"/>
+                  </a:schemeClr>
+                </a:solidFill>
+                <a:effectLst/>
+                <a:latin typeface="inherit"/>
+              </a:rPr>
+              <a:t>        class Manager : </a:t>
+            </a:r>
+            <a:r>
+              <a:rPr kumimoji="0" lang="en-US" altLang="en-US" sz="1300" b="0" i="0" u="none" strike="noStrike" cap="none" normalizeH="0" baseline="0" dirty="0" err="1">
+                <a:ln>
+                  <a:noFill/>
+                </a:ln>
+                <a:solidFill>
+                  <a:schemeClr val="accent1">
+                    <a:lumMod val="40000"/>
+                    <a:lumOff val="60000"/>
+                  </a:schemeClr>
+                </a:solidFill>
+                <a:effectLst/>
+                <a:latin typeface="inherit"/>
+              </a:rPr>
+              <a:t>IPosition</a:t>
+            </a:r>
+            <a:endParaRPr kumimoji="0" lang="en-US" altLang="en-US" sz="1300" b="0" i="0" u="none" strike="noStrike" cap="none" normalizeH="0" baseline="0" dirty="0">
+              <a:ln>
+                <a:noFill/>
+              </a:ln>
+              <a:solidFill>
+                <a:schemeClr val="accent1">
+                  <a:lumMod val="40000"/>
+                  <a:lumOff val="60000"/>
+                </a:schemeClr>
+              </a:solidFill>
+              <a:effectLst/>
+              <a:latin typeface="inherit"/>
+            </a:endParaRPr>
+          </a:p>
+          <a:p>
+            <a:pPr marL="0" marR="0" lvl="0" indent="0" algn="l" defTabSz="914400" rtl="0" eaLnBrk="0" fontAlgn="base" latinLnBrk="0" hangingPunct="0">
+              <a:lnSpc>
+                <a:spcPct val="100000"/>
+              </a:lnSpc>
+              <a:spcBef>
+                <a:spcPct val="0"/>
+              </a:spcBef>
+              <a:spcAft>
+                <a:spcPct val="0"/>
+              </a:spcAft>
+              <a:buClrTx/>
+              <a:buSzTx/>
+              <a:buFontTx/>
+              <a:buNone/>
+              <a:tabLst/>
+            </a:pPr>
+            <a:r>
+              <a:rPr kumimoji="0" lang="en-US" altLang="en-US" sz="1300" b="0" i="0" u="none" strike="noStrike" cap="none" normalizeH="0" baseline="0" dirty="0">
+                <a:ln>
+                  <a:noFill/>
+                </a:ln>
+                <a:solidFill>
+                  <a:schemeClr val="accent1">
+                    <a:lumMod val="40000"/>
+                    <a:lumOff val="60000"/>
+                  </a:schemeClr>
+                </a:solidFill>
+                <a:effectLst/>
+                <a:latin typeface="inherit"/>
+              </a:rPr>
+              <a:t>        {</a:t>
+            </a:r>
+          </a:p>
+          <a:p>
+            <a:pPr marL="0" marR="0" lvl="0" indent="0" algn="l" defTabSz="914400" rtl="0" eaLnBrk="0" fontAlgn="base" latinLnBrk="0" hangingPunct="0">
+              <a:lnSpc>
+                <a:spcPct val="100000"/>
+              </a:lnSpc>
+              <a:spcBef>
+                <a:spcPct val="0"/>
+              </a:spcBef>
+              <a:spcAft>
+                <a:spcPct val="0"/>
+              </a:spcAft>
+              <a:buClrTx/>
+              <a:buSzTx/>
+              <a:buFontTx/>
+              <a:buNone/>
+              <a:tabLst/>
+            </a:pPr>
+            <a:r>
+              <a:rPr kumimoji="0" lang="en-US" altLang="en-US" sz="1300" b="0" i="0" u="none" strike="noStrike" cap="none" normalizeH="0" baseline="0" dirty="0">
+                <a:ln>
+                  <a:noFill/>
+                </a:ln>
+                <a:solidFill>
+                  <a:schemeClr val="accent1">
+                    <a:lumMod val="40000"/>
+                    <a:lumOff val="60000"/>
+                  </a:schemeClr>
+                </a:solidFill>
+                <a:effectLst/>
+                <a:latin typeface="inherit"/>
+              </a:rPr>
+              <a:t>            public string Title</a:t>
+            </a:r>
+          </a:p>
+          <a:p>
+            <a:pPr marL="0" marR="0" lvl="0" indent="0" algn="l" defTabSz="914400" rtl="0" eaLnBrk="0" fontAlgn="base" latinLnBrk="0" hangingPunct="0">
+              <a:lnSpc>
+                <a:spcPct val="100000"/>
+              </a:lnSpc>
+              <a:spcBef>
+                <a:spcPct val="0"/>
+              </a:spcBef>
+              <a:spcAft>
+                <a:spcPct val="0"/>
+              </a:spcAft>
+              <a:buClrTx/>
+              <a:buSzTx/>
+              <a:buFontTx/>
+              <a:buNone/>
+              <a:tabLst/>
+            </a:pPr>
+            <a:r>
+              <a:rPr kumimoji="0" lang="en-US" altLang="en-US" sz="1300" b="0" i="0" u="none" strike="noStrike" cap="none" normalizeH="0" baseline="0" dirty="0">
+                <a:ln>
+                  <a:noFill/>
+                </a:ln>
+                <a:solidFill>
+                  <a:schemeClr val="accent1">
+                    <a:lumMod val="40000"/>
+                    <a:lumOff val="60000"/>
+                  </a:schemeClr>
+                </a:solidFill>
+                <a:effectLst/>
+                <a:latin typeface="inherit"/>
+              </a:rPr>
+              <a:t>            {</a:t>
+            </a:r>
+          </a:p>
+          <a:p>
+            <a:pPr marL="0" marR="0" lvl="0" indent="0" algn="l" defTabSz="914400" rtl="0" eaLnBrk="0" fontAlgn="base" latinLnBrk="0" hangingPunct="0">
+              <a:lnSpc>
+                <a:spcPct val="100000"/>
+              </a:lnSpc>
+              <a:spcBef>
+                <a:spcPct val="0"/>
+              </a:spcBef>
+              <a:spcAft>
+                <a:spcPct val="0"/>
+              </a:spcAft>
+              <a:buClrTx/>
+              <a:buSzTx/>
+              <a:buFontTx/>
+              <a:buNone/>
+              <a:tabLst/>
+            </a:pPr>
+            <a:r>
+              <a:rPr kumimoji="0" lang="en-US" altLang="en-US" sz="1300" b="0" i="0" u="none" strike="noStrike" cap="none" normalizeH="0" baseline="0" dirty="0">
+                <a:ln>
+                  <a:noFill/>
+                </a:ln>
+                <a:solidFill>
+                  <a:schemeClr val="accent1">
+                    <a:lumMod val="40000"/>
+                    <a:lumOff val="60000"/>
+                  </a:schemeClr>
+                </a:solidFill>
+                <a:effectLst/>
+                <a:latin typeface="inherit"/>
+              </a:rPr>
+              <a:t>                get { return "Manager"; }</a:t>
+            </a:r>
+          </a:p>
+          <a:p>
+            <a:pPr marL="0" marR="0" lvl="0" indent="0" algn="l" defTabSz="914400" rtl="0" eaLnBrk="0" fontAlgn="base" latinLnBrk="0" hangingPunct="0">
+              <a:lnSpc>
+                <a:spcPct val="100000"/>
+              </a:lnSpc>
+              <a:spcBef>
+                <a:spcPct val="0"/>
+              </a:spcBef>
+              <a:spcAft>
+                <a:spcPct val="0"/>
+              </a:spcAft>
+              <a:buClrTx/>
+              <a:buSzTx/>
+              <a:buFontTx/>
+              <a:buNone/>
+              <a:tabLst/>
+            </a:pPr>
+            <a:r>
+              <a:rPr kumimoji="0" lang="en-US" altLang="en-US" sz="1300" b="0" i="0" u="none" strike="noStrike" cap="none" normalizeH="0" baseline="0" dirty="0">
+                <a:ln>
+                  <a:noFill/>
+                </a:ln>
+                <a:solidFill>
+                  <a:schemeClr val="accent1">
+                    <a:lumMod val="40000"/>
+                    <a:lumOff val="60000"/>
+                  </a:schemeClr>
+                </a:solidFill>
+                <a:effectLst/>
+                <a:latin typeface="inherit"/>
+              </a:rPr>
+              <a:t>            }</a:t>
+            </a:r>
+          </a:p>
+          <a:p>
+            <a:pPr marL="0" marR="0" lvl="0" indent="0" algn="l" defTabSz="914400" rtl="0" eaLnBrk="0" fontAlgn="base" latinLnBrk="0" hangingPunct="0">
+              <a:lnSpc>
+                <a:spcPct val="100000"/>
+              </a:lnSpc>
+              <a:spcBef>
+                <a:spcPct val="0"/>
+              </a:spcBef>
+              <a:spcAft>
+                <a:spcPct val="0"/>
+              </a:spcAft>
+              <a:buClrTx/>
+              <a:buSzTx/>
+              <a:buFontTx/>
+              <a:buNone/>
+              <a:tabLst/>
+            </a:pPr>
+            <a:r>
+              <a:rPr kumimoji="0" lang="en-US" altLang="en-US" sz="1300" b="0" i="0" u="none" strike="noStrike" cap="none" normalizeH="0" baseline="0" dirty="0">
+                <a:ln>
+                  <a:noFill/>
+                </a:ln>
+                <a:solidFill>
+                  <a:schemeClr val="accent1">
+                    <a:lumMod val="40000"/>
+                    <a:lumOff val="60000"/>
+                  </a:schemeClr>
+                </a:solidFill>
+                <a:effectLst/>
+                <a:latin typeface="inherit"/>
+              </a:rPr>
+              <a:t>        }</a:t>
+            </a:r>
+          </a:p>
+          <a:p>
+            <a:pPr marL="0" marR="0" lvl="0" indent="0" algn="l" defTabSz="914400" rtl="0" eaLnBrk="0" fontAlgn="base" latinLnBrk="0" hangingPunct="0">
+              <a:lnSpc>
+                <a:spcPct val="100000"/>
+              </a:lnSpc>
+              <a:spcBef>
+                <a:spcPct val="0"/>
+              </a:spcBef>
+              <a:spcAft>
+                <a:spcPct val="0"/>
+              </a:spcAft>
+              <a:buClrTx/>
+              <a:buSzTx/>
+              <a:buFontTx/>
+              <a:buNone/>
+              <a:tabLst/>
+            </a:pPr>
+            <a:endParaRPr kumimoji="0" lang="en-US" altLang="en-US" sz="1300" b="0" i="0" u="none" strike="noStrike" cap="none" normalizeH="0" baseline="0" dirty="0">
+              <a:ln>
+                <a:noFill/>
+              </a:ln>
+              <a:solidFill>
+                <a:schemeClr val="accent1">
+                  <a:lumMod val="40000"/>
+                  <a:lumOff val="60000"/>
+                </a:schemeClr>
+              </a:solidFill>
+              <a:effectLst/>
+              <a:latin typeface="inherit"/>
+            </a:endParaRPr>
+          </a:p>
+          <a:p>
+            <a:pPr marL="0" marR="0" lvl="0" indent="0" algn="l" defTabSz="914400" rtl="0" eaLnBrk="0" fontAlgn="base" latinLnBrk="0" hangingPunct="0">
+              <a:lnSpc>
+                <a:spcPct val="100000"/>
+              </a:lnSpc>
+              <a:spcBef>
+                <a:spcPct val="0"/>
+              </a:spcBef>
+              <a:spcAft>
+                <a:spcPct val="0"/>
+              </a:spcAft>
+              <a:buClrTx/>
+              <a:buSzTx/>
+              <a:buFontTx/>
+              <a:buNone/>
+              <a:tabLst/>
+            </a:pPr>
+            <a:r>
+              <a:rPr kumimoji="0" lang="en-US" altLang="en-US" sz="1300" b="0" i="0" u="none" strike="noStrike" cap="none" normalizeH="0" baseline="0" dirty="0">
+                <a:ln>
+                  <a:noFill/>
+                </a:ln>
+                <a:solidFill>
+                  <a:schemeClr val="accent1">
+                    <a:lumMod val="40000"/>
+                    <a:lumOff val="60000"/>
+                  </a:schemeClr>
+                </a:solidFill>
+                <a:effectLst/>
+                <a:latin typeface="inherit"/>
+              </a:rPr>
+              <a:t>        class Clerk : </a:t>
+            </a:r>
+            <a:r>
+              <a:rPr kumimoji="0" lang="en-US" altLang="en-US" sz="1300" b="0" i="0" u="none" strike="noStrike" cap="none" normalizeH="0" baseline="0" dirty="0" err="1">
+                <a:ln>
+                  <a:noFill/>
+                </a:ln>
+                <a:solidFill>
+                  <a:schemeClr val="accent1">
+                    <a:lumMod val="40000"/>
+                    <a:lumOff val="60000"/>
+                  </a:schemeClr>
+                </a:solidFill>
+                <a:effectLst/>
+                <a:latin typeface="inherit"/>
+              </a:rPr>
+              <a:t>IPosition</a:t>
+            </a:r>
+            <a:endParaRPr kumimoji="0" lang="en-US" altLang="en-US" sz="1300" b="0" i="0" u="none" strike="noStrike" cap="none" normalizeH="0" baseline="0" dirty="0">
+              <a:ln>
+                <a:noFill/>
+              </a:ln>
+              <a:solidFill>
+                <a:schemeClr val="accent1">
+                  <a:lumMod val="40000"/>
+                  <a:lumOff val="60000"/>
+                </a:schemeClr>
+              </a:solidFill>
+              <a:effectLst/>
+              <a:latin typeface="inherit"/>
+            </a:endParaRPr>
+          </a:p>
+          <a:p>
+            <a:pPr marL="0" marR="0" lvl="0" indent="0" algn="l" defTabSz="914400" rtl="0" eaLnBrk="0" fontAlgn="base" latinLnBrk="0" hangingPunct="0">
+              <a:lnSpc>
+                <a:spcPct val="100000"/>
+              </a:lnSpc>
+              <a:spcBef>
+                <a:spcPct val="0"/>
+              </a:spcBef>
+              <a:spcAft>
+                <a:spcPct val="0"/>
+              </a:spcAft>
+              <a:buClrTx/>
+              <a:buSzTx/>
+              <a:buFontTx/>
+              <a:buNone/>
+              <a:tabLst/>
+            </a:pPr>
+            <a:r>
+              <a:rPr kumimoji="0" lang="en-US" altLang="en-US" sz="1300" b="0" i="0" u="none" strike="noStrike" cap="none" normalizeH="0" baseline="0" dirty="0">
+                <a:ln>
+                  <a:noFill/>
+                </a:ln>
+                <a:solidFill>
+                  <a:schemeClr val="accent1">
+                    <a:lumMod val="40000"/>
+                    <a:lumOff val="60000"/>
+                  </a:schemeClr>
+                </a:solidFill>
+                <a:effectLst/>
+                <a:latin typeface="inherit"/>
+              </a:rPr>
+              <a:t>        {</a:t>
+            </a:r>
+          </a:p>
+          <a:p>
+            <a:pPr marL="0" marR="0" lvl="0" indent="0" algn="l" defTabSz="914400" rtl="0" eaLnBrk="0" fontAlgn="base" latinLnBrk="0" hangingPunct="0">
+              <a:lnSpc>
+                <a:spcPct val="100000"/>
+              </a:lnSpc>
+              <a:spcBef>
+                <a:spcPct val="0"/>
+              </a:spcBef>
+              <a:spcAft>
+                <a:spcPct val="0"/>
+              </a:spcAft>
+              <a:buClrTx/>
+              <a:buSzTx/>
+              <a:buFontTx/>
+              <a:buNone/>
+              <a:tabLst/>
+            </a:pPr>
+            <a:r>
+              <a:rPr kumimoji="0" lang="en-US" altLang="en-US" sz="1300" b="0" i="0" u="none" strike="noStrike" cap="none" normalizeH="0" baseline="0" dirty="0">
+                <a:ln>
+                  <a:noFill/>
+                </a:ln>
+                <a:solidFill>
+                  <a:schemeClr val="accent1">
+                    <a:lumMod val="40000"/>
+                    <a:lumOff val="60000"/>
+                  </a:schemeClr>
+                </a:solidFill>
+                <a:effectLst/>
+                <a:latin typeface="inherit"/>
+              </a:rPr>
+              <a:t>            public string Title</a:t>
+            </a:r>
+          </a:p>
+          <a:p>
+            <a:pPr marL="0" marR="0" lvl="0" indent="0" algn="l" defTabSz="914400" rtl="0" eaLnBrk="0" fontAlgn="base" latinLnBrk="0" hangingPunct="0">
+              <a:lnSpc>
+                <a:spcPct val="100000"/>
+              </a:lnSpc>
+              <a:spcBef>
+                <a:spcPct val="0"/>
+              </a:spcBef>
+              <a:spcAft>
+                <a:spcPct val="0"/>
+              </a:spcAft>
+              <a:buClrTx/>
+              <a:buSzTx/>
+              <a:buFontTx/>
+              <a:buNone/>
+              <a:tabLst/>
+            </a:pPr>
+            <a:r>
+              <a:rPr kumimoji="0" lang="en-US" altLang="en-US" sz="1300" b="0" i="0" u="none" strike="noStrike" cap="none" normalizeH="0" baseline="0" dirty="0">
+                <a:ln>
+                  <a:noFill/>
+                </a:ln>
+                <a:solidFill>
+                  <a:schemeClr val="accent1">
+                    <a:lumMod val="40000"/>
+                    <a:lumOff val="60000"/>
+                  </a:schemeClr>
+                </a:solidFill>
+                <a:effectLst/>
+                <a:latin typeface="inherit"/>
+              </a:rPr>
+              <a:t>            {</a:t>
+            </a:r>
+          </a:p>
+          <a:p>
+            <a:pPr marL="0" marR="0" lvl="0" indent="0" algn="l" defTabSz="914400" rtl="0" eaLnBrk="0" fontAlgn="base" latinLnBrk="0" hangingPunct="0">
+              <a:lnSpc>
+                <a:spcPct val="100000"/>
+              </a:lnSpc>
+              <a:spcBef>
+                <a:spcPct val="0"/>
+              </a:spcBef>
+              <a:spcAft>
+                <a:spcPct val="0"/>
+              </a:spcAft>
+              <a:buClrTx/>
+              <a:buSzTx/>
+              <a:buFontTx/>
+              <a:buNone/>
+              <a:tabLst/>
+            </a:pPr>
+            <a:r>
+              <a:rPr kumimoji="0" lang="en-US" altLang="en-US" sz="1300" b="0" i="0" u="none" strike="noStrike" cap="none" normalizeH="0" baseline="0" dirty="0">
+                <a:ln>
+                  <a:noFill/>
+                </a:ln>
+                <a:solidFill>
+                  <a:schemeClr val="accent1">
+                    <a:lumMod val="40000"/>
+                    <a:lumOff val="60000"/>
+                  </a:schemeClr>
+                </a:solidFill>
+                <a:effectLst/>
+                <a:latin typeface="inherit"/>
+              </a:rPr>
+              <a:t>                get { return "Clerk"; }</a:t>
+            </a:r>
+          </a:p>
+          <a:p>
+            <a:pPr marL="0" marR="0" lvl="0" indent="0" algn="l" defTabSz="914400" rtl="0" eaLnBrk="0" fontAlgn="base" latinLnBrk="0" hangingPunct="0">
+              <a:lnSpc>
+                <a:spcPct val="100000"/>
+              </a:lnSpc>
+              <a:spcBef>
+                <a:spcPct val="0"/>
+              </a:spcBef>
+              <a:spcAft>
+                <a:spcPct val="0"/>
+              </a:spcAft>
+              <a:buClrTx/>
+              <a:buSzTx/>
+              <a:buFontTx/>
+              <a:buNone/>
+              <a:tabLst/>
+            </a:pPr>
+            <a:r>
+              <a:rPr kumimoji="0" lang="en-US" altLang="en-US" sz="1300" b="0" i="0" u="none" strike="noStrike" cap="none" normalizeH="0" baseline="0" dirty="0">
+                <a:ln>
+                  <a:noFill/>
+                </a:ln>
+                <a:solidFill>
+                  <a:schemeClr val="accent1">
+                    <a:lumMod val="40000"/>
+                    <a:lumOff val="60000"/>
+                  </a:schemeClr>
+                </a:solidFill>
+                <a:effectLst/>
+                <a:latin typeface="inherit"/>
+              </a:rPr>
+              <a:t>            }</a:t>
+            </a:r>
+          </a:p>
+          <a:p>
+            <a:pPr marL="0" marR="0" lvl="0" indent="0" algn="l" defTabSz="914400" rtl="0" eaLnBrk="0" fontAlgn="base" latinLnBrk="0" hangingPunct="0">
+              <a:lnSpc>
+                <a:spcPct val="100000"/>
+              </a:lnSpc>
+              <a:spcBef>
+                <a:spcPct val="0"/>
+              </a:spcBef>
+              <a:spcAft>
+                <a:spcPct val="0"/>
+              </a:spcAft>
+              <a:buClrTx/>
+              <a:buSzTx/>
+              <a:buFontTx/>
+              <a:buNone/>
+              <a:tabLst/>
+            </a:pPr>
+            <a:r>
+              <a:rPr kumimoji="0" lang="en-US" altLang="en-US" sz="1300" b="0" i="0" u="none" strike="noStrike" cap="none" normalizeH="0" baseline="0" dirty="0">
+                <a:ln>
+                  <a:noFill/>
+                </a:ln>
+                <a:solidFill>
+                  <a:schemeClr val="accent1">
+                    <a:lumMod val="40000"/>
+                    <a:lumOff val="60000"/>
+                  </a:schemeClr>
+                </a:solidFill>
+                <a:effectLst/>
+                <a:latin typeface="inherit"/>
+              </a:rPr>
+              <a:t>        }</a:t>
+            </a:r>
+          </a:p>
+          <a:p>
+            <a:pPr marL="0" marR="0" lvl="0" indent="0" algn="l" defTabSz="914400" rtl="0" eaLnBrk="0" fontAlgn="base" latinLnBrk="0" hangingPunct="0">
+              <a:lnSpc>
+                <a:spcPct val="100000"/>
+              </a:lnSpc>
+              <a:spcBef>
+                <a:spcPct val="0"/>
+              </a:spcBef>
+              <a:spcAft>
+                <a:spcPct val="0"/>
+              </a:spcAft>
+              <a:buClrTx/>
+              <a:buSzTx/>
+              <a:buFontTx/>
+              <a:buNone/>
+              <a:tabLst/>
+            </a:pPr>
+            <a:endParaRPr kumimoji="0" lang="en-US" altLang="en-US" sz="1300" b="0" i="0" u="none" strike="noStrike" cap="none" normalizeH="0" baseline="0" dirty="0">
+              <a:ln>
+                <a:noFill/>
+              </a:ln>
+              <a:solidFill>
+                <a:schemeClr val="accent1">
+                  <a:lumMod val="40000"/>
+                  <a:lumOff val="60000"/>
+                </a:schemeClr>
+              </a:solidFill>
+              <a:effectLst/>
+              <a:latin typeface="inherit"/>
+            </a:endParaRPr>
+          </a:p>
+          <a:p>
+            <a:pPr marL="0" marR="0" lvl="0" indent="0" algn="l" defTabSz="914400" rtl="0" eaLnBrk="0" fontAlgn="base" latinLnBrk="0" hangingPunct="0">
+              <a:lnSpc>
+                <a:spcPct val="100000"/>
+              </a:lnSpc>
+              <a:spcBef>
+                <a:spcPct val="0"/>
+              </a:spcBef>
+              <a:spcAft>
+                <a:spcPct val="0"/>
+              </a:spcAft>
+              <a:buClrTx/>
+              <a:buSzTx/>
+              <a:buFontTx/>
+              <a:buNone/>
+              <a:tabLst/>
+            </a:pPr>
+            <a:r>
+              <a:rPr kumimoji="0" lang="en-US" altLang="en-US" sz="1300" b="0" i="0" u="none" strike="noStrike" cap="none" normalizeH="0" baseline="0" dirty="0">
+                <a:ln>
+                  <a:noFill/>
+                </a:ln>
+                <a:solidFill>
+                  <a:schemeClr val="accent1">
+                    <a:lumMod val="40000"/>
+                    <a:lumOff val="60000"/>
+                  </a:schemeClr>
+                </a:solidFill>
+                <a:effectLst/>
+                <a:latin typeface="inherit"/>
+              </a:rPr>
+              <a:t>        class Programmer : </a:t>
+            </a:r>
+            <a:r>
+              <a:rPr kumimoji="0" lang="en-US" altLang="en-US" sz="1300" b="0" i="0" u="none" strike="noStrike" cap="none" normalizeH="0" baseline="0" dirty="0" err="1">
+                <a:ln>
+                  <a:noFill/>
+                </a:ln>
+                <a:solidFill>
+                  <a:schemeClr val="accent1">
+                    <a:lumMod val="40000"/>
+                    <a:lumOff val="60000"/>
+                  </a:schemeClr>
+                </a:solidFill>
+                <a:effectLst/>
+                <a:latin typeface="inherit"/>
+              </a:rPr>
+              <a:t>IPosition</a:t>
+            </a:r>
+            <a:endParaRPr kumimoji="0" lang="en-US" altLang="en-US" sz="1300" b="0" i="0" u="none" strike="noStrike" cap="none" normalizeH="0" baseline="0" dirty="0">
+              <a:ln>
+                <a:noFill/>
+              </a:ln>
+              <a:solidFill>
+                <a:schemeClr val="accent1">
+                  <a:lumMod val="40000"/>
+                  <a:lumOff val="60000"/>
+                </a:schemeClr>
+              </a:solidFill>
+              <a:effectLst/>
+              <a:latin typeface="inherit"/>
+            </a:endParaRPr>
+          </a:p>
+          <a:p>
+            <a:pPr marL="0" marR="0" lvl="0" indent="0" algn="l" defTabSz="914400" rtl="0" eaLnBrk="0" fontAlgn="base" latinLnBrk="0" hangingPunct="0">
+              <a:lnSpc>
+                <a:spcPct val="100000"/>
+              </a:lnSpc>
+              <a:spcBef>
+                <a:spcPct val="0"/>
+              </a:spcBef>
+              <a:spcAft>
+                <a:spcPct val="0"/>
+              </a:spcAft>
+              <a:buClrTx/>
+              <a:buSzTx/>
+              <a:buFontTx/>
+              <a:buNone/>
+              <a:tabLst/>
+            </a:pPr>
+            <a:r>
+              <a:rPr kumimoji="0" lang="en-US" altLang="en-US" sz="1300" b="0" i="0" u="none" strike="noStrike" cap="none" normalizeH="0" baseline="0" dirty="0">
+                <a:ln>
+                  <a:noFill/>
+                </a:ln>
+                <a:solidFill>
+                  <a:schemeClr val="accent1">
+                    <a:lumMod val="40000"/>
+                    <a:lumOff val="60000"/>
+                  </a:schemeClr>
+                </a:solidFill>
+                <a:effectLst/>
+                <a:latin typeface="inherit"/>
+              </a:rPr>
+              <a:t>        {</a:t>
+            </a:r>
+          </a:p>
+          <a:p>
+            <a:pPr marL="0" marR="0" lvl="0" indent="0" algn="l" defTabSz="914400" rtl="0" eaLnBrk="0" fontAlgn="base" latinLnBrk="0" hangingPunct="0">
+              <a:lnSpc>
+                <a:spcPct val="100000"/>
+              </a:lnSpc>
+              <a:spcBef>
+                <a:spcPct val="0"/>
+              </a:spcBef>
+              <a:spcAft>
+                <a:spcPct val="0"/>
+              </a:spcAft>
+              <a:buClrTx/>
+              <a:buSzTx/>
+              <a:buFontTx/>
+              <a:buNone/>
+              <a:tabLst/>
+            </a:pPr>
+            <a:r>
+              <a:rPr kumimoji="0" lang="en-US" altLang="en-US" sz="1300" b="0" i="0" u="none" strike="noStrike" cap="none" normalizeH="0" baseline="0" dirty="0">
+                <a:ln>
+                  <a:noFill/>
+                </a:ln>
+                <a:solidFill>
+                  <a:schemeClr val="accent1">
+                    <a:lumMod val="40000"/>
+                    <a:lumOff val="60000"/>
+                  </a:schemeClr>
+                </a:solidFill>
+                <a:effectLst/>
+                <a:latin typeface="inherit"/>
+              </a:rPr>
+              <a:t>            public string Title</a:t>
+            </a:r>
+          </a:p>
+          <a:p>
+            <a:pPr marL="0" marR="0" lvl="0" indent="0" algn="l" defTabSz="914400" rtl="0" eaLnBrk="0" fontAlgn="base" latinLnBrk="0" hangingPunct="0">
+              <a:lnSpc>
+                <a:spcPct val="100000"/>
+              </a:lnSpc>
+              <a:spcBef>
+                <a:spcPct val="0"/>
+              </a:spcBef>
+              <a:spcAft>
+                <a:spcPct val="0"/>
+              </a:spcAft>
+              <a:buClrTx/>
+              <a:buSzTx/>
+              <a:buFontTx/>
+              <a:buNone/>
+              <a:tabLst/>
+            </a:pPr>
+            <a:r>
+              <a:rPr kumimoji="0" lang="en-US" altLang="en-US" sz="1300" b="0" i="0" u="none" strike="noStrike" cap="none" normalizeH="0" baseline="0" dirty="0">
+                <a:ln>
+                  <a:noFill/>
+                </a:ln>
+                <a:solidFill>
+                  <a:schemeClr val="accent1">
+                    <a:lumMod val="40000"/>
+                    <a:lumOff val="60000"/>
+                  </a:schemeClr>
+                </a:solidFill>
+                <a:effectLst/>
+                <a:latin typeface="inherit"/>
+              </a:rPr>
+              <a:t>            {</a:t>
+            </a:r>
+          </a:p>
+          <a:p>
+            <a:pPr marL="0" marR="0" lvl="0" indent="0" algn="l" defTabSz="914400" rtl="0" eaLnBrk="0" fontAlgn="base" latinLnBrk="0" hangingPunct="0">
+              <a:lnSpc>
+                <a:spcPct val="100000"/>
+              </a:lnSpc>
+              <a:spcBef>
+                <a:spcPct val="0"/>
+              </a:spcBef>
+              <a:spcAft>
+                <a:spcPct val="0"/>
+              </a:spcAft>
+              <a:buClrTx/>
+              <a:buSzTx/>
+              <a:buFontTx/>
+              <a:buNone/>
+              <a:tabLst/>
+            </a:pPr>
+            <a:r>
+              <a:rPr kumimoji="0" lang="en-US" altLang="en-US" sz="1300" b="0" i="0" u="none" strike="noStrike" cap="none" normalizeH="0" baseline="0" dirty="0">
+                <a:ln>
+                  <a:noFill/>
+                </a:ln>
+                <a:solidFill>
+                  <a:schemeClr val="accent1">
+                    <a:lumMod val="40000"/>
+                    <a:lumOff val="60000"/>
+                  </a:schemeClr>
+                </a:solidFill>
+                <a:effectLst/>
+                <a:latin typeface="inherit"/>
+              </a:rPr>
+              <a:t>                get { return "Programmer"; }</a:t>
+            </a:r>
+          </a:p>
+          <a:p>
+            <a:pPr marL="0" marR="0" lvl="0" indent="0" algn="l" defTabSz="914400" rtl="0" eaLnBrk="0" fontAlgn="base" latinLnBrk="0" hangingPunct="0">
+              <a:lnSpc>
+                <a:spcPct val="100000"/>
+              </a:lnSpc>
+              <a:spcBef>
+                <a:spcPct val="0"/>
+              </a:spcBef>
+              <a:spcAft>
+                <a:spcPct val="0"/>
+              </a:spcAft>
+              <a:buClrTx/>
+              <a:buSzTx/>
+              <a:buFontTx/>
+              <a:buNone/>
+              <a:tabLst/>
+            </a:pPr>
+            <a:r>
+              <a:rPr kumimoji="0" lang="en-US" altLang="en-US" sz="1300" b="0" i="0" u="none" strike="noStrike" cap="none" normalizeH="0" baseline="0" dirty="0">
+                <a:ln>
+                  <a:noFill/>
+                </a:ln>
+                <a:solidFill>
+                  <a:schemeClr val="accent1">
+                    <a:lumMod val="40000"/>
+                    <a:lumOff val="60000"/>
+                  </a:schemeClr>
+                </a:solidFill>
+                <a:effectLst/>
+                <a:latin typeface="inherit"/>
+              </a:rPr>
+              <a:t>            }</a:t>
+            </a:r>
+            <a:br>
+              <a:rPr kumimoji="0" lang="en-US" altLang="en-US" sz="1300" b="0" i="0" u="none" strike="noStrike" cap="none" normalizeH="0" baseline="0" dirty="0">
+                <a:ln>
+                  <a:noFill/>
+                </a:ln>
+                <a:solidFill>
+                  <a:schemeClr val="accent1">
+                    <a:lumMod val="40000"/>
+                    <a:lumOff val="60000"/>
+                  </a:schemeClr>
+                </a:solidFill>
+                <a:effectLst/>
+                <a:latin typeface="inherit"/>
+              </a:rPr>
+            </a:br>
+            <a:r>
+              <a:rPr kumimoji="0" lang="en-US" altLang="en-US" sz="1300" b="0" i="0" u="none" strike="noStrike" cap="none" normalizeH="0" baseline="0" dirty="0">
+                <a:ln>
+                  <a:noFill/>
+                </a:ln>
+                <a:solidFill>
+                  <a:schemeClr val="accent1">
+                    <a:lumMod val="40000"/>
+                    <a:lumOff val="60000"/>
+                  </a:schemeClr>
+                </a:solidFill>
+                <a:effectLst/>
+                <a:latin typeface="inherit"/>
+              </a:rPr>
+              <a:t>        }</a:t>
+            </a:r>
+          </a:p>
+          <a:p>
+            <a:pPr marL="0" marR="0" lvl="0" indent="0" algn="l" defTabSz="914400" rtl="0" eaLnBrk="0" fontAlgn="base" latinLnBrk="0" hangingPunct="0">
+              <a:lnSpc>
+                <a:spcPct val="100000"/>
+              </a:lnSpc>
+              <a:spcBef>
+                <a:spcPct val="0"/>
+              </a:spcBef>
+              <a:spcAft>
+                <a:spcPct val="0"/>
+              </a:spcAft>
+              <a:buClrTx/>
+              <a:buSzTx/>
+              <a:buFontTx/>
+              <a:buNone/>
+              <a:tabLst/>
+            </a:pPr>
+            <a:r>
+              <a:rPr kumimoji="0" lang="en-US" altLang="en-US" sz="1300" b="0" i="0" u="none" strike="noStrike" cap="none" normalizeH="0" baseline="0" dirty="0">
+                <a:ln>
+                  <a:noFill/>
+                </a:ln>
+                <a:solidFill>
+                  <a:schemeClr val="accent1">
+                    <a:lumMod val="40000"/>
+                    <a:lumOff val="60000"/>
+                  </a:schemeClr>
+                </a:solidFill>
+                <a:effectLst/>
+                <a:latin typeface="inherit"/>
+              </a:rPr>
+              <a:t>    }</a:t>
+            </a:r>
+          </a:p>
+        </p:txBody>
+      </p:sp>
+      <p:sp>
+        <p:nvSpPr>
+          <p:cNvPr id="8" name="TextBox 7">
+            <a:extLst>
+              <a:ext uri="{FF2B5EF4-FFF2-40B4-BE49-F238E27FC236}">
+                <a16:creationId xmlns:a16="http://schemas.microsoft.com/office/drawing/2014/main" id="{7230395F-A070-407D-944E-ACA1D571F573}"/>
+              </a:ext>
+            </a:extLst>
+          </p:cNvPr>
+          <p:cNvSpPr txBox="1"/>
+          <p:nvPr/>
+        </p:nvSpPr>
+        <p:spPr>
+          <a:xfrm>
+            <a:off x="7744409" y="4282615"/>
+            <a:ext cx="4354392" cy="2492990"/>
+          </a:xfrm>
+          <a:prstGeom prst="rect">
+            <a:avLst/>
+          </a:prstGeom>
+          <a:noFill/>
+          <a:ln>
+            <a:solidFill>
+              <a:schemeClr val="tx1"/>
+            </a:solidFill>
+          </a:ln>
+        </p:spPr>
+        <p:txBody>
+          <a:bodyPr wrap="square">
+            <a:spAutoFit/>
+          </a:bodyPr>
+          <a:lstStyle/>
+          <a:p>
+            <a:pPr marL="0" marR="0" lvl="0" indent="0" algn="l" defTabSz="914400" rtl="0" eaLnBrk="0" fontAlgn="base" latinLnBrk="0" hangingPunct="0">
+              <a:lnSpc>
+                <a:spcPct val="100000"/>
+              </a:lnSpc>
+              <a:spcBef>
+                <a:spcPct val="0"/>
+              </a:spcBef>
+              <a:spcAft>
+                <a:spcPct val="0"/>
+              </a:spcAft>
+              <a:buClrTx/>
+              <a:buSzTx/>
+              <a:buFontTx/>
+              <a:buNone/>
+              <a:tabLst/>
+            </a:pPr>
+            <a:r>
+              <a:rPr kumimoji="0" lang="en-US" altLang="en-US" sz="1200" b="0" i="0" u="none" strike="noStrike" cap="none" normalizeH="0" baseline="0" dirty="0">
+                <a:ln>
+                  <a:noFill/>
+                </a:ln>
+                <a:solidFill>
+                  <a:schemeClr val="accent1">
+                    <a:lumMod val="40000"/>
+                    <a:lumOff val="60000"/>
+                  </a:schemeClr>
+                </a:solidFill>
+                <a:effectLst/>
+                <a:latin typeface="inherit"/>
+              </a:rPr>
+              <a:t>    static void Main(string[] </a:t>
+            </a:r>
+            <a:r>
+              <a:rPr kumimoji="0" lang="en-US" altLang="en-US" sz="1200" b="0" i="0" u="none" strike="noStrike" cap="none" normalizeH="0" baseline="0" dirty="0" err="1">
+                <a:ln>
+                  <a:noFill/>
+                </a:ln>
+                <a:solidFill>
+                  <a:schemeClr val="accent1">
+                    <a:lumMod val="40000"/>
+                    <a:lumOff val="60000"/>
+                  </a:schemeClr>
+                </a:solidFill>
+                <a:effectLst/>
+                <a:latin typeface="inherit"/>
+              </a:rPr>
+              <a:t>args</a:t>
+            </a:r>
+            <a:r>
+              <a:rPr kumimoji="0" lang="en-US" altLang="en-US" sz="1200" b="0" i="0" u="none" strike="noStrike" cap="none" normalizeH="0" baseline="0" dirty="0">
+                <a:ln>
+                  <a:noFill/>
+                </a:ln>
+                <a:solidFill>
+                  <a:schemeClr val="accent1">
+                    <a:lumMod val="40000"/>
+                    <a:lumOff val="60000"/>
+                  </a:schemeClr>
+                </a:solidFill>
+                <a:effectLst/>
+                <a:latin typeface="inherit"/>
+              </a:rPr>
+              <a:t>)</a:t>
+            </a:r>
+          </a:p>
+          <a:p>
+            <a:pPr marL="0" marR="0" lvl="0" indent="0" algn="l" defTabSz="914400" rtl="0" eaLnBrk="0" fontAlgn="base" latinLnBrk="0" hangingPunct="0">
+              <a:lnSpc>
+                <a:spcPct val="100000"/>
+              </a:lnSpc>
+              <a:spcBef>
+                <a:spcPct val="0"/>
+              </a:spcBef>
+              <a:spcAft>
+                <a:spcPct val="0"/>
+              </a:spcAft>
+              <a:buClrTx/>
+              <a:buSzTx/>
+              <a:buFontTx/>
+              <a:buNone/>
+              <a:tabLst/>
+            </a:pPr>
+            <a:r>
+              <a:rPr kumimoji="0" lang="en-US" altLang="en-US" sz="1200" b="0" i="0" u="none" strike="noStrike" cap="none" normalizeH="0" baseline="0" dirty="0">
+                <a:ln>
+                  <a:noFill/>
+                </a:ln>
+                <a:solidFill>
+                  <a:schemeClr val="accent1">
+                    <a:lumMod val="40000"/>
+                    <a:lumOff val="60000"/>
+                  </a:schemeClr>
+                </a:solidFill>
+                <a:effectLst/>
+                <a:latin typeface="inherit"/>
+              </a:rPr>
+              <a:t>    {</a:t>
+            </a:r>
+          </a:p>
+          <a:p>
+            <a:pPr marL="0" marR="0" lvl="0" indent="0" algn="l" defTabSz="914400" rtl="0" eaLnBrk="0" fontAlgn="base" latinLnBrk="0" hangingPunct="0">
+              <a:lnSpc>
+                <a:spcPct val="100000"/>
+              </a:lnSpc>
+              <a:spcBef>
+                <a:spcPct val="0"/>
+              </a:spcBef>
+              <a:spcAft>
+                <a:spcPct val="0"/>
+              </a:spcAft>
+              <a:buClrTx/>
+              <a:buSzTx/>
+              <a:buFontTx/>
+              <a:buNone/>
+              <a:tabLst/>
+            </a:pPr>
+            <a:r>
+              <a:rPr kumimoji="0" lang="en-US" altLang="en-US" sz="1200" b="0" i="0" u="none" strike="noStrike" cap="none" normalizeH="0" baseline="0" dirty="0">
+                <a:ln>
+                  <a:noFill/>
+                </a:ln>
+                <a:solidFill>
+                  <a:schemeClr val="accent1">
+                    <a:lumMod val="40000"/>
+                    <a:lumOff val="60000"/>
+                  </a:schemeClr>
+                </a:solidFill>
+                <a:effectLst/>
+                <a:latin typeface="inherit"/>
+              </a:rPr>
+              <a:t>        </a:t>
+            </a:r>
+            <a:r>
+              <a:rPr kumimoji="0" lang="en-US" altLang="en-US" sz="1200" b="0" i="0" u="none" strike="noStrike" cap="none" normalizeH="0" baseline="0" dirty="0" err="1">
+                <a:ln>
+                  <a:noFill/>
+                </a:ln>
+                <a:solidFill>
+                  <a:schemeClr val="accent1">
+                    <a:lumMod val="40000"/>
+                    <a:lumOff val="60000"/>
+                  </a:schemeClr>
+                </a:solidFill>
+                <a:effectLst/>
+                <a:latin typeface="inherit"/>
+              </a:rPr>
+              <a:t>IPosition</a:t>
+            </a:r>
+            <a:r>
+              <a:rPr kumimoji="0" lang="en-US" altLang="en-US" sz="1200" b="0" i="0" u="none" strike="noStrike" cap="none" normalizeH="0" baseline="0" dirty="0">
+                <a:ln>
+                  <a:noFill/>
+                </a:ln>
+                <a:solidFill>
+                  <a:schemeClr val="accent1">
+                    <a:lumMod val="40000"/>
+                    <a:lumOff val="60000"/>
+                  </a:schemeClr>
+                </a:solidFill>
+                <a:effectLst/>
+                <a:latin typeface="inherit"/>
+              </a:rPr>
+              <a:t> position0 = </a:t>
+            </a:r>
+            <a:r>
+              <a:rPr kumimoji="0" lang="en-US" altLang="en-US" sz="1200" b="0" i="0" u="none" strike="noStrike" cap="none" normalizeH="0" baseline="0" dirty="0" err="1">
+                <a:ln>
+                  <a:noFill/>
+                </a:ln>
+                <a:solidFill>
+                  <a:schemeClr val="accent1">
+                    <a:lumMod val="40000"/>
+                    <a:lumOff val="60000"/>
+                  </a:schemeClr>
+                </a:solidFill>
+                <a:effectLst/>
+                <a:latin typeface="inherit"/>
+              </a:rPr>
+              <a:t>PositionFactory.Create</a:t>
+            </a:r>
+            <a:r>
+              <a:rPr kumimoji="0" lang="en-US" altLang="en-US" sz="1200" b="0" i="0" u="none" strike="noStrike" cap="none" normalizeH="0" baseline="0" dirty="0">
+                <a:ln>
+                  <a:noFill/>
+                </a:ln>
+                <a:solidFill>
+                  <a:schemeClr val="accent1">
+                    <a:lumMod val="40000"/>
+                    <a:lumOff val="60000"/>
+                  </a:schemeClr>
+                </a:solidFill>
+                <a:effectLst/>
+                <a:latin typeface="inherit"/>
+              </a:rPr>
+              <a:t>&lt;Manager&gt;();</a:t>
+            </a:r>
+          </a:p>
+          <a:p>
+            <a:pPr marL="0" marR="0" lvl="0" indent="0" algn="l" defTabSz="914400" rtl="0" eaLnBrk="0" fontAlgn="base" latinLnBrk="0" hangingPunct="0">
+              <a:lnSpc>
+                <a:spcPct val="100000"/>
+              </a:lnSpc>
+              <a:spcBef>
+                <a:spcPct val="0"/>
+              </a:spcBef>
+              <a:spcAft>
+                <a:spcPct val="0"/>
+              </a:spcAft>
+              <a:buClrTx/>
+              <a:buSzTx/>
+              <a:buFontTx/>
+              <a:buNone/>
+              <a:tabLst/>
+            </a:pPr>
+            <a:r>
+              <a:rPr kumimoji="0" lang="en-US" altLang="en-US" sz="1200" b="0" i="0" u="none" strike="noStrike" cap="none" normalizeH="0" baseline="0" dirty="0">
+                <a:ln>
+                  <a:noFill/>
+                </a:ln>
+                <a:solidFill>
+                  <a:schemeClr val="accent1">
+                    <a:lumMod val="40000"/>
+                    <a:lumOff val="60000"/>
+                  </a:schemeClr>
+                </a:solidFill>
+                <a:effectLst/>
+                <a:latin typeface="inherit"/>
+              </a:rPr>
+              <a:t>        </a:t>
+            </a:r>
+            <a:r>
+              <a:rPr kumimoji="0" lang="en-US" altLang="en-US" sz="1200" b="0" i="0" u="none" strike="noStrike" cap="none" normalizeH="0" baseline="0" dirty="0" err="1">
+                <a:ln>
+                  <a:noFill/>
+                </a:ln>
+                <a:solidFill>
+                  <a:schemeClr val="accent1">
+                    <a:lumMod val="40000"/>
+                    <a:lumOff val="60000"/>
+                  </a:schemeClr>
+                </a:solidFill>
+                <a:effectLst/>
+                <a:latin typeface="inherit"/>
+              </a:rPr>
+              <a:t>Console.WriteLine</a:t>
+            </a:r>
+            <a:r>
+              <a:rPr kumimoji="0" lang="en-US" altLang="en-US" sz="1200" b="0" i="0" u="none" strike="noStrike" cap="none" normalizeH="0" baseline="0" dirty="0">
+                <a:ln>
+                  <a:noFill/>
+                </a:ln>
+                <a:solidFill>
+                  <a:schemeClr val="accent1">
+                    <a:lumMod val="40000"/>
+                    <a:lumOff val="60000"/>
+                  </a:schemeClr>
+                </a:solidFill>
+                <a:effectLst/>
+                <a:latin typeface="inherit"/>
+              </a:rPr>
+              <a:t>("0: " + position0.Title);</a:t>
+            </a:r>
+          </a:p>
+          <a:p>
+            <a:pPr marL="0" marR="0" lvl="0" indent="0" algn="l" defTabSz="914400" rtl="0" eaLnBrk="0" fontAlgn="base" latinLnBrk="0" hangingPunct="0">
+              <a:lnSpc>
+                <a:spcPct val="100000"/>
+              </a:lnSpc>
+              <a:spcBef>
+                <a:spcPct val="0"/>
+              </a:spcBef>
+              <a:spcAft>
+                <a:spcPct val="0"/>
+              </a:spcAft>
+              <a:buClrTx/>
+              <a:buSzTx/>
+              <a:buFontTx/>
+              <a:buNone/>
+              <a:tabLst/>
+            </a:pPr>
+            <a:endParaRPr kumimoji="0" lang="en-US" altLang="en-US" sz="1200" b="0" i="0" u="none" strike="noStrike" cap="none" normalizeH="0" baseline="0" dirty="0">
+              <a:ln>
+                <a:noFill/>
+              </a:ln>
+              <a:solidFill>
+                <a:schemeClr val="accent1">
+                  <a:lumMod val="40000"/>
+                  <a:lumOff val="60000"/>
+                </a:schemeClr>
+              </a:solidFill>
+              <a:effectLst/>
+              <a:latin typeface="inherit"/>
+            </a:endParaRPr>
+          </a:p>
+          <a:p>
+            <a:pPr marL="0" marR="0" lvl="0" indent="0" algn="l" defTabSz="914400" rtl="0" eaLnBrk="0" fontAlgn="base" latinLnBrk="0" hangingPunct="0">
+              <a:lnSpc>
+                <a:spcPct val="100000"/>
+              </a:lnSpc>
+              <a:spcBef>
+                <a:spcPct val="0"/>
+              </a:spcBef>
+              <a:spcAft>
+                <a:spcPct val="0"/>
+              </a:spcAft>
+              <a:buClrTx/>
+              <a:buSzTx/>
+              <a:buFontTx/>
+              <a:buNone/>
+              <a:tabLst/>
+            </a:pPr>
+            <a:r>
+              <a:rPr kumimoji="0" lang="en-US" altLang="en-US" sz="1200" b="0" i="0" u="none" strike="noStrike" cap="none" normalizeH="0" baseline="0" dirty="0">
+                <a:ln>
+                  <a:noFill/>
+                </a:ln>
+                <a:solidFill>
+                  <a:schemeClr val="accent1">
+                    <a:lumMod val="40000"/>
+                    <a:lumOff val="60000"/>
+                  </a:schemeClr>
+                </a:solidFill>
+                <a:effectLst/>
+                <a:latin typeface="inherit"/>
+              </a:rPr>
+              <a:t>        </a:t>
+            </a:r>
+            <a:r>
+              <a:rPr kumimoji="0" lang="en-US" altLang="en-US" sz="1200" b="0" i="0" u="none" strike="noStrike" cap="none" normalizeH="0" baseline="0" dirty="0" err="1">
+                <a:ln>
+                  <a:noFill/>
+                </a:ln>
+                <a:solidFill>
+                  <a:schemeClr val="accent1">
+                    <a:lumMod val="40000"/>
+                    <a:lumOff val="60000"/>
+                  </a:schemeClr>
+                </a:solidFill>
+                <a:effectLst/>
+                <a:latin typeface="inherit"/>
+              </a:rPr>
+              <a:t>IPosition</a:t>
+            </a:r>
+            <a:r>
+              <a:rPr kumimoji="0" lang="en-US" altLang="en-US" sz="1200" b="0" i="0" u="none" strike="noStrike" cap="none" normalizeH="0" baseline="0" dirty="0">
+                <a:ln>
+                  <a:noFill/>
+                </a:ln>
+                <a:solidFill>
+                  <a:schemeClr val="accent1">
+                    <a:lumMod val="40000"/>
+                    <a:lumOff val="60000"/>
+                  </a:schemeClr>
+                </a:solidFill>
+                <a:effectLst/>
+                <a:latin typeface="inherit"/>
+              </a:rPr>
+              <a:t> position1 = </a:t>
+            </a:r>
+            <a:r>
+              <a:rPr kumimoji="0" lang="en-US" altLang="en-US" sz="1200" b="0" i="0" u="none" strike="noStrike" cap="none" normalizeH="0" baseline="0" dirty="0" err="1">
+                <a:ln>
+                  <a:noFill/>
+                </a:ln>
+                <a:solidFill>
+                  <a:schemeClr val="accent1">
+                    <a:lumMod val="40000"/>
+                    <a:lumOff val="60000"/>
+                  </a:schemeClr>
+                </a:solidFill>
+                <a:effectLst/>
+                <a:latin typeface="inherit"/>
+              </a:rPr>
+              <a:t>PositionFactory.Create</a:t>
+            </a:r>
+            <a:r>
+              <a:rPr kumimoji="0" lang="en-US" altLang="en-US" sz="1200" b="0" i="0" u="none" strike="noStrike" cap="none" normalizeH="0" baseline="0" dirty="0">
+                <a:ln>
+                  <a:noFill/>
+                </a:ln>
+                <a:solidFill>
+                  <a:schemeClr val="accent1">
+                    <a:lumMod val="40000"/>
+                    <a:lumOff val="60000"/>
+                  </a:schemeClr>
+                </a:solidFill>
+                <a:effectLst/>
+                <a:latin typeface="inherit"/>
+              </a:rPr>
+              <a:t>&lt;Clerk&gt;();</a:t>
+            </a:r>
+          </a:p>
+          <a:p>
+            <a:pPr marL="0" marR="0" lvl="0" indent="0" algn="l" defTabSz="914400" rtl="0" eaLnBrk="0" fontAlgn="base" latinLnBrk="0" hangingPunct="0">
+              <a:lnSpc>
+                <a:spcPct val="100000"/>
+              </a:lnSpc>
+              <a:spcBef>
+                <a:spcPct val="0"/>
+              </a:spcBef>
+              <a:spcAft>
+                <a:spcPct val="0"/>
+              </a:spcAft>
+              <a:buClrTx/>
+              <a:buSzTx/>
+              <a:buFontTx/>
+              <a:buNone/>
+              <a:tabLst/>
+            </a:pPr>
+            <a:r>
+              <a:rPr kumimoji="0" lang="en-US" altLang="en-US" sz="1200" b="0" i="0" u="none" strike="noStrike" cap="none" normalizeH="0" baseline="0" dirty="0">
+                <a:ln>
+                  <a:noFill/>
+                </a:ln>
+                <a:solidFill>
+                  <a:schemeClr val="accent1">
+                    <a:lumMod val="40000"/>
+                    <a:lumOff val="60000"/>
+                  </a:schemeClr>
+                </a:solidFill>
+                <a:effectLst/>
+                <a:latin typeface="inherit"/>
+              </a:rPr>
+              <a:t>        </a:t>
+            </a:r>
+            <a:r>
+              <a:rPr kumimoji="0" lang="en-US" altLang="en-US" sz="1200" b="0" i="0" u="none" strike="noStrike" cap="none" normalizeH="0" baseline="0" dirty="0" err="1">
+                <a:ln>
+                  <a:noFill/>
+                </a:ln>
+                <a:solidFill>
+                  <a:schemeClr val="accent1">
+                    <a:lumMod val="40000"/>
+                    <a:lumOff val="60000"/>
+                  </a:schemeClr>
+                </a:solidFill>
+                <a:effectLst/>
+                <a:latin typeface="inherit"/>
+              </a:rPr>
+              <a:t>Console.WriteLine</a:t>
+            </a:r>
+            <a:r>
+              <a:rPr kumimoji="0" lang="en-US" altLang="en-US" sz="1200" b="0" i="0" u="none" strike="noStrike" cap="none" normalizeH="0" baseline="0" dirty="0">
+                <a:ln>
+                  <a:noFill/>
+                </a:ln>
+                <a:solidFill>
+                  <a:schemeClr val="accent1">
+                    <a:lumMod val="40000"/>
+                    <a:lumOff val="60000"/>
+                  </a:schemeClr>
+                </a:solidFill>
+                <a:effectLst/>
+                <a:latin typeface="inherit"/>
+              </a:rPr>
+              <a:t>("1: " + position1.Title);</a:t>
+            </a:r>
+          </a:p>
+          <a:p>
+            <a:pPr marL="0" marR="0" lvl="0" indent="0" algn="l" defTabSz="914400" rtl="0" eaLnBrk="0" fontAlgn="base" latinLnBrk="0" hangingPunct="0">
+              <a:lnSpc>
+                <a:spcPct val="100000"/>
+              </a:lnSpc>
+              <a:spcBef>
+                <a:spcPct val="0"/>
+              </a:spcBef>
+              <a:spcAft>
+                <a:spcPct val="0"/>
+              </a:spcAft>
+              <a:buClrTx/>
+              <a:buSzTx/>
+              <a:buFontTx/>
+              <a:buNone/>
+              <a:tabLst/>
+            </a:pPr>
+            <a:endParaRPr kumimoji="0" lang="en-US" altLang="en-US" sz="1200" b="0" i="0" u="none" strike="noStrike" cap="none" normalizeH="0" baseline="0" dirty="0">
+              <a:ln>
+                <a:noFill/>
+              </a:ln>
+              <a:solidFill>
+                <a:schemeClr val="accent1">
+                  <a:lumMod val="40000"/>
+                  <a:lumOff val="60000"/>
+                </a:schemeClr>
+              </a:solidFill>
+              <a:effectLst/>
+              <a:latin typeface="inherit"/>
+            </a:endParaRPr>
+          </a:p>
+          <a:p>
+            <a:pPr marL="0" marR="0" lvl="0" indent="0" algn="l" defTabSz="914400" rtl="0" eaLnBrk="0" fontAlgn="base" latinLnBrk="0" hangingPunct="0">
+              <a:lnSpc>
+                <a:spcPct val="100000"/>
+              </a:lnSpc>
+              <a:spcBef>
+                <a:spcPct val="0"/>
+              </a:spcBef>
+              <a:spcAft>
+                <a:spcPct val="0"/>
+              </a:spcAft>
+              <a:buClrTx/>
+              <a:buSzTx/>
+              <a:buFontTx/>
+              <a:buNone/>
+              <a:tabLst/>
+            </a:pPr>
+            <a:r>
+              <a:rPr kumimoji="0" lang="en-US" altLang="en-US" sz="1200" b="0" i="0" u="none" strike="noStrike" cap="none" normalizeH="0" baseline="0" dirty="0">
+                <a:ln>
+                  <a:noFill/>
+                </a:ln>
+                <a:solidFill>
+                  <a:schemeClr val="accent1">
+                    <a:lumMod val="40000"/>
+                    <a:lumOff val="60000"/>
+                  </a:schemeClr>
+                </a:solidFill>
+                <a:effectLst/>
+                <a:latin typeface="inherit"/>
+              </a:rPr>
+              <a:t>        </a:t>
+            </a:r>
+            <a:r>
+              <a:rPr kumimoji="0" lang="en-US" altLang="en-US" sz="1200" b="0" i="0" u="none" strike="noStrike" cap="none" normalizeH="0" baseline="0" dirty="0" err="1">
+                <a:ln>
+                  <a:noFill/>
+                </a:ln>
+                <a:solidFill>
+                  <a:schemeClr val="accent1">
+                    <a:lumMod val="40000"/>
+                    <a:lumOff val="60000"/>
+                  </a:schemeClr>
+                </a:solidFill>
+                <a:effectLst/>
+                <a:latin typeface="inherit"/>
+              </a:rPr>
+              <a:t>IPosition</a:t>
+            </a:r>
+            <a:r>
+              <a:rPr kumimoji="0" lang="en-US" altLang="en-US" sz="1200" b="0" i="0" u="none" strike="noStrike" cap="none" normalizeH="0" baseline="0" dirty="0">
+                <a:ln>
+                  <a:noFill/>
+                </a:ln>
+                <a:solidFill>
+                  <a:schemeClr val="accent1">
+                    <a:lumMod val="40000"/>
+                    <a:lumOff val="60000"/>
+                  </a:schemeClr>
+                </a:solidFill>
+                <a:effectLst/>
+                <a:latin typeface="inherit"/>
+              </a:rPr>
+              <a:t> position2 = </a:t>
+            </a:r>
+            <a:r>
+              <a:rPr kumimoji="0" lang="en-US" altLang="en-US" sz="1200" b="0" i="0" u="none" strike="noStrike" cap="none" normalizeH="0" baseline="0" dirty="0" err="1">
+                <a:ln>
+                  <a:noFill/>
+                </a:ln>
+                <a:solidFill>
+                  <a:schemeClr val="accent1">
+                    <a:lumMod val="40000"/>
+                    <a:lumOff val="60000"/>
+                  </a:schemeClr>
+                </a:solidFill>
+                <a:effectLst/>
+                <a:latin typeface="inherit"/>
+              </a:rPr>
+              <a:t>PositionFactory.Create</a:t>
+            </a:r>
+            <a:r>
+              <a:rPr kumimoji="0" lang="en-US" altLang="en-US" sz="1200" b="0" i="0" u="none" strike="noStrike" cap="none" normalizeH="0" baseline="0" dirty="0">
+                <a:ln>
+                  <a:noFill/>
+                </a:ln>
+                <a:solidFill>
+                  <a:schemeClr val="accent1">
+                    <a:lumMod val="40000"/>
+                    <a:lumOff val="60000"/>
+                  </a:schemeClr>
+                </a:solidFill>
+                <a:effectLst/>
+                <a:latin typeface="inherit"/>
+              </a:rPr>
+              <a:t>&lt;Programmer&gt;();</a:t>
+            </a:r>
+          </a:p>
+          <a:p>
+            <a:pPr marL="0" marR="0" lvl="0" indent="0" algn="l" defTabSz="914400" rtl="0" eaLnBrk="0" fontAlgn="base" latinLnBrk="0" hangingPunct="0">
+              <a:lnSpc>
+                <a:spcPct val="100000"/>
+              </a:lnSpc>
+              <a:spcBef>
+                <a:spcPct val="0"/>
+              </a:spcBef>
+              <a:spcAft>
+                <a:spcPct val="0"/>
+              </a:spcAft>
+              <a:buClrTx/>
+              <a:buSzTx/>
+              <a:buFontTx/>
+              <a:buNone/>
+              <a:tabLst/>
+            </a:pPr>
+            <a:r>
+              <a:rPr kumimoji="0" lang="en-US" altLang="en-US" sz="1200" b="0" i="0" u="none" strike="noStrike" cap="none" normalizeH="0" baseline="0" dirty="0">
+                <a:ln>
+                  <a:noFill/>
+                </a:ln>
+                <a:solidFill>
+                  <a:schemeClr val="accent1">
+                    <a:lumMod val="40000"/>
+                    <a:lumOff val="60000"/>
+                  </a:schemeClr>
+                </a:solidFill>
+                <a:effectLst/>
+                <a:latin typeface="inherit"/>
+              </a:rPr>
+              <a:t>        </a:t>
+            </a:r>
+            <a:r>
+              <a:rPr kumimoji="0" lang="en-US" altLang="en-US" sz="1200" b="0" i="0" u="none" strike="noStrike" cap="none" normalizeH="0" baseline="0" dirty="0" err="1">
+                <a:ln>
+                  <a:noFill/>
+                </a:ln>
+                <a:solidFill>
+                  <a:schemeClr val="accent1">
+                    <a:lumMod val="40000"/>
+                    <a:lumOff val="60000"/>
+                  </a:schemeClr>
+                </a:solidFill>
+                <a:effectLst/>
+                <a:latin typeface="inherit"/>
+              </a:rPr>
+              <a:t>Console.WriteLine</a:t>
+            </a:r>
+            <a:r>
+              <a:rPr kumimoji="0" lang="en-US" altLang="en-US" sz="1200" b="0" i="0" u="none" strike="noStrike" cap="none" normalizeH="0" baseline="0" dirty="0">
+                <a:ln>
+                  <a:noFill/>
+                </a:ln>
+                <a:solidFill>
+                  <a:schemeClr val="accent1">
+                    <a:lumMod val="40000"/>
+                    <a:lumOff val="60000"/>
+                  </a:schemeClr>
+                </a:solidFill>
+                <a:effectLst/>
+                <a:latin typeface="inherit"/>
+              </a:rPr>
+              <a:t>("1: " + position2.Title);</a:t>
+            </a:r>
+          </a:p>
+          <a:p>
+            <a:pPr marL="0" marR="0" lvl="0" indent="0" algn="l" defTabSz="914400" rtl="0" eaLnBrk="0" fontAlgn="base" latinLnBrk="0" hangingPunct="0">
+              <a:lnSpc>
+                <a:spcPct val="100000"/>
+              </a:lnSpc>
+              <a:spcBef>
+                <a:spcPct val="0"/>
+              </a:spcBef>
+              <a:spcAft>
+                <a:spcPct val="0"/>
+              </a:spcAft>
+              <a:buClrTx/>
+              <a:buSzTx/>
+              <a:buFontTx/>
+              <a:buNone/>
+              <a:tabLst/>
+            </a:pPr>
+            <a:endParaRPr kumimoji="0" lang="en-US" altLang="en-US" sz="1200" b="0" i="0" u="none" strike="noStrike" cap="none" normalizeH="0" baseline="0" dirty="0">
+              <a:ln>
+                <a:noFill/>
+              </a:ln>
+              <a:solidFill>
+                <a:schemeClr val="accent1">
+                  <a:lumMod val="40000"/>
+                  <a:lumOff val="60000"/>
+                </a:schemeClr>
+              </a:solidFill>
+              <a:effectLst/>
+              <a:latin typeface="inherit"/>
+            </a:endParaRPr>
+          </a:p>
+          <a:p>
+            <a:pPr marL="0" marR="0" lvl="0" indent="0" algn="l" defTabSz="914400" rtl="0" eaLnBrk="0" fontAlgn="base" latinLnBrk="0" hangingPunct="0">
+              <a:lnSpc>
+                <a:spcPct val="100000"/>
+              </a:lnSpc>
+              <a:spcBef>
+                <a:spcPct val="0"/>
+              </a:spcBef>
+              <a:spcAft>
+                <a:spcPct val="0"/>
+              </a:spcAft>
+              <a:buClrTx/>
+              <a:buSzTx/>
+              <a:buFontTx/>
+              <a:buNone/>
+              <a:tabLst/>
+            </a:pPr>
+            <a:r>
+              <a:rPr kumimoji="0" lang="en-US" altLang="en-US" sz="1200" b="0" i="0" u="none" strike="noStrike" cap="none" normalizeH="0" baseline="0" dirty="0">
+                <a:ln>
+                  <a:noFill/>
+                </a:ln>
+                <a:solidFill>
+                  <a:schemeClr val="accent1">
+                    <a:lumMod val="40000"/>
+                    <a:lumOff val="60000"/>
+                  </a:schemeClr>
+                </a:solidFill>
+                <a:effectLst/>
+                <a:latin typeface="inherit"/>
+              </a:rPr>
+              <a:t>        </a:t>
+            </a:r>
+            <a:r>
+              <a:rPr kumimoji="0" lang="en-US" altLang="en-US" sz="1200" b="0" i="0" u="none" strike="noStrike" cap="none" normalizeH="0" baseline="0" dirty="0" err="1">
+                <a:ln>
+                  <a:noFill/>
+                </a:ln>
+                <a:solidFill>
+                  <a:schemeClr val="accent1">
+                    <a:lumMod val="40000"/>
+                    <a:lumOff val="60000"/>
+                  </a:schemeClr>
+                </a:solidFill>
+                <a:effectLst/>
+                <a:latin typeface="inherit"/>
+              </a:rPr>
+              <a:t>Console.ReadLine</a:t>
+            </a:r>
+            <a:r>
+              <a:rPr kumimoji="0" lang="en-US" altLang="en-US" sz="1200" b="0" i="0" u="none" strike="noStrike" cap="none" normalizeH="0" baseline="0" dirty="0">
+                <a:ln>
+                  <a:noFill/>
+                </a:ln>
+                <a:solidFill>
+                  <a:schemeClr val="accent1">
+                    <a:lumMod val="40000"/>
+                    <a:lumOff val="60000"/>
+                  </a:schemeClr>
+                </a:solidFill>
+                <a:effectLst/>
+                <a:latin typeface="inherit"/>
+              </a:rPr>
+              <a:t>();</a:t>
+            </a:r>
+          </a:p>
+          <a:p>
+            <a:pPr marL="0" marR="0" lvl="0" indent="0" algn="l" defTabSz="914400" rtl="0" eaLnBrk="0" fontAlgn="base" latinLnBrk="0" hangingPunct="0">
+              <a:lnSpc>
+                <a:spcPct val="100000"/>
+              </a:lnSpc>
+              <a:spcBef>
+                <a:spcPct val="0"/>
+              </a:spcBef>
+              <a:spcAft>
+                <a:spcPct val="0"/>
+              </a:spcAft>
+              <a:buClrTx/>
+              <a:buSzTx/>
+              <a:buFontTx/>
+              <a:buNone/>
+              <a:tabLst/>
+            </a:pPr>
+            <a:r>
+              <a:rPr kumimoji="0" lang="en-US" altLang="en-US" sz="1200" b="0" i="0" u="none" strike="noStrike" cap="none" normalizeH="0" baseline="0" dirty="0">
+                <a:ln>
+                  <a:noFill/>
+                </a:ln>
+                <a:solidFill>
+                  <a:schemeClr val="accent1">
+                    <a:lumMod val="40000"/>
+                    <a:lumOff val="60000"/>
+                  </a:schemeClr>
+                </a:solidFill>
+                <a:effectLst/>
+                <a:latin typeface="inherit"/>
+              </a:rPr>
+              <a:t>    }</a:t>
+            </a:r>
+            <a:endParaRPr lang="en-US" sz="1200" dirty="0">
+              <a:solidFill>
+                <a:schemeClr val="accent1">
+                  <a:lumMod val="40000"/>
+                  <a:lumOff val="60000"/>
+                </a:schemeClr>
+              </a:solidFill>
+            </a:endParaRPr>
+          </a:p>
+        </p:txBody>
+      </p:sp>
+      <p:sp>
+        <p:nvSpPr>
+          <p:cNvPr id="10" name="TextBox 9">
+            <a:extLst>
+              <a:ext uri="{FF2B5EF4-FFF2-40B4-BE49-F238E27FC236}">
+                <a16:creationId xmlns:a16="http://schemas.microsoft.com/office/drawing/2014/main" id="{ADB44CC0-D00D-42E3-9A18-C508C360298B}"/>
+              </a:ext>
+            </a:extLst>
+          </p:cNvPr>
+          <p:cNvSpPr txBox="1"/>
+          <p:nvPr/>
+        </p:nvSpPr>
+        <p:spPr>
+          <a:xfrm>
+            <a:off x="3970467" y="2128179"/>
+            <a:ext cx="4843425" cy="1815882"/>
+          </a:xfrm>
+          <a:prstGeom prst="rect">
+            <a:avLst/>
+          </a:prstGeom>
+          <a:noFill/>
+          <a:ln>
+            <a:solidFill>
+              <a:schemeClr val="tx1"/>
+            </a:solidFill>
+          </a:ln>
+        </p:spPr>
+        <p:txBody>
+          <a:bodyPr wrap="square">
+            <a:spAutoFit/>
+          </a:bodyPr>
+          <a:lstStyle/>
+          <a:p>
+            <a:pPr marL="0" marR="0" lvl="0" indent="0" algn="l" defTabSz="914400" rtl="0" eaLnBrk="0" fontAlgn="base" latinLnBrk="0" hangingPunct="0">
+              <a:lnSpc>
+                <a:spcPct val="100000"/>
+              </a:lnSpc>
+              <a:spcBef>
+                <a:spcPct val="0"/>
+              </a:spcBef>
+              <a:spcAft>
+                <a:spcPct val="0"/>
+              </a:spcAft>
+              <a:buClrTx/>
+              <a:buSzTx/>
+              <a:buFontTx/>
+              <a:buNone/>
+              <a:tabLst/>
+            </a:pPr>
+            <a:r>
+              <a:rPr kumimoji="0" lang="en-US" altLang="en-US" sz="1600" b="0" i="0" u="none" strike="noStrike" cap="none" normalizeH="0" baseline="0" dirty="0">
+                <a:ln>
+                  <a:noFill/>
+                </a:ln>
+                <a:solidFill>
+                  <a:schemeClr val="accent1">
+                    <a:lumMod val="40000"/>
+                    <a:lumOff val="60000"/>
+                  </a:schemeClr>
+                </a:solidFill>
+                <a:effectLst/>
+                <a:latin typeface="inherit"/>
+              </a:rPr>
+              <a:t>    static class Factory</a:t>
+            </a:r>
+          </a:p>
+          <a:p>
+            <a:pPr marL="0" marR="0" lvl="0" indent="0" algn="l" defTabSz="914400" rtl="0" eaLnBrk="0" fontAlgn="base" latinLnBrk="0" hangingPunct="0">
+              <a:lnSpc>
+                <a:spcPct val="100000"/>
+              </a:lnSpc>
+              <a:spcBef>
+                <a:spcPct val="0"/>
+              </a:spcBef>
+              <a:spcAft>
+                <a:spcPct val="0"/>
+              </a:spcAft>
+              <a:buClrTx/>
+              <a:buSzTx/>
+              <a:buFontTx/>
+              <a:buNone/>
+              <a:tabLst/>
+            </a:pPr>
+            <a:r>
+              <a:rPr kumimoji="0" lang="en-US" altLang="en-US" sz="1600" b="0" i="0" u="none" strike="noStrike" cap="none" normalizeH="0" baseline="0" dirty="0">
+                <a:ln>
+                  <a:noFill/>
+                </a:ln>
+                <a:solidFill>
+                  <a:schemeClr val="accent1">
+                    <a:lumMod val="40000"/>
+                    <a:lumOff val="60000"/>
+                  </a:schemeClr>
+                </a:solidFill>
+                <a:effectLst/>
+                <a:latin typeface="inherit"/>
+              </a:rPr>
+              <a:t>    {</a:t>
+            </a:r>
+          </a:p>
+          <a:p>
+            <a:pPr marL="0" marR="0" lvl="0" indent="0" algn="l" defTabSz="914400" rtl="0" eaLnBrk="0" fontAlgn="base" latinLnBrk="0" hangingPunct="0">
+              <a:lnSpc>
+                <a:spcPct val="100000"/>
+              </a:lnSpc>
+              <a:spcBef>
+                <a:spcPct val="0"/>
+              </a:spcBef>
+              <a:spcAft>
+                <a:spcPct val="0"/>
+              </a:spcAft>
+              <a:buClrTx/>
+              <a:buSzTx/>
+              <a:buFontTx/>
+              <a:buNone/>
+              <a:tabLst/>
+            </a:pPr>
+            <a:r>
+              <a:rPr kumimoji="0" lang="en-US" altLang="en-US" sz="1600" b="0" i="0" u="none" strike="noStrike" cap="none" normalizeH="0" baseline="0" dirty="0">
+                <a:ln>
+                  <a:noFill/>
+                </a:ln>
+                <a:solidFill>
+                  <a:schemeClr val="accent1">
+                    <a:lumMod val="40000"/>
+                    <a:lumOff val="60000"/>
+                  </a:schemeClr>
+                </a:solidFill>
+                <a:effectLst/>
+                <a:latin typeface="inherit"/>
+              </a:rPr>
+              <a:t>        public static T Create&lt;T&gt;() where T : </a:t>
+            </a:r>
+            <a:r>
+              <a:rPr kumimoji="0" lang="en-US" altLang="en-US" sz="1600" b="0" i="0" u="none" strike="noStrike" cap="none" normalizeH="0" baseline="0" dirty="0" err="1">
+                <a:ln>
+                  <a:noFill/>
+                </a:ln>
+                <a:solidFill>
+                  <a:schemeClr val="accent1">
+                    <a:lumMod val="40000"/>
+                    <a:lumOff val="60000"/>
+                  </a:schemeClr>
+                </a:solidFill>
+                <a:effectLst/>
+                <a:latin typeface="inherit"/>
+              </a:rPr>
+              <a:t>IPosition</a:t>
+            </a:r>
+            <a:r>
+              <a:rPr kumimoji="0" lang="en-US" altLang="en-US" sz="1600" b="0" i="0" u="none" strike="noStrike" cap="none" normalizeH="0" baseline="0" dirty="0">
+                <a:ln>
+                  <a:noFill/>
+                </a:ln>
+                <a:solidFill>
+                  <a:schemeClr val="accent1">
+                    <a:lumMod val="40000"/>
+                    <a:lumOff val="60000"/>
+                  </a:schemeClr>
+                </a:solidFill>
+                <a:effectLst/>
+                <a:latin typeface="inherit"/>
+              </a:rPr>
+              <a:t>, new()</a:t>
+            </a:r>
+          </a:p>
+          <a:p>
+            <a:pPr marL="0" marR="0" lvl="0" indent="0" algn="l" defTabSz="914400" rtl="0" eaLnBrk="0" fontAlgn="base" latinLnBrk="0" hangingPunct="0">
+              <a:lnSpc>
+                <a:spcPct val="100000"/>
+              </a:lnSpc>
+              <a:spcBef>
+                <a:spcPct val="0"/>
+              </a:spcBef>
+              <a:spcAft>
+                <a:spcPct val="0"/>
+              </a:spcAft>
+              <a:buClrTx/>
+              <a:buSzTx/>
+              <a:buFontTx/>
+              <a:buNone/>
+              <a:tabLst/>
+            </a:pPr>
+            <a:r>
+              <a:rPr kumimoji="0" lang="en-US" altLang="en-US" sz="1600" b="0" i="0" u="none" strike="noStrike" cap="none" normalizeH="0" baseline="0" dirty="0">
+                <a:ln>
+                  <a:noFill/>
+                </a:ln>
+                <a:solidFill>
+                  <a:schemeClr val="accent1">
+                    <a:lumMod val="40000"/>
+                    <a:lumOff val="60000"/>
+                  </a:schemeClr>
+                </a:solidFill>
+                <a:effectLst/>
+                <a:latin typeface="inherit"/>
+              </a:rPr>
+              <a:t>        {</a:t>
+            </a:r>
+          </a:p>
+          <a:p>
+            <a:pPr marL="0" marR="0" lvl="0" indent="0" algn="l" defTabSz="914400" rtl="0" eaLnBrk="0" fontAlgn="base" latinLnBrk="0" hangingPunct="0">
+              <a:lnSpc>
+                <a:spcPct val="100000"/>
+              </a:lnSpc>
+              <a:spcBef>
+                <a:spcPct val="0"/>
+              </a:spcBef>
+              <a:spcAft>
+                <a:spcPct val="0"/>
+              </a:spcAft>
+              <a:buClrTx/>
+              <a:buSzTx/>
+              <a:buFontTx/>
+              <a:buNone/>
+              <a:tabLst/>
+            </a:pPr>
+            <a:r>
+              <a:rPr kumimoji="0" lang="en-US" altLang="en-US" sz="1600" b="0" i="0" u="none" strike="noStrike" cap="none" normalizeH="0" baseline="0" dirty="0">
+                <a:ln>
+                  <a:noFill/>
+                </a:ln>
+                <a:solidFill>
+                  <a:schemeClr val="accent1">
+                    <a:lumMod val="40000"/>
+                    <a:lumOff val="60000"/>
+                  </a:schemeClr>
+                </a:solidFill>
+                <a:effectLst/>
+                <a:latin typeface="inherit"/>
+              </a:rPr>
+              <a:t>            return new T();</a:t>
+            </a:r>
+          </a:p>
+          <a:p>
+            <a:pPr marL="0" marR="0" lvl="0" indent="0" algn="l" defTabSz="914400" rtl="0" eaLnBrk="0" fontAlgn="base" latinLnBrk="0" hangingPunct="0">
+              <a:lnSpc>
+                <a:spcPct val="100000"/>
+              </a:lnSpc>
+              <a:spcBef>
+                <a:spcPct val="0"/>
+              </a:spcBef>
+              <a:spcAft>
+                <a:spcPct val="0"/>
+              </a:spcAft>
+              <a:buClrTx/>
+              <a:buSzTx/>
+              <a:buFontTx/>
+              <a:buNone/>
+              <a:tabLst/>
+            </a:pPr>
+            <a:r>
+              <a:rPr kumimoji="0" lang="en-US" altLang="en-US" sz="1600" b="0" i="0" u="none" strike="noStrike" cap="none" normalizeH="0" baseline="0" dirty="0">
+                <a:ln>
+                  <a:noFill/>
+                </a:ln>
+                <a:solidFill>
+                  <a:schemeClr val="accent1">
+                    <a:lumMod val="40000"/>
+                    <a:lumOff val="60000"/>
+                  </a:schemeClr>
+                </a:solidFill>
+                <a:effectLst/>
+                <a:latin typeface="inherit"/>
+              </a:rPr>
+              <a:t>        }</a:t>
+            </a:r>
+          </a:p>
+          <a:p>
+            <a:pPr marL="0" marR="0" lvl="0" indent="0" algn="l" defTabSz="914400" rtl="0" eaLnBrk="0" fontAlgn="base" latinLnBrk="0" hangingPunct="0">
+              <a:lnSpc>
+                <a:spcPct val="100000"/>
+              </a:lnSpc>
+              <a:spcBef>
+                <a:spcPct val="0"/>
+              </a:spcBef>
+              <a:spcAft>
+                <a:spcPct val="0"/>
+              </a:spcAft>
+              <a:buClrTx/>
+              <a:buSzTx/>
+              <a:buFontTx/>
+              <a:buNone/>
+              <a:tabLst/>
+            </a:pPr>
+            <a:r>
+              <a:rPr kumimoji="0" lang="en-US" altLang="en-US" sz="1600" b="0" i="0" u="none" strike="noStrike" cap="none" normalizeH="0" baseline="0" dirty="0">
+                <a:ln>
+                  <a:noFill/>
+                </a:ln>
+                <a:solidFill>
+                  <a:schemeClr val="accent1">
+                    <a:lumMod val="40000"/>
+                    <a:lumOff val="60000"/>
+                  </a:schemeClr>
+                </a:solidFill>
+                <a:effectLst/>
+                <a:latin typeface="inherit"/>
+              </a:rPr>
+              <a:t>    }</a:t>
+            </a:r>
+          </a:p>
+        </p:txBody>
+      </p:sp>
+      <p:sp>
+        <p:nvSpPr>
+          <p:cNvPr id="11" name="Text Placeholder 2">
+            <a:extLst>
+              <a:ext uri="{FF2B5EF4-FFF2-40B4-BE49-F238E27FC236}">
+                <a16:creationId xmlns:a16="http://schemas.microsoft.com/office/drawing/2014/main" id="{72014423-36D0-4B94-899D-3BEC37F03D4A}"/>
+              </a:ext>
+            </a:extLst>
+          </p:cNvPr>
+          <p:cNvSpPr txBox="1">
+            <a:spLocks/>
+          </p:cNvSpPr>
+          <p:nvPr/>
+        </p:nvSpPr>
+        <p:spPr>
+          <a:xfrm>
+            <a:off x="9405971" y="3814800"/>
+            <a:ext cx="2822511" cy="410440"/>
+          </a:xfrm>
+          <a:prstGeom prst="rect">
+            <a:avLst/>
+          </a:prstGeom>
+        </p:spPr>
+        <p:txBody>
+          <a:bodyPr vert="horz" lIns="91440" tIns="45720" rIns="91440" bIns="45720" rtlCol="0" anchor="t">
+            <a:normAutofit/>
+          </a:bodyPr>
+          <a:lstStyle>
+            <a:lvl1pPr marL="0" indent="0" algn="l" defTabSz="457200" rtl="0" eaLnBrk="1" latinLnBrk="0" hangingPunct="1">
+              <a:spcBef>
+                <a:spcPts val="0"/>
+              </a:spcBef>
+              <a:spcAft>
+                <a:spcPts val="1000"/>
+              </a:spcAft>
+              <a:buClr>
+                <a:schemeClr val="tx1"/>
+              </a:buClr>
+              <a:buSzPct val="100000"/>
+              <a:buFont typeface="Arial"/>
+              <a:buNone/>
+              <a:defRPr sz="2000" kern="1200" cap="all">
+                <a:solidFill>
+                  <a:schemeClr val="tx1"/>
+                </a:solidFill>
+                <a:effectLst/>
+                <a:latin typeface="+mn-lt"/>
+                <a:ea typeface="+mn-ea"/>
+                <a:cs typeface="+mn-cs"/>
+              </a:defRPr>
+            </a:lvl1pPr>
+            <a:lvl2pPr marL="457200" indent="0" algn="l" defTabSz="457200" rtl="0" eaLnBrk="1" latinLnBrk="0" hangingPunct="1">
+              <a:spcBef>
+                <a:spcPts val="0"/>
+              </a:spcBef>
+              <a:spcAft>
+                <a:spcPts val="1000"/>
+              </a:spcAft>
+              <a:buClr>
+                <a:schemeClr val="tx1"/>
+              </a:buClr>
+              <a:buSzPct val="100000"/>
+              <a:buFont typeface="Arial"/>
+              <a:buNone/>
+              <a:defRPr sz="1800" kern="1200" cap="none">
+                <a:solidFill>
+                  <a:schemeClr val="tx1">
+                    <a:tint val="75000"/>
+                  </a:schemeClr>
+                </a:solidFill>
+                <a:effectLst/>
+                <a:latin typeface="+mn-lt"/>
+                <a:ea typeface="+mn-ea"/>
+                <a:cs typeface="+mn-cs"/>
+              </a:defRPr>
+            </a:lvl2pPr>
+            <a:lvl3pPr marL="914400" indent="0" algn="l" defTabSz="457200" rtl="0" eaLnBrk="1" latinLnBrk="0" hangingPunct="1">
+              <a:spcBef>
+                <a:spcPts val="0"/>
+              </a:spcBef>
+              <a:spcAft>
+                <a:spcPts val="1000"/>
+              </a:spcAft>
+              <a:buClr>
+                <a:schemeClr val="tx1"/>
+              </a:buClr>
+              <a:buSzPct val="100000"/>
+              <a:buFont typeface="Arial"/>
+              <a:buNone/>
+              <a:defRPr sz="1600" kern="1200" cap="none">
+                <a:solidFill>
+                  <a:schemeClr val="tx1">
+                    <a:tint val="75000"/>
+                  </a:schemeClr>
+                </a:solidFill>
+                <a:effectLst/>
+                <a:latin typeface="+mn-lt"/>
+                <a:ea typeface="+mn-ea"/>
+                <a:cs typeface="+mn-cs"/>
+              </a:defRPr>
+            </a:lvl3pPr>
+            <a:lvl4pPr marL="1371600" indent="0" algn="l" defTabSz="457200" rtl="0" eaLnBrk="1" latinLnBrk="0" hangingPunct="1">
+              <a:spcBef>
+                <a:spcPts val="0"/>
+              </a:spcBef>
+              <a:spcAft>
+                <a:spcPts val="1000"/>
+              </a:spcAft>
+              <a:buClr>
+                <a:schemeClr val="tx1"/>
+              </a:buClr>
+              <a:buSzPct val="100000"/>
+              <a:buFont typeface="Arial"/>
+              <a:buNone/>
+              <a:defRPr sz="1400" kern="1200" cap="none">
+                <a:solidFill>
+                  <a:schemeClr val="tx1">
+                    <a:tint val="75000"/>
+                  </a:schemeClr>
+                </a:solidFill>
+                <a:effectLst/>
+                <a:latin typeface="+mn-lt"/>
+                <a:ea typeface="+mn-ea"/>
+                <a:cs typeface="+mn-cs"/>
+              </a:defRPr>
+            </a:lvl4pPr>
+            <a:lvl5pPr marL="1828800" indent="0" algn="l" defTabSz="457200" rtl="0" eaLnBrk="1" latinLnBrk="0" hangingPunct="1">
+              <a:spcBef>
+                <a:spcPts val="0"/>
+              </a:spcBef>
+              <a:spcAft>
+                <a:spcPts val="1000"/>
+              </a:spcAft>
+              <a:buClr>
+                <a:schemeClr val="tx1"/>
+              </a:buClr>
+              <a:buSzPct val="100000"/>
+              <a:buFont typeface="Arial"/>
+              <a:buNone/>
+              <a:defRPr sz="1400" kern="1200" cap="none">
+                <a:solidFill>
+                  <a:schemeClr val="tx1">
+                    <a:tint val="75000"/>
+                  </a:schemeClr>
+                </a:solidFill>
+                <a:effectLst/>
+                <a:latin typeface="+mn-lt"/>
+                <a:ea typeface="+mn-ea"/>
+                <a:cs typeface="+mn-cs"/>
+              </a:defRPr>
+            </a:lvl5pPr>
+            <a:lvl6pPr marL="2286000" indent="0" algn="l" defTabSz="457200" rtl="0" eaLnBrk="1" latinLnBrk="0" hangingPunct="1">
+              <a:spcBef>
+                <a:spcPts val="0"/>
+              </a:spcBef>
+              <a:spcAft>
+                <a:spcPts val="1000"/>
+              </a:spcAft>
+              <a:buClr>
+                <a:schemeClr val="tx1"/>
+              </a:buClr>
+              <a:buSzPct val="100000"/>
+              <a:buFont typeface="Arial"/>
+              <a:buNone/>
+              <a:defRPr sz="1400" kern="1200" cap="none">
+                <a:solidFill>
+                  <a:schemeClr val="tx1">
+                    <a:tint val="75000"/>
+                  </a:schemeClr>
+                </a:solidFill>
+                <a:effectLst/>
+                <a:latin typeface="+mn-lt"/>
+                <a:ea typeface="+mn-ea"/>
+                <a:cs typeface="+mn-cs"/>
+              </a:defRPr>
+            </a:lvl6pPr>
+            <a:lvl7pPr marL="2743200" indent="0" algn="l" defTabSz="457200" rtl="0" eaLnBrk="1" latinLnBrk="0" hangingPunct="1">
+              <a:spcBef>
+                <a:spcPts val="0"/>
+              </a:spcBef>
+              <a:spcAft>
+                <a:spcPts val="1000"/>
+              </a:spcAft>
+              <a:buClr>
+                <a:schemeClr val="tx1"/>
+              </a:buClr>
+              <a:buSzPct val="100000"/>
+              <a:buFont typeface="Arial"/>
+              <a:buNone/>
+              <a:defRPr sz="1400" kern="1200" cap="none">
+                <a:solidFill>
+                  <a:schemeClr val="tx1">
+                    <a:tint val="75000"/>
+                  </a:schemeClr>
+                </a:solidFill>
+                <a:effectLst/>
+                <a:latin typeface="+mn-lt"/>
+                <a:ea typeface="+mn-ea"/>
+                <a:cs typeface="+mn-cs"/>
+              </a:defRPr>
+            </a:lvl7pPr>
+            <a:lvl8pPr marL="3200400" indent="0" algn="l" defTabSz="457200" rtl="0" eaLnBrk="1" latinLnBrk="0" hangingPunct="1">
+              <a:spcBef>
+                <a:spcPts val="0"/>
+              </a:spcBef>
+              <a:spcAft>
+                <a:spcPts val="1000"/>
+              </a:spcAft>
+              <a:buClr>
+                <a:schemeClr val="tx1"/>
+              </a:buClr>
+              <a:buSzPct val="100000"/>
+              <a:buFont typeface="Arial"/>
+              <a:buNone/>
+              <a:defRPr sz="1400" kern="1200" cap="none">
+                <a:solidFill>
+                  <a:schemeClr val="tx1">
+                    <a:tint val="75000"/>
+                  </a:schemeClr>
+                </a:solidFill>
+                <a:effectLst/>
+                <a:latin typeface="+mn-lt"/>
+                <a:ea typeface="+mn-ea"/>
+                <a:cs typeface="+mn-cs"/>
+              </a:defRPr>
+            </a:lvl8pPr>
+            <a:lvl9pPr marL="3657600" indent="0" algn="l" defTabSz="457200" rtl="0" eaLnBrk="1" latinLnBrk="0" hangingPunct="1">
+              <a:spcBef>
+                <a:spcPts val="0"/>
+              </a:spcBef>
+              <a:spcAft>
+                <a:spcPts val="1000"/>
+              </a:spcAft>
+              <a:buClr>
+                <a:schemeClr val="tx1"/>
+              </a:buClr>
+              <a:buSzPct val="100000"/>
+              <a:buFont typeface="Arial"/>
+              <a:buNone/>
+              <a:defRPr sz="1400" kern="1200" cap="none">
+                <a:solidFill>
+                  <a:schemeClr val="tx1">
+                    <a:tint val="75000"/>
+                  </a:schemeClr>
+                </a:solidFill>
+                <a:effectLst/>
+                <a:latin typeface="+mn-lt"/>
+                <a:ea typeface="+mn-ea"/>
+                <a:cs typeface="+mn-cs"/>
+              </a:defRPr>
+            </a:lvl9pPr>
+          </a:lstStyle>
+          <a:p>
+            <a:pPr algn="ctr"/>
+            <a:r>
+              <a:rPr lang="en-US" dirty="0"/>
+              <a:t>Printing results:</a:t>
+            </a:r>
+          </a:p>
+        </p:txBody>
+      </p:sp>
+      <p:sp>
+        <p:nvSpPr>
+          <p:cNvPr id="12" name="Text Placeholder 2">
+            <a:extLst>
+              <a:ext uri="{FF2B5EF4-FFF2-40B4-BE49-F238E27FC236}">
+                <a16:creationId xmlns:a16="http://schemas.microsoft.com/office/drawing/2014/main" id="{49A2D756-EEFC-4C57-A5AC-B577C74EEBD1}"/>
+              </a:ext>
+            </a:extLst>
+          </p:cNvPr>
+          <p:cNvSpPr txBox="1">
+            <a:spLocks/>
+          </p:cNvSpPr>
+          <p:nvPr/>
+        </p:nvSpPr>
+        <p:spPr>
+          <a:xfrm rot="16200000">
+            <a:off x="-1206035" y="3334216"/>
+            <a:ext cx="2822511" cy="410440"/>
+          </a:xfrm>
+          <a:prstGeom prst="rect">
+            <a:avLst/>
+          </a:prstGeom>
+        </p:spPr>
+        <p:txBody>
+          <a:bodyPr vert="horz" lIns="91440" tIns="45720" rIns="91440" bIns="45720" rtlCol="0" anchor="t">
+            <a:normAutofit/>
+          </a:bodyPr>
+          <a:lstStyle>
+            <a:lvl1pPr marL="0" indent="0" algn="l" defTabSz="457200" rtl="0" eaLnBrk="1" latinLnBrk="0" hangingPunct="1">
+              <a:spcBef>
+                <a:spcPts val="0"/>
+              </a:spcBef>
+              <a:spcAft>
+                <a:spcPts val="1000"/>
+              </a:spcAft>
+              <a:buClr>
+                <a:schemeClr val="tx1"/>
+              </a:buClr>
+              <a:buSzPct val="100000"/>
+              <a:buFont typeface="Arial"/>
+              <a:buNone/>
+              <a:defRPr sz="2000" kern="1200" cap="all">
+                <a:solidFill>
+                  <a:schemeClr val="tx1"/>
+                </a:solidFill>
+                <a:effectLst/>
+                <a:latin typeface="+mn-lt"/>
+                <a:ea typeface="+mn-ea"/>
+                <a:cs typeface="+mn-cs"/>
+              </a:defRPr>
+            </a:lvl1pPr>
+            <a:lvl2pPr marL="457200" indent="0" algn="l" defTabSz="457200" rtl="0" eaLnBrk="1" latinLnBrk="0" hangingPunct="1">
+              <a:spcBef>
+                <a:spcPts val="0"/>
+              </a:spcBef>
+              <a:spcAft>
+                <a:spcPts val="1000"/>
+              </a:spcAft>
+              <a:buClr>
+                <a:schemeClr val="tx1"/>
+              </a:buClr>
+              <a:buSzPct val="100000"/>
+              <a:buFont typeface="Arial"/>
+              <a:buNone/>
+              <a:defRPr sz="1800" kern="1200" cap="none">
+                <a:solidFill>
+                  <a:schemeClr val="tx1">
+                    <a:tint val="75000"/>
+                  </a:schemeClr>
+                </a:solidFill>
+                <a:effectLst/>
+                <a:latin typeface="+mn-lt"/>
+                <a:ea typeface="+mn-ea"/>
+                <a:cs typeface="+mn-cs"/>
+              </a:defRPr>
+            </a:lvl2pPr>
+            <a:lvl3pPr marL="914400" indent="0" algn="l" defTabSz="457200" rtl="0" eaLnBrk="1" latinLnBrk="0" hangingPunct="1">
+              <a:spcBef>
+                <a:spcPts val="0"/>
+              </a:spcBef>
+              <a:spcAft>
+                <a:spcPts val="1000"/>
+              </a:spcAft>
+              <a:buClr>
+                <a:schemeClr val="tx1"/>
+              </a:buClr>
+              <a:buSzPct val="100000"/>
+              <a:buFont typeface="Arial"/>
+              <a:buNone/>
+              <a:defRPr sz="1600" kern="1200" cap="none">
+                <a:solidFill>
+                  <a:schemeClr val="tx1">
+                    <a:tint val="75000"/>
+                  </a:schemeClr>
+                </a:solidFill>
+                <a:effectLst/>
+                <a:latin typeface="+mn-lt"/>
+                <a:ea typeface="+mn-ea"/>
+                <a:cs typeface="+mn-cs"/>
+              </a:defRPr>
+            </a:lvl3pPr>
+            <a:lvl4pPr marL="1371600" indent="0" algn="l" defTabSz="457200" rtl="0" eaLnBrk="1" latinLnBrk="0" hangingPunct="1">
+              <a:spcBef>
+                <a:spcPts val="0"/>
+              </a:spcBef>
+              <a:spcAft>
+                <a:spcPts val="1000"/>
+              </a:spcAft>
+              <a:buClr>
+                <a:schemeClr val="tx1"/>
+              </a:buClr>
+              <a:buSzPct val="100000"/>
+              <a:buFont typeface="Arial"/>
+              <a:buNone/>
+              <a:defRPr sz="1400" kern="1200" cap="none">
+                <a:solidFill>
+                  <a:schemeClr val="tx1">
+                    <a:tint val="75000"/>
+                  </a:schemeClr>
+                </a:solidFill>
+                <a:effectLst/>
+                <a:latin typeface="+mn-lt"/>
+                <a:ea typeface="+mn-ea"/>
+                <a:cs typeface="+mn-cs"/>
+              </a:defRPr>
+            </a:lvl4pPr>
+            <a:lvl5pPr marL="1828800" indent="0" algn="l" defTabSz="457200" rtl="0" eaLnBrk="1" latinLnBrk="0" hangingPunct="1">
+              <a:spcBef>
+                <a:spcPts val="0"/>
+              </a:spcBef>
+              <a:spcAft>
+                <a:spcPts val="1000"/>
+              </a:spcAft>
+              <a:buClr>
+                <a:schemeClr val="tx1"/>
+              </a:buClr>
+              <a:buSzPct val="100000"/>
+              <a:buFont typeface="Arial"/>
+              <a:buNone/>
+              <a:defRPr sz="1400" kern="1200" cap="none">
+                <a:solidFill>
+                  <a:schemeClr val="tx1">
+                    <a:tint val="75000"/>
+                  </a:schemeClr>
+                </a:solidFill>
+                <a:effectLst/>
+                <a:latin typeface="+mn-lt"/>
+                <a:ea typeface="+mn-ea"/>
+                <a:cs typeface="+mn-cs"/>
+              </a:defRPr>
+            </a:lvl5pPr>
+            <a:lvl6pPr marL="2286000" indent="0" algn="l" defTabSz="457200" rtl="0" eaLnBrk="1" latinLnBrk="0" hangingPunct="1">
+              <a:spcBef>
+                <a:spcPts val="0"/>
+              </a:spcBef>
+              <a:spcAft>
+                <a:spcPts val="1000"/>
+              </a:spcAft>
+              <a:buClr>
+                <a:schemeClr val="tx1"/>
+              </a:buClr>
+              <a:buSzPct val="100000"/>
+              <a:buFont typeface="Arial"/>
+              <a:buNone/>
+              <a:defRPr sz="1400" kern="1200" cap="none">
+                <a:solidFill>
+                  <a:schemeClr val="tx1">
+                    <a:tint val="75000"/>
+                  </a:schemeClr>
+                </a:solidFill>
+                <a:effectLst/>
+                <a:latin typeface="+mn-lt"/>
+                <a:ea typeface="+mn-ea"/>
+                <a:cs typeface="+mn-cs"/>
+              </a:defRPr>
+            </a:lvl6pPr>
+            <a:lvl7pPr marL="2743200" indent="0" algn="l" defTabSz="457200" rtl="0" eaLnBrk="1" latinLnBrk="0" hangingPunct="1">
+              <a:spcBef>
+                <a:spcPts val="0"/>
+              </a:spcBef>
+              <a:spcAft>
+                <a:spcPts val="1000"/>
+              </a:spcAft>
+              <a:buClr>
+                <a:schemeClr val="tx1"/>
+              </a:buClr>
+              <a:buSzPct val="100000"/>
+              <a:buFont typeface="Arial"/>
+              <a:buNone/>
+              <a:defRPr sz="1400" kern="1200" cap="none">
+                <a:solidFill>
+                  <a:schemeClr val="tx1">
+                    <a:tint val="75000"/>
+                  </a:schemeClr>
+                </a:solidFill>
+                <a:effectLst/>
+                <a:latin typeface="+mn-lt"/>
+                <a:ea typeface="+mn-ea"/>
+                <a:cs typeface="+mn-cs"/>
+              </a:defRPr>
+            </a:lvl7pPr>
+            <a:lvl8pPr marL="3200400" indent="0" algn="l" defTabSz="457200" rtl="0" eaLnBrk="1" latinLnBrk="0" hangingPunct="1">
+              <a:spcBef>
+                <a:spcPts val="0"/>
+              </a:spcBef>
+              <a:spcAft>
+                <a:spcPts val="1000"/>
+              </a:spcAft>
+              <a:buClr>
+                <a:schemeClr val="tx1"/>
+              </a:buClr>
+              <a:buSzPct val="100000"/>
+              <a:buFont typeface="Arial"/>
+              <a:buNone/>
+              <a:defRPr sz="1400" kern="1200" cap="none">
+                <a:solidFill>
+                  <a:schemeClr val="tx1">
+                    <a:tint val="75000"/>
+                  </a:schemeClr>
+                </a:solidFill>
+                <a:effectLst/>
+                <a:latin typeface="+mn-lt"/>
+                <a:ea typeface="+mn-ea"/>
+                <a:cs typeface="+mn-cs"/>
+              </a:defRPr>
+            </a:lvl8pPr>
+            <a:lvl9pPr marL="3657600" indent="0" algn="l" defTabSz="457200" rtl="0" eaLnBrk="1" latinLnBrk="0" hangingPunct="1">
+              <a:spcBef>
+                <a:spcPts val="0"/>
+              </a:spcBef>
+              <a:spcAft>
+                <a:spcPts val="1000"/>
+              </a:spcAft>
+              <a:buClr>
+                <a:schemeClr val="tx1"/>
+              </a:buClr>
+              <a:buSzPct val="100000"/>
+              <a:buFont typeface="Arial"/>
+              <a:buNone/>
+              <a:defRPr sz="1400" kern="1200" cap="none">
+                <a:solidFill>
+                  <a:schemeClr val="tx1">
+                    <a:tint val="75000"/>
+                  </a:schemeClr>
+                </a:solidFill>
+                <a:effectLst/>
+                <a:latin typeface="+mn-lt"/>
+                <a:ea typeface="+mn-ea"/>
+                <a:cs typeface="+mn-cs"/>
+              </a:defRPr>
+            </a:lvl9pPr>
+          </a:lstStyle>
+          <a:p>
+            <a:pPr algn="ctr"/>
+            <a:r>
+              <a:rPr lang="en-US" dirty="0"/>
+              <a:t>Models:</a:t>
+            </a:r>
+          </a:p>
+        </p:txBody>
+      </p:sp>
+      <p:sp>
+        <p:nvSpPr>
+          <p:cNvPr id="13" name="Text Placeholder 2">
+            <a:extLst>
+              <a:ext uri="{FF2B5EF4-FFF2-40B4-BE49-F238E27FC236}">
+                <a16:creationId xmlns:a16="http://schemas.microsoft.com/office/drawing/2014/main" id="{B443D6FA-33C3-418B-8C32-1544D719D249}"/>
+              </a:ext>
+            </a:extLst>
+          </p:cNvPr>
+          <p:cNvSpPr txBox="1">
+            <a:spLocks/>
+          </p:cNvSpPr>
+          <p:nvPr/>
+        </p:nvSpPr>
+        <p:spPr>
+          <a:xfrm rot="16200000">
+            <a:off x="2353991" y="2830899"/>
+            <a:ext cx="2822511" cy="410440"/>
+          </a:xfrm>
+          <a:prstGeom prst="rect">
+            <a:avLst/>
+          </a:prstGeom>
+        </p:spPr>
+        <p:txBody>
+          <a:bodyPr vert="horz" lIns="91440" tIns="45720" rIns="91440" bIns="45720" rtlCol="0" anchor="t">
+            <a:normAutofit/>
+          </a:bodyPr>
+          <a:lstStyle>
+            <a:lvl1pPr marL="0" indent="0" algn="l" defTabSz="457200" rtl="0" eaLnBrk="1" latinLnBrk="0" hangingPunct="1">
+              <a:spcBef>
+                <a:spcPts val="0"/>
+              </a:spcBef>
+              <a:spcAft>
+                <a:spcPts val="1000"/>
+              </a:spcAft>
+              <a:buClr>
+                <a:schemeClr val="tx1"/>
+              </a:buClr>
+              <a:buSzPct val="100000"/>
+              <a:buFont typeface="Arial"/>
+              <a:buNone/>
+              <a:defRPr sz="2000" kern="1200" cap="all">
+                <a:solidFill>
+                  <a:schemeClr val="tx1"/>
+                </a:solidFill>
+                <a:effectLst/>
+                <a:latin typeface="+mn-lt"/>
+                <a:ea typeface="+mn-ea"/>
+                <a:cs typeface="+mn-cs"/>
+              </a:defRPr>
+            </a:lvl1pPr>
+            <a:lvl2pPr marL="457200" indent="0" algn="l" defTabSz="457200" rtl="0" eaLnBrk="1" latinLnBrk="0" hangingPunct="1">
+              <a:spcBef>
+                <a:spcPts val="0"/>
+              </a:spcBef>
+              <a:spcAft>
+                <a:spcPts val="1000"/>
+              </a:spcAft>
+              <a:buClr>
+                <a:schemeClr val="tx1"/>
+              </a:buClr>
+              <a:buSzPct val="100000"/>
+              <a:buFont typeface="Arial"/>
+              <a:buNone/>
+              <a:defRPr sz="1800" kern="1200" cap="none">
+                <a:solidFill>
+                  <a:schemeClr val="tx1">
+                    <a:tint val="75000"/>
+                  </a:schemeClr>
+                </a:solidFill>
+                <a:effectLst/>
+                <a:latin typeface="+mn-lt"/>
+                <a:ea typeface="+mn-ea"/>
+                <a:cs typeface="+mn-cs"/>
+              </a:defRPr>
+            </a:lvl2pPr>
+            <a:lvl3pPr marL="914400" indent="0" algn="l" defTabSz="457200" rtl="0" eaLnBrk="1" latinLnBrk="0" hangingPunct="1">
+              <a:spcBef>
+                <a:spcPts val="0"/>
+              </a:spcBef>
+              <a:spcAft>
+                <a:spcPts val="1000"/>
+              </a:spcAft>
+              <a:buClr>
+                <a:schemeClr val="tx1"/>
+              </a:buClr>
+              <a:buSzPct val="100000"/>
+              <a:buFont typeface="Arial"/>
+              <a:buNone/>
+              <a:defRPr sz="1600" kern="1200" cap="none">
+                <a:solidFill>
+                  <a:schemeClr val="tx1">
+                    <a:tint val="75000"/>
+                  </a:schemeClr>
+                </a:solidFill>
+                <a:effectLst/>
+                <a:latin typeface="+mn-lt"/>
+                <a:ea typeface="+mn-ea"/>
+                <a:cs typeface="+mn-cs"/>
+              </a:defRPr>
+            </a:lvl3pPr>
+            <a:lvl4pPr marL="1371600" indent="0" algn="l" defTabSz="457200" rtl="0" eaLnBrk="1" latinLnBrk="0" hangingPunct="1">
+              <a:spcBef>
+                <a:spcPts val="0"/>
+              </a:spcBef>
+              <a:spcAft>
+                <a:spcPts val="1000"/>
+              </a:spcAft>
+              <a:buClr>
+                <a:schemeClr val="tx1"/>
+              </a:buClr>
+              <a:buSzPct val="100000"/>
+              <a:buFont typeface="Arial"/>
+              <a:buNone/>
+              <a:defRPr sz="1400" kern="1200" cap="none">
+                <a:solidFill>
+                  <a:schemeClr val="tx1">
+                    <a:tint val="75000"/>
+                  </a:schemeClr>
+                </a:solidFill>
+                <a:effectLst/>
+                <a:latin typeface="+mn-lt"/>
+                <a:ea typeface="+mn-ea"/>
+                <a:cs typeface="+mn-cs"/>
+              </a:defRPr>
+            </a:lvl4pPr>
+            <a:lvl5pPr marL="1828800" indent="0" algn="l" defTabSz="457200" rtl="0" eaLnBrk="1" latinLnBrk="0" hangingPunct="1">
+              <a:spcBef>
+                <a:spcPts val="0"/>
+              </a:spcBef>
+              <a:spcAft>
+                <a:spcPts val="1000"/>
+              </a:spcAft>
+              <a:buClr>
+                <a:schemeClr val="tx1"/>
+              </a:buClr>
+              <a:buSzPct val="100000"/>
+              <a:buFont typeface="Arial"/>
+              <a:buNone/>
+              <a:defRPr sz="1400" kern="1200" cap="none">
+                <a:solidFill>
+                  <a:schemeClr val="tx1">
+                    <a:tint val="75000"/>
+                  </a:schemeClr>
+                </a:solidFill>
+                <a:effectLst/>
+                <a:latin typeface="+mn-lt"/>
+                <a:ea typeface="+mn-ea"/>
+                <a:cs typeface="+mn-cs"/>
+              </a:defRPr>
+            </a:lvl5pPr>
+            <a:lvl6pPr marL="2286000" indent="0" algn="l" defTabSz="457200" rtl="0" eaLnBrk="1" latinLnBrk="0" hangingPunct="1">
+              <a:spcBef>
+                <a:spcPts val="0"/>
+              </a:spcBef>
+              <a:spcAft>
+                <a:spcPts val="1000"/>
+              </a:spcAft>
+              <a:buClr>
+                <a:schemeClr val="tx1"/>
+              </a:buClr>
+              <a:buSzPct val="100000"/>
+              <a:buFont typeface="Arial"/>
+              <a:buNone/>
+              <a:defRPr sz="1400" kern="1200" cap="none">
+                <a:solidFill>
+                  <a:schemeClr val="tx1">
+                    <a:tint val="75000"/>
+                  </a:schemeClr>
+                </a:solidFill>
+                <a:effectLst/>
+                <a:latin typeface="+mn-lt"/>
+                <a:ea typeface="+mn-ea"/>
+                <a:cs typeface="+mn-cs"/>
+              </a:defRPr>
+            </a:lvl6pPr>
+            <a:lvl7pPr marL="2743200" indent="0" algn="l" defTabSz="457200" rtl="0" eaLnBrk="1" latinLnBrk="0" hangingPunct="1">
+              <a:spcBef>
+                <a:spcPts val="0"/>
+              </a:spcBef>
+              <a:spcAft>
+                <a:spcPts val="1000"/>
+              </a:spcAft>
+              <a:buClr>
+                <a:schemeClr val="tx1"/>
+              </a:buClr>
+              <a:buSzPct val="100000"/>
+              <a:buFont typeface="Arial"/>
+              <a:buNone/>
+              <a:defRPr sz="1400" kern="1200" cap="none">
+                <a:solidFill>
+                  <a:schemeClr val="tx1">
+                    <a:tint val="75000"/>
+                  </a:schemeClr>
+                </a:solidFill>
+                <a:effectLst/>
+                <a:latin typeface="+mn-lt"/>
+                <a:ea typeface="+mn-ea"/>
+                <a:cs typeface="+mn-cs"/>
+              </a:defRPr>
+            </a:lvl7pPr>
+            <a:lvl8pPr marL="3200400" indent="0" algn="l" defTabSz="457200" rtl="0" eaLnBrk="1" latinLnBrk="0" hangingPunct="1">
+              <a:spcBef>
+                <a:spcPts val="0"/>
+              </a:spcBef>
+              <a:spcAft>
+                <a:spcPts val="1000"/>
+              </a:spcAft>
+              <a:buClr>
+                <a:schemeClr val="tx1"/>
+              </a:buClr>
+              <a:buSzPct val="100000"/>
+              <a:buFont typeface="Arial"/>
+              <a:buNone/>
+              <a:defRPr sz="1400" kern="1200" cap="none">
+                <a:solidFill>
+                  <a:schemeClr val="tx1">
+                    <a:tint val="75000"/>
+                  </a:schemeClr>
+                </a:solidFill>
+                <a:effectLst/>
+                <a:latin typeface="+mn-lt"/>
+                <a:ea typeface="+mn-ea"/>
+                <a:cs typeface="+mn-cs"/>
+              </a:defRPr>
+            </a:lvl8pPr>
+            <a:lvl9pPr marL="3657600" indent="0" algn="l" defTabSz="457200" rtl="0" eaLnBrk="1" latinLnBrk="0" hangingPunct="1">
+              <a:spcBef>
+                <a:spcPts val="0"/>
+              </a:spcBef>
+              <a:spcAft>
+                <a:spcPts val="1000"/>
+              </a:spcAft>
+              <a:buClr>
+                <a:schemeClr val="tx1"/>
+              </a:buClr>
+              <a:buSzPct val="100000"/>
+              <a:buFont typeface="Arial"/>
+              <a:buNone/>
+              <a:defRPr sz="1400" kern="1200" cap="none">
+                <a:solidFill>
+                  <a:schemeClr val="tx1">
+                    <a:tint val="75000"/>
+                  </a:schemeClr>
+                </a:solidFill>
+                <a:effectLst/>
+                <a:latin typeface="+mn-lt"/>
+                <a:ea typeface="+mn-ea"/>
+                <a:cs typeface="+mn-cs"/>
+              </a:defRPr>
+            </a:lvl9pPr>
+          </a:lstStyle>
+          <a:p>
+            <a:pPr algn="ctr"/>
+            <a:r>
+              <a:rPr lang="en-US" dirty="0"/>
+              <a:t>Factory:</a:t>
+            </a:r>
+          </a:p>
+        </p:txBody>
+      </p:sp>
+    </p:spTree>
+    <p:extLst>
+      <p:ext uri="{BB962C8B-B14F-4D97-AF65-F5344CB8AC3E}">
+        <p14:creationId xmlns:p14="http://schemas.microsoft.com/office/powerpoint/2010/main" val="2589422622"/>
+      </p:ext>
+    </p:extLst>
+  </p:cSld>
+  <p:clrMapOvr>
+    <a:masterClrMapping/>
+  </p:clrMapOvr>
+</p:sld>
+</file>
+
 <file path=ppt/slides/slide2.xml><?xml version="1.0" encoding="utf-8"?>
 <p:sld xmlns:a="http://schemas.openxmlformats.org/drawingml/2006/main" xmlns:r="http://schemas.openxmlformats.org/officeDocument/2006/relationships" xmlns:p="http://schemas.openxmlformats.org/presentationml/2006/main">
   <p:cSld>
